--- a/卒研発表/1821005_yoshioka_thesis.pptx
+++ b/卒研発表/1821005_yoshioka_thesis.pptx
@@ -5,7 +5,7 @@
     <p:sldMasterId id="2147483660" r:id="rId1"/>
   </p:sldMasterIdLst>
   <p:notesMasterIdLst>
-    <p:notesMasterId r:id="rId22"/>
+    <p:notesMasterId r:id="rId23"/>
   </p:notesMasterIdLst>
   <p:sldIdLst>
     <p:sldId id="256" r:id="rId2"/>
@@ -28,6 +28,7 @@
     <p:sldId id="273" r:id="rId19"/>
     <p:sldId id="274" r:id="rId20"/>
     <p:sldId id="275" r:id="rId21"/>
+    <p:sldId id="276" r:id="rId22"/>
   </p:sldIdLst>
   <p:sldSz cx="9144000" cy="6858000" type="screen4x3"/>
   <p:notesSz cx="6858000" cy="9144000"/>
@@ -216,7 +217,7 @@
           <a:p>
             <a:fld id="{04DBA5AC-A1FD-4BBB-B42A-5BCC6C51C6F5}" type="datetimeFigureOut">
               <a:rPr kumimoji="1" lang="ja-JP" altLang="en-US" smtClean="0"/>
-              <a:t>2022/1/20</a:t>
+              <a:t>2022/1/23</a:t>
             </a:fld>
             <a:endParaRPr kumimoji="1" lang="ja-JP" altLang="en-US"/>
           </a:p>
@@ -1614,19 +1615,7 @@
                 <a:ea typeface="+mn-ea"/>
                 <a:cs typeface="+mn-cs"/>
               </a:rPr>
-              <a:t>また，検索結果上位に表示された画像について視覚的な共通点を評価する</a:t>
-            </a:r>
-            <a:r>
-              <a:rPr kumimoji="1" lang="ja-JP" altLang="en-US" sz="1200" kern="1200" dirty="0" smtClean="0">
-                <a:solidFill>
-                  <a:schemeClr val="tx1"/>
-                </a:solidFill>
-                <a:effectLst/>
-                <a:latin typeface="+mn-lt"/>
-                <a:ea typeface="+mn-ea"/>
-                <a:cs typeface="+mn-cs"/>
-              </a:rPr>
-              <a:t>．特徴ベクトルの持つ意味情報について調査さすることも目的とします．</a:t>
+              <a:t>また，検索結果上位に表示された画像について視覚的な共通点を評価する．特徴ベクトルの持つ意味情報について調査さすることも目的とします．</a:t>
             </a:r>
             <a:endParaRPr kumimoji="1" lang="en-US" altLang="ja-JP" sz="1200" kern="1200" dirty="0" smtClean="0">
               <a:solidFill>
@@ -1847,11 +1836,7 @@
             </a:pPr>
             <a:r>
               <a:rPr lang="ja-JP" altLang="en-US" dirty="0" smtClean="0"/>
-              <a:t>検索上位に表示された画像の共通点について評価を行います</a:t>
-            </a:r>
-            <a:r>
-              <a:rPr lang="ja-JP" altLang="en-US" dirty="0" smtClean="0"/>
-              <a:t>．</a:t>
+              <a:t>検索上位に表示された画像の共通点について評価を行います．</a:t>
             </a:r>
             <a:endParaRPr lang="en-US" altLang="ja-JP" dirty="0" smtClean="0"/>
           </a:p>
@@ -2677,10 +2662,10 @@
                 <a:ea typeface="+mn-ea"/>
                 <a:cs typeface="+mn-cs"/>
               </a:rPr>
-              <a:t>次元</a:t>
-            </a:r>
-            <a:r>
-              <a:rPr kumimoji="1" lang="ja-JP" altLang="ja-JP" sz="1200" kern="1200" dirty="0" smtClean="0">
+              <a:t>次元数</a:t>
+            </a:r>
+            <a:r>
+              <a:rPr kumimoji="1" lang="en-US" altLang="ja-JP" sz="1200" kern="1200" dirty="0" smtClean="0">
                 <a:solidFill>
                   <a:schemeClr val="tx1"/>
                 </a:solidFill>
@@ -2689,10 +2674,10 @@
                 <a:ea typeface="+mn-ea"/>
                 <a:cs typeface="+mn-cs"/>
               </a:rPr>
-              <a:t>数</a:t>
-            </a:r>
-            <a:r>
-              <a:rPr kumimoji="1" lang="en-US" altLang="ja-JP" sz="1200" kern="1200" dirty="0" smtClean="0">
+              <a:t>1000</a:t>
+            </a:r>
+            <a:r>
+              <a:rPr kumimoji="1" lang="ja-JP" altLang="ja-JP" sz="1200" kern="1200" dirty="0" smtClean="0">
                 <a:solidFill>
                   <a:schemeClr val="tx1"/>
                 </a:solidFill>
@@ -2701,43 +2686,7 @@
                 <a:ea typeface="+mn-ea"/>
                 <a:cs typeface="+mn-cs"/>
               </a:rPr>
-              <a:t>1000</a:t>
-            </a:r>
-            <a:r>
-              <a:rPr kumimoji="1" lang="ja-JP" altLang="ja-JP" sz="1200" kern="1200" dirty="0" smtClean="0">
-                <a:solidFill>
-                  <a:schemeClr val="tx1"/>
-                </a:solidFill>
-                <a:effectLst/>
-                <a:latin typeface="+mn-lt"/>
-                <a:ea typeface="+mn-ea"/>
-                <a:cs typeface="+mn-cs"/>
-              </a:rPr>
-              <a:t>が，次元数</a:t>
-            </a:r>
-            <a:r>
-              <a:rPr kumimoji="1" lang="ja-JP" altLang="ja-JP" sz="1200" kern="1200" dirty="0" smtClean="0">
-                <a:solidFill>
-                  <a:schemeClr val="tx1"/>
-                </a:solidFill>
-                <a:effectLst/>
-                <a:latin typeface="+mn-lt"/>
-                <a:ea typeface="+mn-ea"/>
-                <a:cs typeface="+mn-cs"/>
-              </a:rPr>
-              <a:t>，計算時間の両方の観点から最も良かった</a:t>
-            </a:r>
-            <a:r>
-              <a:rPr kumimoji="1" lang="ja-JP" altLang="ja-JP" sz="1200" kern="1200" dirty="0" smtClean="0">
-                <a:solidFill>
-                  <a:schemeClr val="tx1"/>
-                </a:solidFill>
-                <a:effectLst/>
-                <a:latin typeface="+mn-lt"/>
-                <a:ea typeface="+mn-ea"/>
-                <a:cs typeface="+mn-cs"/>
-              </a:rPr>
-              <a:t>．</a:t>
+              <a:t>が，次元数，計算時間の両方の観点から最も良かった．</a:t>
             </a:r>
             <a:endParaRPr kumimoji="1" lang="en-US" altLang="ja-JP" sz="1200" kern="1200" dirty="0" smtClean="0">
               <a:solidFill>
@@ -2783,31 +2732,7 @@
                 <a:ea typeface="+mn-ea"/>
                 <a:cs typeface="+mn-cs"/>
               </a:rPr>
-              <a:t>次に，全体を通して検索精度が出ていなかったことに関し，検索</a:t>
-            </a:r>
-            <a:r>
-              <a:rPr kumimoji="1" lang="ja-JP" altLang="en-US" sz="1200" kern="1200" dirty="0" smtClean="0">
-                <a:solidFill>
-                  <a:schemeClr val="tx1"/>
-                </a:solidFill>
-                <a:effectLst/>
-                <a:latin typeface="+mn-lt"/>
-                <a:ea typeface="+mn-ea"/>
-                <a:cs typeface="+mn-cs"/>
-              </a:rPr>
-              <a:t>精度が出ていない理由として，ラベルによって検索精度が異なり，検索精度が低いラベルが複数確認できた</a:t>
-            </a:r>
-            <a:r>
-              <a:rPr kumimoji="1" lang="ja-JP" altLang="en-US" sz="1200" kern="1200" dirty="0" smtClean="0">
-                <a:solidFill>
-                  <a:schemeClr val="tx1"/>
-                </a:solidFill>
-                <a:effectLst/>
-                <a:latin typeface="+mn-lt"/>
-                <a:ea typeface="+mn-ea"/>
-                <a:cs typeface="+mn-cs"/>
-              </a:rPr>
-              <a:t>．</a:t>
+              <a:t>次に，全体を通して検索精度が出ていなかったことに関し，検索精度が出ていない理由として，ラベルによって検索精度が異なり，検索精度が低いラベルが複数確認できた．</a:t>
             </a:r>
             <a:endParaRPr kumimoji="1" lang="en-US" altLang="ja-JP" sz="1200" kern="1200" dirty="0" smtClean="0">
               <a:solidFill>
@@ -2871,10 +2796,10 @@
                 <a:ea typeface="+mn-ea"/>
                 <a:cs typeface="+mn-cs"/>
               </a:rPr>
-              <a:t>一部</a:t>
-            </a:r>
-            <a:r>
-              <a:rPr kumimoji="1" lang="ja-JP" altLang="ja-JP" sz="1200" kern="1200" dirty="0" smtClean="0">
+              <a:t>一部のラベルでは</a:t>
+            </a:r>
+            <a:r>
+              <a:rPr kumimoji="1" lang="ja-JP" altLang="en-US" sz="1200" kern="1200" dirty="0" smtClean="0">
                 <a:solidFill>
                   <a:schemeClr val="tx1"/>
                 </a:solidFill>
@@ -2883,43 +2808,7 @@
                 <a:ea typeface="+mn-ea"/>
                 <a:cs typeface="+mn-cs"/>
               </a:rPr>
-              <a:t>のラベルでは</a:t>
-            </a:r>
-            <a:r>
-              <a:rPr kumimoji="1" lang="ja-JP" altLang="en-US" sz="1200" kern="1200" dirty="0" smtClean="0">
-                <a:solidFill>
-                  <a:schemeClr val="tx1"/>
-                </a:solidFill>
-                <a:effectLst/>
-                <a:latin typeface="+mn-lt"/>
-                <a:ea typeface="+mn-ea"/>
-                <a:cs typeface="+mn-cs"/>
-              </a:rPr>
-              <a:t>，特徴ベクトル</a:t>
-            </a:r>
-            <a:r>
-              <a:rPr kumimoji="1" lang="ja-JP" altLang="en-US" sz="1200" kern="1200" dirty="0" smtClean="0">
-                <a:solidFill>
-                  <a:schemeClr val="tx1"/>
-                </a:solidFill>
-                <a:effectLst/>
-                <a:latin typeface="+mn-lt"/>
-                <a:ea typeface="+mn-ea"/>
-                <a:cs typeface="+mn-cs"/>
-              </a:rPr>
-              <a:t>に意味情報が取れていなかった</a:t>
-            </a:r>
-            <a:r>
-              <a:rPr kumimoji="1" lang="ja-JP" altLang="en-US" sz="1200" kern="1200" dirty="0" smtClean="0">
-                <a:solidFill>
-                  <a:schemeClr val="tx1"/>
-                </a:solidFill>
-                <a:effectLst/>
-                <a:latin typeface="+mn-lt"/>
-                <a:ea typeface="+mn-ea"/>
-                <a:cs typeface="+mn-cs"/>
-              </a:rPr>
-              <a:t>．</a:t>
+              <a:t>，特徴ベクトルに意味情報が取れていなかった．</a:t>
             </a:r>
             <a:r>
               <a:rPr kumimoji="1" lang="ja-JP" altLang="en-US" sz="1200" b="0" i="0" kern="1200" dirty="0" smtClean="0">
@@ -3238,7 +3127,89 @@
                 <a:ea typeface="+mn-ea"/>
                 <a:cs typeface="+mn-cs"/>
               </a:rPr>
-              <a:t>今後の展望として，本研究で行った提案手法を応用させるために，ユークリッド距離以外での類似性の評価，異なる深層学習モデル構造を使用した特徴ベクトル抽出を行うことで，異なる画像検索精度や得られる意味情報の調査をすることができるのではないかと考えています．また，本提案手法を用いて，最適な次元数の特徴ベクトルを画像検索システムに適用することでより柔軟な画像検索に貢献できることを期待しています．</a:t>
+              <a:t>今後の展望として，本研究で行った提案手法を応用させるために，ユークリッド距離以外での類似性の評価，異なる深層学習モデル構造を使用した特徴ベクトル抽出を行うことで，異なる画像検索精度や得られる意味情報の調査をすることができるのではないかと考えています</a:t>
+            </a:r>
+            <a:r>
+              <a:rPr kumimoji="1" lang="ja-JP" altLang="ja-JP" sz="1200" kern="1200" dirty="0" smtClean="0">
+                <a:solidFill>
+                  <a:schemeClr val="tx1"/>
+                </a:solidFill>
+                <a:effectLst/>
+                <a:latin typeface="+mn-lt"/>
+                <a:ea typeface="+mn-ea"/>
+                <a:cs typeface="+mn-cs"/>
+              </a:rPr>
+              <a:t>．</a:t>
+            </a:r>
+            <a:endParaRPr kumimoji="1" lang="en-US" altLang="ja-JP" sz="1200" kern="1200" dirty="0" smtClean="0">
+              <a:solidFill>
+                <a:schemeClr val="tx1"/>
+              </a:solidFill>
+              <a:effectLst/>
+              <a:latin typeface="+mn-lt"/>
+              <a:ea typeface="+mn-ea"/>
+              <a:cs typeface="+mn-cs"/>
+            </a:endParaRPr>
+          </a:p>
+          <a:p>
+            <a:pPr marL="0" marR="0" indent="0" algn="l" defTabSz="914400" rtl="0" eaLnBrk="1" fontAlgn="auto" latinLnBrk="0" hangingPunct="1">
+              <a:lnSpc>
+                <a:spcPct val="100000"/>
+              </a:lnSpc>
+              <a:spcBef>
+                <a:spcPts val="0"/>
+              </a:spcBef>
+              <a:spcAft>
+                <a:spcPts val="0"/>
+              </a:spcAft>
+              <a:buClrTx/>
+              <a:buSzTx/>
+              <a:buFontTx/>
+              <a:buNone/>
+              <a:tabLst/>
+              <a:defRPr/>
+            </a:pPr>
+            <a:r>
+              <a:rPr lang="ja-JP" altLang="en-US" dirty="0" smtClean="0"/>
+              <a:t>画像特徴ベクトルを画像検索に適用することで対象物の形や色といった面から画像を検索できると予想する．</a:t>
+            </a:r>
+            <a:endParaRPr kumimoji="1" lang="ja-JP" altLang="en-US" dirty="0" smtClean="0"/>
+          </a:p>
+          <a:p>
+            <a:endParaRPr kumimoji="1" lang="en-US" altLang="ja-JP" sz="1200" kern="1200" dirty="0" smtClean="0">
+              <a:solidFill>
+                <a:schemeClr val="tx1"/>
+              </a:solidFill>
+              <a:effectLst/>
+              <a:latin typeface="+mn-lt"/>
+              <a:ea typeface="+mn-ea"/>
+              <a:cs typeface="+mn-cs"/>
+            </a:endParaRPr>
+          </a:p>
+          <a:p>
+            <a:r>
+              <a:rPr kumimoji="1" lang="ja-JP" altLang="ja-JP" sz="1200" kern="1200" dirty="0" smtClean="0">
+                <a:solidFill>
+                  <a:schemeClr val="tx1"/>
+                </a:solidFill>
+                <a:effectLst/>
+                <a:latin typeface="+mn-lt"/>
+                <a:ea typeface="+mn-ea"/>
+                <a:cs typeface="+mn-cs"/>
+              </a:rPr>
+              <a:t>また</a:t>
+            </a:r>
+            <a:r>
+              <a:rPr kumimoji="1" lang="ja-JP" altLang="ja-JP" sz="1200" kern="1200" dirty="0" smtClean="0">
+                <a:solidFill>
+                  <a:schemeClr val="tx1"/>
+                </a:solidFill>
+                <a:effectLst/>
+                <a:latin typeface="+mn-lt"/>
+                <a:ea typeface="+mn-ea"/>
+                <a:cs typeface="+mn-cs"/>
+              </a:rPr>
+              <a:t>，本提案手法を用いて，最適な次元数の特徴ベクトルを画像検索システムに適用することでより柔軟な画像検索に貢献できることを期待しています．</a:t>
             </a:r>
             <a:endParaRPr kumimoji="1" lang="ja-JP" altLang="ja-JP" sz="1200" kern="1200" dirty="0">
               <a:solidFill>
@@ -3391,11 +3362,7 @@
             </a:pPr>
             <a:r>
               <a:rPr kumimoji="1" lang="ja-JP" altLang="en-US" sz="1200" dirty="0" smtClean="0"/>
-              <a:t>ここで中間層</a:t>
-            </a:r>
-            <a:r>
-              <a:rPr kumimoji="1" lang="ja-JP" altLang="en-US" sz="1200" dirty="0" smtClean="0"/>
-              <a:t>から抽出される特徴ベクトルには，意味情報が保存されていると仮定します．意味情報とは，</a:t>
+              <a:t>ここで中間層から抽出される特徴ベクトルには，意味情報が保存されていると仮定します．意味情報とは，</a:t>
             </a:r>
             <a:r>
               <a:rPr lang="ja-JP" altLang="en-US" dirty="0" smtClean="0"/>
@@ -3435,25 +3402,7 @@
                 </a:solidFill>
                 <a:latin typeface="-apple-system"/>
               </a:rPr>
-              <a:t>パターン</a:t>
-            </a:r>
-            <a:r>
-              <a:rPr lang="ja-JP" altLang="en-US" dirty="0" smtClean="0">
-                <a:solidFill>
-                  <a:srgbClr val="333333"/>
-                </a:solidFill>
-                <a:latin typeface="-apple-system"/>
-              </a:rPr>
-              <a:t>情報（パターン情報は濃淡画像の画素値など。）を</a:t>
-            </a:r>
-            <a:r>
-              <a:rPr lang="ja-JP" altLang="en-US" dirty="0" smtClean="0">
-                <a:solidFill>
-                  <a:srgbClr val="333333"/>
-                </a:solidFill>
-                <a:latin typeface="-apple-system"/>
-              </a:rPr>
-              <a:t>変数値を要素とするベクトルの形式で表現したもの。</a:t>
+              <a:t>パターン情報（パターン情報は濃淡画像の画素値など。）を変数値を要素とするベクトルの形式で表現したもの。</a:t>
             </a:r>
             <a:endParaRPr kumimoji="1" lang="en-US" altLang="ja-JP" sz="1200" dirty="0" smtClean="0"/>
           </a:p>
@@ -3875,7 +3824,55 @@
                 <a:ea typeface="+mn-ea"/>
                 <a:cs typeface="+mn-cs"/>
               </a:rPr>
-              <a:t>特徴ベクトルは，画像認識において，高次元になるほど検索精度が良くなるが計算時間が増加してしまいます．反対に，低次元になるほど計算時間は早くなるが検索精度が落ちてしまうことがわかっています．</a:t>
+              <a:t>特徴ベクトルは，画像認識において</a:t>
+            </a:r>
+            <a:r>
+              <a:rPr kumimoji="1" lang="ja-JP" altLang="ja-JP" sz="1200" kern="1200" dirty="0" smtClean="0">
+                <a:solidFill>
+                  <a:schemeClr val="tx1"/>
+                </a:solidFill>
+                <a:effectLst/>
+                <a:latin typeface="+mn-lt"/>
+                <a:ea typeface="+mn-ea"/>
+                <a:cs typeface="+mn-cs"/>
+              </a:rPr>
+              <a:t>，</a:t>
+            </a:r>
+            <a:r>
+              <a:rPr kumimoji="1" lang="ja-JP" altLang="en-US" sz="1200" kern="1200" dirty="0" smtClean="0">
+                <a:solidFill>
+                  <a:schemeClr val="tx1"/>
+                </a:solidFill>
+                <a:effectLst/>
+                <a:latin typeface="+mn-lt"/>
+                <a:ea typeface="+mn-ea"/>
+                <a:cs typeface="+mn-cs"/>
+              </a:rPr>
+              <a:t>特徴ベクトルが</a:t>
+            </a:r>
+            <a:r>
+              <a:rPr kumimoji="1" lang="ja-JP" altLang="ja-JP" sz="1200" kern="1200" dirty="0" smtClean="0">
+                <a:solidFill>
+                  <a:schemeClr val="tx1"/>
+                </a:solidFill>
+                <a:effectLst/>
+                <a:latin typeface="+mn-lt"/>
+                <a:ea typeface="+mn-ea"/>
+                <a:cs typeface="+mn-cs"/>
+              </a:rPr>
+              <a:t>高次元</a:t>
+            </a:r>
+            <a:r>
+              <a:rPr kumimoji="1" lang="ja-JP" altLang="ja-JP" sz="1200" kern="1200" dirty="0" smtClean="0">
+                <a:solidFill>
+                  <a:schemeClr val="tx1"/>
+                </a:solidFill>
+                <a:effectLst/>
+                <a:latin typeface="+mn-lt"/>
+                <a:ea typeface="+mn-ea"/>
+                <a:cs typeface="+mn-cs"/>
+              </a:rPr>
+              <a:t>になるほど検索精度が良くなるが計算時間が増加してしまいます．反対に，低次元になるほど計算時間は早くなるが検索精度が落ちてしまうことがわかっています．</a:t>
             </a:r>
           </a:p>
           <a:p>
@@ -4253,11 +4250,7 @@
             </a:pPr>
             <a:r>
               <a:rPr lang="ja-JP" altLang="en-US" dirty="0" smtClean="0"/>
-              <a:t>検索精度は，画像検索手法の一つでもあるユークリッド距離を用いる．ベクトル間のユークリッド分離が小さい程類似性が高いとする</a:t>
-            </a:r>
-            <a:r>
-              <a:rPr lang="ja-JP" altLang="en-US" dirty="0" smtClean="0"/>
-              <a:t>．</a:t>
+              <a:t>検索精度は，画像検索手法の一つでもあるユークリッド距離を用いる．ベクトル間のユークリッド分離が小さい程類似性が高いとする．</a:t>
             </a:r>
             <a:endParaRPr lang="en-US" altLang="ja-JP" dirty="0" smtClean="0"/>
           </a:p>
@@ -5186,7 +5179,7 @@
           <a:p>
             <a:fld id="{D1A4EBAE-FA5D-423E-9EB5-73F1E605FE6E}" type="datetimeFigureOut">
               <a:rPr kumimoji="1" lang="ja-JP" altLang="en-US" smtClean="0"/>
-              <a:t>2022/1/20</a:t>
+              <a:t>2022/1/23</a:t>
             </a:fld>
             <a:endParaRPr kumimoji="1" lang="ja-JP" altLang="en-US"/>
           </a:p>
@@ -5393,7 +5386,7 @@
           <a:p>
             <a:fld id="{D1A4EBAE-FA5D-423E-9EB5-73F1E605FE6E}" type="datetimeFigureOut">
               <a:rPr kumimoji="1" lang="ja-JP" altLang="en-US" smtClean="0"/>
-              <a:t>2022/1/20</a:t>
+              <a:t>2022/1/23</a:t>
             </a:fld>
             <a:endParaRPr kumimoji="1" lang="ja-JP" altLang="en-US"/>
           </a:p>
@@ -5605,7 +5598,7 @@
           <a:p>
             <a:fld id="{D1A4EBAE-FA5D-423E-9EB5-73F1E605FE6E}" type="datetimeFigureOut">
               <a:rPr kumimoji="1" lang="ja-JP" altLang="en-US" smtClean="0"/>
-              <a:t>2022/1/20</a:t>
+              <a:t>2022/1/23</a:t>
             </a:fld>
             <a:endParaRPr kumimoji="1" lang="ja-JP" altLang="en-US"/>
           </a:p>
@@ -5807,7 +5800,7 @@
           <a:p>
             <a:fld id="{D1A4EBAE-FA5D-423E-9EB5-73F1E605FE6E}" type="datetimeFigureOut">
               <a:rPr kumimoji="1" lang="ja-JP" altLang="en-US" smtClean="0"/>
-              <a:t>2022/1/20</a:t>
+              <a:t>2022/1/23</a:t>
             </a:fld>
             <a:endParaRPr kumimoji="1" lang="ja-JP" altLang="en-US"/>
           </a:p>
@@ -5845,13 +5838,18 @@
         <p:spPr/>
         <p:txBody>
           <a:bodyPr/>
-          <a:lstStyle/>
+          <a:lstStyle>
+            <a:lvl1pPr>
+              <a:defRPr sz="3600"/>
+            </a:lvl1pPr>
+          </a:lstStyle>
           <a:p>
             <a:fld id="{AAE07F4A-F5D8-4967-9F09-CE8971CEDD53}" type="slidenum">
-              <a:rPr kumimoji="1" lang="ja-JP" altLang="en-US" smtClean="0"/>
+              <a:rPr lang="ja-JP" altLang="en-US" smtClean="0"/>
+              <a:pPr/>
               <a:t>‹#›</a:t>
             </a:fld>
-            <a:endParaRPr kumimoji="1" lang="ja-JP" altLang="en-US"/>
+            <a:endParaRPr lang="ja-JP" altLang="en-US" dirty="0"/>
           </a:p>
         </p:txBody>
       </p:sp>
@@ -6051,7 +6049,7 @@
           <a:p>
             <a:fld id="{D1A4EBAE-FA5D-423E-9EB5-73F1E605FE6E}" type="datetimeFigureOut">
               <a:rPr kumimoji="1" lang="ja-JP" altLang="en-US" smtClean="0"/>
-              <a:t>2022/1/20</a:t>
+              <a:t>2022/1/23</a:t>
             </a:fld>
             <a:endParaRPr kumimoji="1" lang="ja-JP" altLang="en-US"/>
           </a:p>
@@ -6347,7 +6345,7 @@
           <a:p>
             <a:fld id="{D1A4EBAE-FA5D-423E-9EB5-73F1E605FE6E}" type="datetimeFigureOut">
               <a:rPr kumimoji="1" lang="ja-JP" altLang="en-US" smtClean="0"/>
-              <a:t>2022/1/20</a:t>
+              <a:t>2022/1/23</a:t>
             </a:fld>
             <a:endParaRPr kumimoji="1" lang="ja-JP" altLang="en-US"/>
           </a:p>
@@ -6778,7 +6776,7 @@
           <a:p>
             <a:fld id="{D1A4EBAE-FA5D-423E-9EB5-73F1E605FE6E}" type="datetimeFigureOut">
               <a:rPr kumimoji="1" lang="ja-JP" altLang="en-US" smtClean="0"/>
-              <a:t>2022/1/20</a:t>
+              <a:t>2022/1/23</a:t>
             </a:fld>
             <a:endParaRPr kumimoji="1" lang="ja-JP" altLang="en-US"/>
           </a:p>
@@ -6896,7 +6894,7 @@
           <a:p>
             <a:fld id="{D1A4EBAE-FA5D-423E-9EB5-73F1E605FE6E}" type="datetimeFigureOut">
               <a:rPr kumimoji="1" lang="ja-JP" altLang="en-US" smtClean="0"/>
-              <a:t>2022/1/20</a:t>
+              <a:t>2022/1/23</a:t>
             </a:fld>
             <a:endParaRPr kumimoji="1" lang="ja-JP" altLang="en-US"/>
           </a:p>
@@ -6991,7 +6989,7 @@
           <a:p>
             <a:fld id="{D1A4EBAE-FA5D-423E-9EB5-73F1E605FE6E}" type="datetimeFigureOut">
               <a:rPr kumimoji="1" lang="ja-JP" altLang="en-US" smtClean="0"/>
-              <a:t>2022/1/20</a:t>
+              <a:t>2022/1/23</a:t>
             </a:fld>
             <a:endParaRPr kumimoji="1" lang="ja-JP" altLang="en-US"/>
           </a:p>
@@ -7300,7 +7298,7 @@
           <a:p>
             <a:fld id="{D1A4EBAE-FA5D-423E-9EB5-73F1E605FE6E}" type="datetimeFigureOut">
               <a:rPr kumimoji="1" lang="ja-JP" altLang="en-US" smtClean="0"/>
-              <a:t>2022/1/20</a:t>
+              <a:t>2022/1/23</a:t>
             </a:fld>
             <a:endParaRPr kumimoji="1" lang="ja-JP" altLang="en-US"/>
           </a:p>
@@ -7557,7 +7555,7 @@
           <a:p>
             <a:fld id="{D1A4EBAE-FA5D-423E-9EB5-73F1E605FE6E}" type="datetimeFigureOut">
               <a:rPr kumimoji="1" lang="ja-JP" altLang="en-US" smtClean="0"/>
-              <a:t>2022/1/20</a:t>
+              <a:t>2022/1/23</a:t>
             </a:fld>
             <a:endParaRPr kumimoji="1" lang="ja-JP" altLang="en-US"/>
           </a:p>
@@ -7802,7 +7800,7 @@
           <a:p>
             <a:fld id="{D1A4EBAE-FA5D-423E-9EB5-73F1E605FE6E}" type="datetimeFigureOut">
               <a:rPr kumimoji="1" lang="ja-JP" altLang="en-US" smtClean="0"/>
-              <a:t>2022/1/20</a:t>
+              <a:t>2022/1/23</a:t>
             </a:fld>
             <a:endParaRPr kumimoji="1" lang="ja-JP" altLang="en-US"/>
           </a:p>
@@ -8301,11 +8299,7 @@
             </a:r>
             <a:r>
               <a:rPr lang="ja-JP" altLang="en-US" smtClean="0"/>
-              <a:t>　</a:t>
-            </a:r>
-            <a:r>
-              <a:rPr lang="ja-JP" altLang="en-US" smtClean="0"/>
-              <a:t>拓郎</a:t>
+              <a:t>　拓郎</a:t>
             </a:r>
             <a:endParaRPr lang="en-US" altLang="ja-JP" dirty="0" smtClean="0"/>
           </a:p>
@@ -8437,7 +8431,7 @@
           <a:graphicData uri="http://schemas.openxmlformats.org/presentationml/2006/ole">
             <mc:AlternateContent xmlns:mc="http://schemas.openxmlformats.org/markup-compatibility/2006">
               <mc:Choice xmlns:v="urn:schemas-microsoft-com:vml" Requires="v">
-                <p:oleObj spid="_x0000_s2089" name="ワークシート" r:id="rId4" imgW="4826156" imgH="4134085" progId="Excel.Sheet.12">
+                <p:oleObj spid="_x0000_s2106" name="ワークシート" r:id="rId4" imgW="4826156" imgH="4134085" progId="Excel.Sheet.12">
                   <p:embed/>
                 </p:oleObj>
               </mc:Choice>
@@ -9259,11 +9253,7 @@
             </a:r>
             <a:r>
               <a:rPr lang="ja-JP" altLang="en-US" dirty="0" smtClean="0"/>
-              <a:t>を調査する</a:t>
-            </a:r>
-            <a:r>
-              <a:rPr lang="ja-JP" altLang="en-US" dirty="0" smtClean="0"/>
-              <a:t>．</a:t>
+              <a:t>を調査する．</a:t>
             </a:r>
             <a:endParaRPr lang="en-US" altLang="ja-JP" dirty="0" smtClean="0"/>
           </a:p>
@@ -9311,15 +9301,7 @@
             </a:r>
             <a:r>
               <a:rPr lang="ja-JP" altLang="en-US" dirty="0" smtClean="0"/>
-              <a:t>な共通点について</a:t>
-            </a:r>
-            <a:r>
-              <a:rPr lang="ja-JP" altLang="en-US" dirty="0" smtClean="0"/>
-              <a:t>評価し，</a:t>
-            </a:r>
-            <a:r>
-              <a:rPr lang="ja-JP" altLang="en-US" dirty="0" smtClean="0"/>
-              <a:t>特徴</a:t>
+              <a:t>な共通点について評価し，特徴</a:t>
             </a:r>
             <a:r>
               <a:rPr lang="ja-JP" altLang="en-US" dirty="0"/>
@@ -9479,23 +9461,7 @@
             </a:r>
             <a:r>
               <a:rPr lang="ja-JP" altLang="en-US" dirty="0" smtClean="0"/>
-              <a:t>に表示された画像</a:t>
-            </a:r>
-            <a:r>
-              <a:rPr lang="ja-JP" altLang="en-US" dirty="0" smtClean="0"/>
-              <a:t>の類似</a:t>
-            </a:r>
-            <a:r>
-              <a:rPr lang="ja-JP" altLang="en-US" dirty="0" smtClean="0"/>
-              <a:t>している</a:t>
-            </a:r>
-            <a:r>
-              <a:rPr lang="ja-JP" altLang="en-US" dirty="0" smtClean="0"/>
-              <a:t>点について評価する</a:t>
-            </a:r>
-            <a:r>
-              <a:rPr lang="ja-JP" altLang="en-US" dirty="0" smtClean="0"/>
-              <a:t>．</a:t>
+              <a:t>に表示された画像の類似している点について評価する．</a:t>
             </a:r>
             <a:endParaRPr kumimoji="1" lang="ja-JP" altLang="en-US" dirty="0"/>
           </a:p>
@@ -9778,11 +9744,7 @@
           <a:p>
             <a:r>
               <a:rPr lang="ja-JP" altLang="en-US" dirty="0" smtClean="0"/>
-              <a:t>直線などがはっきりとしていて意味情報として区別できている</a:t>
-            </a:r>
-            <a:r>
-              <a:rPr lang="ja-JP" altLang="en-US" dirty="0" smtClean="0"/>
-              <a:t>．</a:t>
+              <a:t>直線などがはっきりとしていて意味情報として区別できている．</a:t>
             </a:r>
             <a:endParaRPr kumimoji="1" lang="ja-JP" altLang="en-US" dirty="0"/>
           </a:p>
@@ -10005,11 +9967,7 @@
             </a:r>
             <a:r>
               <a:rPr kumimoji="1" lang="ja-JP" altLang="en-US" dirty="0" smtClean="0"/>
-              <a:t>が検索精度と計算時間の両方の観点から最も良かった</a:t>
-            </a:r>
-            <a:r>
-              <a:rPr kumimoji="1" lang="ja-JP" altLang="en-US" dirty="0" smtClean="0"/>
-              <a:t>．</a:t>
+              <a:t>が検索精度と計算時間の両方の観点から最も良かった．</a:t>
             </a:r>
             <a:endParaRPr kumimoji="1" lang="en-US" altLang="ja-JP" dirty="0" smtClean="0"/>
           </a:p>
@@ -10037,11 +9995,7 @@
             </a:r>
             <a:r>
               <a:rPr lang="ja-JP" altLang="en-US" dirty="0" smtClean="0"/>
-              <a:t>よって検索精度が良いものと悪いものがあることが確認できた</a:t>
-            </a:r>
-            <a:r>
-              <a:rPr lang="ja-JP" altLang="en-US" dirty="0" smtClean="0"/>
-              <a:t>．</a:t>
+              <a:t>よって検索精度が良いものと悪いものがあることが確認できた．</a:t>
             </a:r>
             <a:endParaRPr kumimoji="1" lang="en-US" altLang="ja-JP" dirty="0" smtClean="0"/>
           </a:p>
@@ -10055,11 +10009,7 @@
             </a:r>
             <a:r>
               <a:rPr lang="ja-JP" altLang="en-US" dirty="0" smtClean="0"/>
-              <a:t>がはっきり写っている画像は検索結果に類似度の高い画像が表示された</a:t>
-            </a:r>
-            <a:r>
-              <a:rPr lang="ja-JP" altLang="en-US" dirty="0" smtClean="0"/>
-              <a:t>．</a:t>
+              <a:t>がはっきり写っている画像は検索結果に類似度の高い画像が表示された．</a:t>
             </a:r>
             <a:endParaRPr lang="en-US" altLang="ja-JP" dirty="0"/>
           </a:p>
@@ -10324,7 +10274,11 @@
           <a:p>
             <a:r>
               <a:rPr kumimoji="1" lang="ja-JP" altLang="en-US" dirty="0" smtClean="0"/>
-              <a:t>本提案手法の応用として，ユークリッド距離以外での類似性評価，異なる深層学習モデル構造を使用した特徴ベクトル抽出．</a:t>
+              <a:t>本提案手法の応用として，ユークリッド距離以外での類似性評価，異なる深層学習モデル構造を使用した特徴ベクトル</a:t>
+            </a:r>
+            <a:r>
+              <a:rPr kumimoji="1" lang="ja-JP" altLang="en-US" dirty="0" smtClean="0"/>
+              <a:t>抽出が考えられる．</a:t>
             </a:r>
             <a:endParaRPr kumimoji="1" lang="en-US" altLang="ja-JP" dirty="0" smtClean="0"/>
           </a:p>
@@ -10333,28 +10287,16 @@
           </a:p>
           <a:p>
             <a:r>
-              <a:rPr lang="ja-JP" altLang="ja-JP" dirty="0" smtClean="0"/>
-              <a:t>最適</a:t>
-            </a:r>
-            <a:r>
-              <a:rPr lang="ja-JP" altLang="ja-JP" dirty="0"/>
-              <a:t>な次元数の特徴ベクトルを画像検索システムに適用することで</a:t>
-            </a:r>
-            <a:r>
-              <a:rPr lang="ja-JP" altLang="ja-JP" dirty="0" smtClean="0"/>
-              <a:t>より</a:t>
-            </a:r>
-            <a:r>
               <a:rPr lang="ja-JP" altLang="en-US" dirty="0"/>
-              <a:t>最適</a:t>
-            </a:r>
-            <a:r>
-              <a:rPr lang="ja-JP" altLang="ja-JP" dirty="0" smtClean="0"/>
-              <a:t>な</a:t>
-            </a:r>
-            <a:r>
-              <a:rPr lang="ja-JP" altLang="ja-JP" dirty="0"/>
-              <a:t>画像検索に貢献できることを期待している．</a:t>
+              <a:t>画像特徴</a:t>
+            </a:r>
+            <a:r>
+              <a:rPr lang="ja-JP" altLang="en-US" dirty="0" smtClean="0"/>
+              <a:t>ベクトルを画像検索に適用することで対象物の形や色といった面から画像を検索できると</a:t>
+            </a:r>
+            <a:r>
+              <a:rPr lang="ja-JP" altLang="en-US" smtClean="0"/>
+              <a:t>予想する．</a:t>
             </a:r>
             <a:endParaRPr kumimoji="1" lang="ja-JP" altLang="en-US" dirty="0"/>
           </a:p>
@@ -10387,6 +10329,480 @@
     <p:extLst>
       <p:ext uri="{BB962C8B-B14F-4D97-AF65-F5344CB8AC3E}">
         <p14:creationId xmlns:p14="http://schemas.microsoft.com/office/powerpoint/2010/main" val="1888008790"/>
+      </p:ext>
+    </p:extLst>
+  </p:cSld>
+  <p:clrMapOvr>
+    <a:masterClrMapping/>
+  </p:clrMapOvr>
+  <p:timing>
+    <p:tnLst>
+      <p:par>
+        <p:cTn id="1" dur="indefinite" restart="never" nodeType="tmRoot"/>
+      </p:par>
+    </p:tnLst>
+  </p:timing>
+</p:sld>
+</file>
+
+<file path=ppt/slides/slide21.xml><?xml version="1.0" encoding="utf-8"?>
+<p:sld xmlns:a="http://schemas.openxmlformats.org/drawingml/2006/main" xmlns:r="http://schemas.openxmlformats.org/officeDocument/2006/relationships" xmlns:p="http://schemas.openxmlformats.org/presentationml/2006/main">
+  <p:cSld>
+    <p:spTree>
+      <p:nvGrpSpPr>
+        <p:cNvPr id="1" name=""/>
+        <p:cNvGrpSpPr/>
+        <p:nvPr/>
+      </p:nvGrpSpPr>
+      <p:grpSpPr>
+        <a:xfrm>
+          <a:off x="0" y="0"/>
+          <a:ext cx="0" cy="0"/>
+          <a:chOff x="0" y="0"/>
+          <a:chExt cx="0" cy="0"/>
+        </a:xfrm>
+      </p:grpSpPr>
+      <p:sp>
+        <p:nvSpPr>
+          <p:cNvPr id="2" name="タイトル 1"/>
+          <p:cNvSpPr>
+            <a:spLocks noGrp="1"/>
+          </p:cNvSpPr>
+          <p:nvPr>
+            <p:ph type="title"/>
+          </p:nvPr>
+        </p:nvSpPr>
+        <p:spPr/>
+        <p:txBody>
+          <a:bodyPr/>
+          <a:lstStyle/>
+          <a:p>
+            <a:r>
+              <a:rPr kumimoji="1" lang="ja-JP" altLang="en-US" dirty="0" smtClean="0"/>
+              <a:t>参考文献</a:t>
+            </a:r>
+            <a:endParaRPr kumimoji="1" lang="ja-JP" altLang="en-US" dirty="0"/>
+          </a:p>
+        </p:txBody>
+      </p:sp>
+      <p:sp>
+        <p:nvSpPr>
+          <p:cNvPr id="3" name="コンテンツ プレースホルダー 2"/>
+          <p:cNvSpPr>
+            <a:spLocks noGrp="1"/>
+          </p:cNvSpPr>
+          <p:nvPr>
+            <p:ph idx="1"/>
+          </p:nvPr>
+        </p:nvSpPr>
+        <p:spPr>
+          <a:xfrm>
+            <a:off x="200416" y="1421706"/>
+            <a:ext cx="8743167" cy="5436294"/>
+          </a:xfrm>
+        </p:spPr>
+        <p:txBody>
+          <a:bodyPr>
+            <a:normAutofit/>
+          </a:bodyPr>
+          <a:lstStyle/>
+          <a:p>
+            <a:pPr lvl="0"/>
+            <a:r>
+              <a:rPr lang="en-US" altLang="ja-JP" sz="1600" dirty="0"/>
+              <a:t>Image Net</a:t>
+            </a:r>
+            <a:r>
+              <a:rPr lang="ja-JP" altLang="ja-JP" sz="1600" dirty="0" err="1"/>
+              <a:t>，</a:t>
+            </a:r>
+            <a:r>
+              <a:rPr lang="en-US" altLang="ja-JP" sz="1600" dirty="0"/>
+              <a:t>https://image-net.org/</a:t>
+            </a:r>
+            <a:r>
+              <a:rPr lang="ja-JP" altLang="ja-JP" sz="1600" dirty="0" err="1"/>
+              <a:t>，</a:t>
+            </a:r>
+            <a:r>
+              <a:rPr lang="ja-JP" altLang="ja-JP" sz="1600" dirty="0"/>
+              <a:t>（</a:t>
+            </a:r>
+            <a:r>
+              <a:rPr lang="en-US" altLang="ja-JP" sz="1600" dirty="0"/>
+              <a:t>2021/12/23</a:t>
+            </a:r>
+            <a:r>
+              <a:rPr lang="ja-JP" altLang="ja-JP" sz="1600" dirty="0"/>
+              <a:t>）</a:t>
+            </a:r>
+          </a:p>
+          <a:p>
+            <a:pPr lvl="0"/>
+            <a:r>
+              <a:rPr lang="en-US" altLang="ja-JP" sz="1600" dirty="0"/>
+              <a:t>Alex </a:t>
+            </a:r>
+            <a:r>
+              <a:rPr lang="en-US" altLang="ja-JP" sz="1600" dirty="0" err="1"/>
+              <a:t>Krizhevsky</a:t>
+            </a:r>
+            <a:r>
+              <a:rPr lang="ja-JP" altLang="ja-JP" sz="1600" dirty="0" err="1"/>
+              <a:t>，</a:t>
+            </a:r>
+            <a:r>
+              <a:rPr lang="en-US" altLang="ja-JP" sz="1600" dirty="0"/>
+              <a:t>Ilya </a:t>
+            </a:r>
+            <a:r>
+              <a:rPr lang="en-US" altLang="ja-JP" sz="1600" dirty="0" err="1"/>
+              <a:t>Sutskever</a:t>
+            </a:r>
+            <a:r>
+              <a:rPr lang="ja-JP" altLang="ja-JP" sz="1600" dirty="0" err="1"/>
+              <a:t>，</a:t>
+            </a:r>
+            <a:r>
+              <a:rPr lang="en-US" altLang="ja-JP" sz="1600" dirty="0"/>
+              <a:t>Geoffrey E. Hinton</a:t>
+            </a:r>
+            <a:r>
+              <a:rPr lang="ja-JP" altLang="ja-JP" sz="1600" dirty="0"/>
+              <a:t>：</a:t>
+            </a:r>
+            <a:r>
+              <a:rPr lang="en-US" altLang="ja-JP" sz="1600" dirty="0"/>
+              <a:t>ImageNet Classification with Deep </a:t>
+            </a:r>
+            <a:r>
+              <a:rPr lang="en-US" altLang="ja-JP" sz="1600" dirty="0" err="1"/>
+              <a:t>ConvolutionalNeural</a:t>
+            </a:r>
+            <a:r>
+              <a:rPr lang="en-US" altLang="ja-JP" sz="1600" dirty="0"/>
+              <a:t> Networks</a:t>
+            </a:r>
+            <a:r>
+              <a:rPr lang="ja-JP" altLang="ja-JP" sz="1600" dirty="0" err="1"/>
+              <a:t>，</a:t>
+            </a:r>
+            <a:r>
+              <a:rPr lang="ja-JP" altLang="ja-JP" sz="1600" dirty="0"/>
+              <a:t>（</a:t>
+            </a:r>
+            <a:r>
+              <a:rPr lang="en-US" altLang="ja-JP" sz="1600" dirty="0"/>
+              <a:t>2012</a:t>
+            </a:r>
+            <a:r>
+              <a:rPr lang="ja-JP" altLang="ja-JP" sz="1600" dirty="0"/>
+              <a:t>）．</a:t>
+            </a:r>
+          </a:p>
+          <a:p>
+            <a:pPr lvl="0"/>
+            <a:r>
+              <a:rPr lang="ja-JP" altLang="ja-JP" sz="1600" dirty="0"/>
+              <a:t>中山英樹：深層畳み込みニューラルネットワークによる画像特徴抽出と転移学習，電子情報通信学会技術研究報告，（</a:t>
+            </a:r>
+            <a:r>
+              <a:rPr lang="en-US" altLang="ja-JP" sz="1600" dirty="0"/>
+              <a:t>2015/7/17</a:t>
+            </a:r>
+            <a:r>
+              <a:rPr lang="ja-JP" altLang="ja-JP" sz="1600" dirty="0"/>
+              <a:t>）．</a:t>
+            </a:r>
+          </a:p>
+          <a:p>
+            <a:pPr lvl="0"/>
+            <a:r>
+              <a:rPr lang="ja-JP" altLang="ja-JP" sz="1600" dirty="0"/>
+              <a:t>鬼塚洋輔，山田太造，井上聡，内田誠一：花押類似検索のための畳み込みオートエンコーダによる画像特徴抽出，情報処理学会，（</a:t>
+            </a:r>
+            <a:r>
+              <a:rPr lang="en-US" altLang="ja-JP" sz="1600" dirty="0"/>
+              <a:t>2018/12</a:t>
+            </a:r>
+            <a:r>
+              <a:rPr lang="ja-JP" altLang="ja-JP" sz="1600" dirty="0" smtClean="0"/>
+              <a:t>）</a:t>
+            </a:r>
+            <a:endParaRPr lang="en-US" altLang="ja-JP" sz="1600" dirty="0" smtClean="0"/>
+          </a:p>
+          <a:p>
+            <a:pPr lvl="0"/>
+            <a:r>
+              <a:rPr lang="ja-JP" altLang="ja-JP" sz="1600" dirty="0"/>
+              <a:t>高橋春輝，竹川高志：ラベル情報の一般化による</a:t>
+            </a:r>
+            <a:r>
+              <a:rPr lang="en-US" altLang="ja-JP" sz="1600" dirty="0"/>
+              <a:t>Laplacian </a:t>
+            </a:r>
+            <a:r>
+              <a:rPr lang="en-US" altLang="ja-JP" sz="1600" dirty="0" err="1"/>
+              <a:t>Eigenmaps</a:t>
+            </a:r>
+            <a:r>
+              <a:rPr lang="ja-JP" altLang="ja-JP" sz="1600" dirty="0"/>
+              <a:t>と</a:t>
+            </a:r>
+            <a:r>
+              <a:rPr lang="en-US" altLang="ja-JP" sz="1600" dirty="0"/>
+              <a:t>Linear Discriminant Analysis</a:t>
+            </a:r>
+            <a:r>
+              <a:rPr lang="ja-JP" altLang="ja-JP" sz="1600" dirty="0"/>
+              <a:t>の体系化，人工知能学会前項九大会論文集，</a:t>
+            </a:r>
+            <a:r>
+              <a:rPr lang="en-US" altLang="ja-JP" sz="1600" dirty="0"/>
+              <a:t>34</a:t>
+            </a:r>
+            <a:r>
+              <a:rPr lang="ja-JP" altLang="ja-JP" sz="1600" dirty="0"/>
+              <a:t>巻，</a:t>
+            </a:r>
+            <a:r>
+              <a:rPr lang="en-US" altLang="ja-JP" sz="1600" dirty="0"/>
+              <a:t>ROMBUNNO.4B3-GS-1-03 </a:t>
+            </a:r>
+            <a:r>
+              <a:rPr lang="ja-JP" altLang="ja-JP" sz="1600" dirty="0" err="1"/>
+              <a:t>，</a:t>
+            </a:r>
+            <a:r>
+              <a:rPr lang="ja-JP" altLang="ja-JP" sz="1600" dirty="0"/>
+              <a:t>（</a:t>
+            </a:r>
+            <a:r>
+              <a:rPr lang="en-US" altLang="ja-JP" sz="1600" dirty="0"/>
+              <a:t>2020</a:t>
+            </a:r>
+            <a:r>
+              <a:rPr lang="ja-JP" altLang="ja-JP" sz="1600" dirty="0"/>
+              <a:t>）．</a:t>
+            </a:r>
+          </a:p>
+          <a:p>
+            <a:pPr lvl="0"/>
+            <a:r>
+              <a:rPr lang="en-US" altLang="ja-JP" sz="1600" dirty="0"/>
+              <a:t>CIFAR-10 and CIFAR-100 datasets</a:t>
+            </a:r>
+            <a:r>
+              <a:rPr lang="ja-JP" altLang="ja-JP" sz="1600" dirty="0"/>
+              <a:t>：</a:t>
+            </a:r>
+            <a:r>
+              <a:rPr lang="en-US" altLang="ja-JP" sz="1600" dirty="0"/>
+              <a:t>https://www.cs.toronto.edu/~kriz/cifar.html</a:t>
+            </a:r>
+            <a:r>
+              <a:rPr lang="ja-JP" altLang="ja-JP" sz="1600" dirty="0" err="1"/>
+              <a:t>，</a:t>
+            </a:r>
+            <a:r>
+              <a:rPr lang="ja-JP" altLang="ja-JP" sz="1600" dirty="0"/>
+              <a:t>（</a:t>
+            </a:r>
+            <a:r>
+              <a:rPr lang="en-US" altLang="ja-JP" sz="1600" dirty="0"/>
+              <a:t>2021/12/23</a:t>
+            </a:r>
+            <a:r>
+              <a:rPr lang="ja-JP" altLang="ja-JP" sz="1600" dirty="0"/>
+              <a:t>）</a:t>
+            </a:r>
+          </a:p>
+          <a:p>
+            <a:pPr lvl="0"/>
+            <a:r>
+              <a:rPr lang="ja-JP" altLang="ja-JP" sz="1600" dirty="0" smtClean="0"/>
+              <a:t>フランソワ</a:t>
+            </a:r>
+            <a:r>
+              <a:rPr lang="ja-JP" altLang="ja-JP" sz="1600" dirty="0"/>
+              <a:t>・ショレ</a:t>
+            </a:r>
+            <a:r>
+              <a:rPr lang="ja-JP" altLang="ja-JP" sz="1600" dirty="0" smtClean="0"/>
+              <a:t>，巣</a:t>
+            </a:r>
+            <a:r>
+              <a:rPr lang="ja-JP" altLang="ja-JP" sz="1600" dirty="0"/>
+              <a:t>籠悠輔</a:t>
+            </a:r>
+            <a:r>
+              <a:rPr lang="ja-JP" altLang="ja-JP" sz="1600" dirty="0" smtClean="0"/>
+              <a:t>，株式</a:t>
+            </a:r>
+            <a:r>
+              <a:rPr lang="ja-JP" altLang="ja-JP" sz="1600" dirty="0"/>
+              <a:t>会社クイープ：</a:t>
+            </a:r>
+            <a:r>
+              <a:rPr lang="en-US" altLang="ja-JP" sz="1600" dirty="0"/>
+              <a:t>Python</a:t>
+            </a:r>
+            <a:r>
+              <a:rPr lang="ja-JP" altLang="ja-JP" sz="1600" dirty="0"/>
+              <a:t>と</a:t>
+            </a:r>
+            <a:r>
+              <a:rPr lang="en-US" altLang="ja-JP" sz="1600" dirty="0" err="1"/>
+              <a:t>Keras</a:t>
+            </a:r>
+            <a:r>
+              <a:rPr lang="ja-JP" altLang="ja-JP" sz="1600" dirty="0"/>
+              <a:t>によるディープラーニング，</a:t>
+            </a:r>
+            <a:r>
+              <a:rPr lang="en-US" altLang="ja-JP" sz="1600" dirty="0"/>
+              <a:t>pp.32-35</a:t>
+            </a:r>
+            <a:r>
+              <a:rPr lang="ja-JP" altLang="ja-JP" sz="1600" dirty="0" err="1"/>
+              <a:t>，</a:t>
+            </a:r>
+            <a:r>
+              <a:rPr lang="en-US" altLang="ja-JP" sz="1600" dirty="0"/>
+              <a:t>pp.39-41</a:t>
+            </a:r>
+            <a:r>
+              <a:rPr lang="ja-JP" altLang="ja-JP" sz="1600" dirty="0" err="1"/>
+              <a:t>，</a:t>
+            </a:r>
+            <a:r>
+              <a:rPr lang="en-US" altLang="ja-JP" sz="1600" dirty="0"/>
+              <a:t>pp.124-186</a:t>
+            </a:r>
+            <a:r>
+              <a:rPr lang="ja-JP" altLang="ja-JP" sz="1600" dirty="0" err="1"/>
+              <a:t>，</a:t>
+            </a:r>
+            <a:r>
+              <a:rPr lang="ja-JP" altLang="ja-JP" sz="1600" dirty="0"/>
+              <a:t>株式会社マイナビ出版（</a:t>
+            </a:r>
+            <a:r>
+              <a:rPr lang="en-US" altLang="ja-JP" sz="1600" dirty="0"/>
+              <a:t>2018/10/25</a:t>
+            </a:r>
+            <a:r>
+              <a:rPr lang="ja-JP" altLang="ja-JP" sz="1600" dirty="0"/>
+              <a:t>）．</a:t>
+            </a:r>
+          </a:p>
+          <a:p>
+            <a:pPr lvl="0"/>
+            <a:r>
+              <a:rPr lang="en-US" altLang="ja-JP" sz="1600" u="sng" dirty="0"/>
+              <a:t>Pickle</a:t>
+            </a:r>
+            <a:r>
+              <a:rPr lang="ja-JP" altLang="ja-JP" sz="1600" dirty="0"/>
+              <a:t>でオブジェクトを保存する方法を解説！：</a:t>
+            </a:r>
+            <a:r>
+              <a:rPr lang="en-US" altLang="ja-JP" sz="1600" u="sng" dirty="0">
+                <a:hlinkClick r:id="rId2"/>
+              </a:rPr>
+              <a:t>https://www.sejuku.net/blog/31480</a:t>
+            </a:r>
+            <a:r>
+              <a:rPr lang="ja-JP" altLang="ja-JP" sz="1600" dirty="0"/>
+              <a:t>　，（</a:t>
+            </a:r>
+            <a:r>
+              <a:rPr lang="en-US" altLang="ja-JP" sz="1600" dirty="0"/>
+              <a:t>2021/12/22</a:t>
+            </a:r>
+            <a:r>
+              <a:rPr lang="ja-JP" altLang="ja-JP" sz="1600" dirty="0"/>
+              <a:t>）．</a:t>
+            </a:r>
+          </a:p>
+          <a:p>
+            <a:pPr lvl="0"/>
+            <a:r>
+              <a:rPr lang="en-US" altLang="ja-JP" sz="1600" u="sng" dirty="0" err="1"/>
+              <a:t>Keras</a:t>
+            </a:r>
+            <a:r>
+              <a:rPr lang="ja-JP" altLang="ja-JP" sz="1600" dirty="0"/>
+              <a:t>で</a:t>
+            </a:r>
+            <a:r>
+              <a:rPr lang="en-US" altLang="ja-JP" sz="1600" dirty="0" err="1"/>
+              <a:t>AlexNet</a:t>
+            </a:r>
+            <a:r>
+              <a:rPr lang="ja-JP" altLang="ja-JP" sz="1600" dirty="0"/>
+              <a:t>を構築し</a:t>
+            </a:r>
+            <a:r>
+              <a:rPr lang="en-US" altLang="ja-JP" sz="1600" dirty="0"/>
+              <a:t>Cifar-10</a:t>
+            </a:r>
+            <a:r>
+              <a:rPr lang="ja-JP" altLang="ja-JP" sz="1600" dirty="0"/>
+              <a:t>を学習させてみた： </a:t>
+            </a:r>
+            <a:r>
+              <a:rPr lang="en-US" altLang="ja-JP" sz="1600" u="sng" dirty="0">
+                <a:hlinkClick r:id="rId3"/>
+              </a:rPr>
+              <a:t>https://qiita.com/URAN110/items/ea2bfc8f7ba2fc858de3</a:t>
+            </a:r>
+            <a:r>
+              <a:rPr lang="ja-JP" altLang="ja-JP" sz="1600" dirty="0"/>
+              <a:t>　，（</a:t>
+            </a:r>
+            <a:r>
+              <a:rPr lang="en-US" altLang="ja-JP" sz="1600" dirty="0"/>
+              <a:t>2021/12/21</a:t>
+            </a:r>
+            <a:r>
+              <a:rPr lang="ja-JP" altLang="ja-JP" sz="1600" dirty="0"/>
+              <a:t>）</a:t>
+            </a:r>
+            <a:endParaRPr lang="ja-JP" altLang="ja-JP" sz="1600" dirty="0" smtClean="0"/>
+          </a:p>
+          <a:p>
+            <a:endParaRPr kumimoji="1" lang="ja-JP" altLang="en-US" dirty="0"/>
+          </a:p>
+        </p:txBody>
+      </p:sp>
+      <p:sp>
+        <p:nvSpPr>
+          <p:cNvPr id="4" name="スライド番号プレースホルダー 3"/>
+          <p:cNvSpPr>
+            <a:spLocks noGrp="1"/>
+          </p:cNvSpPr>
+          <p:nvPr>
+            <p:ph type="sldNum" sz="quarter" idx="12"/>
+          </p:nvPr>
+        </p:nvSpPr>
+        <p:spPr/>
+        <p:txBody>
+          <a:bodyPr/>
+          <a:lstStyle/>
+          <a:p>
+            <a:fld id="{768BF403-63E9-4BE6-AA0B-408C483EA9DC}" type="slidenum">
+              <a:rPr kumimoji="1" lang="ja-JP" altLang="en-US" smtClean="0"/>
+              <a:t>21</a:t>
+            </a:fld>
+            <a:endParaRPr kumimoji="1" lang="ja-JP" altLang="en-US"/>
+          </a:p>
+        </p:txBody>
+      </p:sp>
+    </p:spTree>
+    <p:extLst>
+      <p:ext uri="{BB962C8B-B14F-4D97-AF65-F5344CB8AC3E}">
+        <p14:creationId xmlns:p14="http://schemas.microsoft.com/office/powerpoint/2010/main" val="2668855404"/>
       </p:ext>
     </p:extLst>
   </p:cSld>
@@ -10515,11 +10931,7 @@
             </a:pPr>
             <a:r>
               <a:rPr lang="ja-JP" altLang="en-US" dirty="0" smtClean="0"/>
-              <a:t>特徴</a:t>
-            </a:r>
-            <a:r>
-              <a:rPr lang="ja-JP" altLang="en-US" dirty="0" smtClean="0"/>
-              <a:t>ベクトルには，</a:t>
+              <a:t>特徴ベクトルには，</a:t>
             </a:r>
             <a:r>
               <a:rPr lang="ja-JP" altLang="en-US" dirty="0" smtClean="0">
@@ -10539,11 +10951,7 @@
             </a:r>
             <a:r>
               <a:rPr lang="ja-JP" altLang="en-US" dirty="0" smtClean="0"/>
-              <a:t>と</a:t>
-            </a:r>
-            <a:r>
-              <a:rPr lang="ja-JP" altLang="en-US" dirty="0" smtClean="0"/>
-              <a:t>仮定する．</a:t>
+              <a:t>と仮定する．</a:t>
             </a:r>
             <a:endParaRPr lang="en-US" altLang="ja-JP" dirty="0"/>
           </a:p>
@@ -10644,11 +11052,7 @@
             </a:r>
             <a:r>
               <a:rPr kumimoji="1" lang="ja-JP" altLang="en-US" sz="2400" dirty="0" smtClean="0"/>
-              <a:t>白が画素値０，黒が画素値１と</a:t>
-            </a:r>
-            <a:r>
-              <a:rPr kumimoji="1" lang="ja-JP" altLang="en-US" sz="2400" dirty="0" smtClean="0"/>
-              <a:t>する</a:t>
+              <a:t>白が画素値０，黒が画素値１とする</a:t>
             </a:r>
             <a:r>
               <a:rPr lang="ja-JP" altLang="en-US" sz="2400" dirty="0" smtClean="0"/>
@@ -11497,7 +11901,15 @@
             </a:pPr>
             <a:r>
               <a:rPr kumimoji="1" lang="ja-JP" altLang="en-US" dirty="0" smtClean="0"/>
-              <a:t>画像検索において，高次元では，検索精度が良くなり，計算時間が増加する．反対に，低次元では検索精度が悪くなり，計算時間が減少する．</a:t>
+              <a:t>画像検索において</a:t>
+            </a:r>
+            <a:r>
+              <a:rPr kumimoji="1" lang="ja-JP" altLang="en-US" dirty="0" smtClean="0"/>
+              <a:t>，特徴ベクトルが高次元になると，</a:t>
+            </a:r>
+            <a:r>
+              <a:rPr kumimoji="1" lang="ja-JP" altLang="en-US" dirty="0" smtClean="0"/>
+              <a:t>検索精度が良くなり，計算時間が増加する．反対に，低次元では検索精度が悪くなり，計算時間が減少する．</a:t>
             </a:r>
             <a:endParaRPr kumimoji="1" lang="en-US" altLang="ja-JP" dirty="0" smtClean="0"/>
           </a:p>
@@ -11596,8 +12008,8 @@
         </p:blipFill>
         <p:spPr>
           <a:xfrm>
-            <a:off x="4572000" y="4663921"/>
-            <a:ext cx="3453751" cy="2075925"/>
+            <a:off x="5391683" y="53638"/>
+            <a:ext cx="2948085" cy="1771987"/>
           </a:xfrm>
           <a:prstGeom prst="rect">
             <a:avLst/>
@@ -12207,7 +12619,7 @@
           <a:graphicData uri="http://schemas.openxmlformats.org/presentationml/2006/ole">
             <mc:AlternateContent xmlns:mc="http://schemas.openxmlformats.org/markup-compatibility/2006">
               <mc:Choice xmlns:v="urn:schemas-microsoft-com:vml" Requires="v">
-                <p:oleObj spid="_x0000_s1104" name="ワークシート" r:id="rId4" imgW="1733609" imgH="463785" progId="Excel.Sheet.12">
+                <p:oleObj spid="_x0000_s1138" name="ワークシート" r:id="rId4" imgW="1733609" imgH="463785" progId="Excel.Sheet.12">
                   <p:embed/>
                 </p:oleObj>
               </mc:Choice>
@@ -12258,7 +12670,7 @@
           <a:graphicData uri="http://schemas.openxmlformats.org/presentationml/2006/ole">
             <mc:AlternateContent xmlns:mc="http://schemas.openxmlformats.org/markup-compatibility/2006">
               <mc:Choice xmlns:v="urn:schemas-microsoft-com:vml" Requires="v">
-                <p:oleObj spid="_x0000_s1105" name="ワークシート" r:id="rId6" imgW="2965470" imgH="1835385" progId="Excel.Sheet.12">
+                <p:oleObj spid="_x0000_s1139" name="ワークシート" r:id="rId6" imgW="2965470" imgH="1835385" progId="Excel.Sheet.12">
                   <p:embed/>
                 </p:oleObj>
               </mc:Choice>

--- a/卒研発表/1821005_yoshioka_thesis.pptx
+++ b/卒研発表/1821005_yoshioka_thesis.pptx
@@ -3326,19 +3326,35 @@
             </a:r>
             <a:r>
               <a:rPr lang="ja-JP" altLang="en-US" dirty="0" smtClean="0"/>
-              <a:t>の登場により，画像検索機能は向上した</a:t>
+              <a:t>の登場により，画像検索機能は向上</a:t>
+            </a:r>
+            <a:r>
+              <a:rPr lang="ja-JP" altLang="en-US" dirty="0" smtClean="0"/>
+              <a:t>した</a:t>
             </a:r>
             <a:endParaRPr lang="en-US" altLang="ja-JP" dirty="0" smtClean="0"/>
           </a:p>
           <a:p>
-            <a:pPr marL="228600" lvl="1">
+            <a:pPr marL="228600" marR="0" lvl="1" indent="0" algn="l" defTabSz="914400" rtl="0" eaLnBrk="1" fontAlgn="auto" latinLnBrk="0" hangingPunct="1">
+              <a:lnSpc>
+                <a:spcPct val="100000"/>
+              </a:lnSpc>
               <a:spcBef>
                 <a:spcPts val="1000"/>
               </a:spcBef>
+              <a:spcAft>
+                <a:spcPts val="0"/>
+              </a:spcAft>
+              <a:buClrTx/>
+              <a:buSzTx/>
+              <a:buFontTx/>
+              <a:buNone/>
+              <a:tabLst/>
+              <a:defRPr/>
             </a:pPr>
             <a:r>
               <a:rPr lang="ja-JP" altLang="en-US" dirty="0" smtClean="0"/>
-              <a:t>深層学習モデルの中間層から抽出した特徴ベクトルを利用した画像検索方式を提案します．</a:t>
+              <a:t>深層学習モデルの中間層から抽出した特徴から得た特徴ベクトルを用いた画像検索方式が注目されている．</a:t>
             </a:r>
             <a:endParaRPr lang="en-US" altLang="ja-JP" dirty="0" smtClean="0"/>
           </a:p>
@@ -3362,7 +3378,11 @@
             </a:pPr>
             <a:r>
               <a:rPr kumimoji="1" lang="ja-JP" altLang="en-US" sz="1200" dirty="0" smtClean="0"/>
-              <a:t>ここで中間層から抽出される特徴ベクトルには，意味情報が保存されていると仮定します．意味情報とは，</a:t>
+              <a:t>ここ</a:t>
+            </a:r>
+            <a:r>
+              <a:rPr kumimoji="1" lang="ja-JP" altLang="en-US" sz="1200" dirty="0" smtClean="0"/>
+              <a:t>で中間層から抽出される特徴ベクトルには，意味情報が保存されていると仮定します．意味情報とは，</a:t>
             </a:r>
             <a:r>
               <a:rPr lang="ja-JP" altLang="en-US" dirty="0" smtClean="0"/>
@@ -3448,8 +3468,42 @@
             </a:r>
             <a:r>
               <a:rPr kumimoji="1" lang="ja-JP" altLang="en-US" sz="1200" dirty="0" smtClean="0"/>
-              <a:t>次元であるといえる</a:t>
-            </a:r>
+              <a:t>次元であると</a:t>
+            </a:r>
+            <a:r>
+              <a:rPr kumimoji="1" lang="ja-JP" altLang="en-US" sz="1200" dirty="0" smtClean="0"/>
+              <a:t>いえる</a:t>
+            </a:r>
+            <a:endParaRPr kumimoji="1" lang="en-US" altLang="ja-JP" sz="1200" dirty="0" smtClean="0"/>
+          </a:p>
+          <a:p>
+            <a:endParaRPr kumimoji="1" lang="en-US" altLang="ja-JP" sz="1200" dirty="0" smtClean="0"/>
+          </a:p>
+          <a:p>
+            <a:pPr marL="0" marR="0" lvl="1" indent="0" algn="l" defTabSz="914400" rtl="0" eaLnBrk="1" fontAlgn="auto" latinLnBrk="0" hangingPunct="1">
+              <a:lnSpc>
+                <a:spcPct val="100000"/>
+              </a:lnSpc>
+              <a:spcBef>
+                <a:spcPts val="0"/>
+              </a:spcBef>
+              <a:spcAft>
+                <a:spcPts val="0"/>
+              </a:spcAft>
+              <a:buClrTx/>
+              <a:buSzTx/>
+              <a:buFontTx/>
+              <a:buNone/>
+              <a:tabLst/>
+              <a:defRPr/>
+            </a:pPr>
+            <a:r>
+              <a:rPr lang="ja-JP" altLang="en-US" dirty="0" smtClean="0"/>
+              <a:t>深層学習モデルの中間層から抽出した特徴ベクトルを利用した画像検索方式を提案します．</a:t>
+            </a:r>
+            <a:endParaRPr lang="en-US" altLang="ja-JP" dirty="0" smtClean="0"/>
+          </a:p>
+          <a:p>
             <a:endParaRPr kumimoji="1" lang="en-US" altLang="ja-JP" sz="1200" dirty="0" smtClean="0"/>
           </a:p>
           <a:p>
@@ -3872,7 +3926,55 @@
                 <a:ea typeface="+mn-ea"/>
                 <a:cs typeface="+mn-cs"/>
               </a:rPr>
-              <a:t>になるほど検索精度が良くなるが計算時間が増加してしまいます．反対に，低次元になるほど計算時間は早くなるが検索精度が落ちてしまうことがわかっています．</a:t>
+              <a:t>になるほど検索精度が良くなるが計算時間が増加してしまいます</a:t>
+            </a:r>
+            <a:r>
+              <a:rPr kumimoji="1" lang="ja-JP" altLang="ja-JP" sz="1200" kern="1200" dirty="0" smtClean="0">
+                <a:solidFill>
+                  <a:schemeClr val="tx1"/>
+                </a:solidFill>
+                <a:effectLst/>
+                <a:latin typeface="+mn-lt"/>
+                <a:ea typeface="+mn-ea"/>
+                <a:cs typeface="+mn-cs"/>
+              </a:rPr>
+              <a:t>．</a:t>
+            </a:r>
+            <a:r>
+              <a:rPr kumimoji="1" lang="ja-JP" altLang="en-US" sz="1200" kern="1200" dirty="0" smtClean="0">
+                <a:solidFill>
+                  <a:schemeClr val="tx1"/>
+                </a:solidFill>
+                <a:effectLst/>
+                <a:latin typeface="+mn-lt"/>
+                <a:ea typeface="+mn-ea"/>
+                <a:cs typeface="+mn-cs"/>
+              </a:rPr>
+              <a:t>一方</a:t>
+            </a:r>
+            <a:r>
+              <a:rPr kumimoji="1" lang="ja-JP" altLang="ja-JP" sz="1200" kern="1200" dirty="0" smtClean="0">
+                <a:solidFill>
+                  <a:schemeClr val="tx1"/>
+                </a:solidFill>
+                <a:effectLst/>
+                <a:latin typeface="+mn-lt"/>
+                <a:ea typeface="+mn-ea"/>
+                <a:cs typeface="+mn-cs"/>
+              </a:rPr>
+              <a:t>，</a:t>
+            </a:r>
+            <a:r>
+              <a:rPr kumimoji="1" lang="ja-JP" altLang="ja-JP" sz="1200" kern="1200" dirty="0" smtClean="0">
+                <a:solidFill>
+                  <a:schemeClr val="tx1"/>
+                </a:solidFill>
+                <a:effectLst/>
+                <a:latin typeface="+mn-lt"/>
+                <a:ea typeface="+mn-ea"/>
+                <a:cs typeface="+mn-cs"/>
+              </a:rPr>
+              <a:t>低次元になるほど計算時間は早くなるが検索精度が落ちてしまうことがわかっています．</a:t>
             </a:r>
           </a:p>
           <a:p>
@@ -8431,7 +8533,7 @@
           <a:graphicData uri="http://schemas.openxmlformats.org/presentationml/2006/ole">
             <mc:AlternateContent xmlns:mc="http://schemas.openxmlformats.org/markup-compatibility/2006">
               <mc:Choice xmlns:v="urn:schemas-microsoft-com:vml" Requires="v">
-                <p:oleObj spid="_x0000_s2106" name="ワークシート" r:id="rId4" imgW="4826156" imgH="4134085" progId="Excel.Sheet.12">
+                <p:oleObj spid="_x0000_s2123" name="ワークシート" r:id="rId4" imgW="4826156" imgH="4134085" progId="Excel.Sheet.12">
                   <p:embed/>
                 </p:oleObj>
               </mc:Choice>
@@ -8603,12 +8705,20 @@
               <a:t>ラベル</a:t>
             </a:r>
             <a:r>
+              <a:rPr lang="ja-JP" altLang="en-US" dirty="0" smtClean="0"/>
+              <a:t>の</a:t>
+            </a:r>
+            <a:r>
               <a:rPr lang="ja-JP" altLang="en-US" dirty="0"/>
-              <a:t>の</a:t>
+              <a:t>検索</a:t>
             </a:r>
             <a:r>
               <a:rPr lang="ja-JP" altLang="en-US" dirty="0" smtClean="0"/>
-              <a:t>正答率を調査する．</a:t>
+              <a:t>精度を調査する</a:t>
+            </a:r>
+            <a:r>
+              <a:rPr lang="ja-JP" altLang="en-US" dirty="0" smtClean="0"/>
+              <a:t>．</a:t>
             </a:r>
             <a:endParaRPr lang="en-US" altLang="ja-JP" dirty="0"/>
           </a:p>
@@ -8930,7 +9040,23 @@
             </a:pPr>
             <a:r>
               <a:rPr lang="ja-JP" altLang="en-US" dirty="0" smtClean="0"/>
-              <a:t>画像検索精度を調査するため，基準となる画像と同じラベルを数え，最も正答率の良い特徴ベクトルの次元数を求める．</a:t>
+              <a:t>画像検索精度を調査するため，基準となる画像と同じラベルを数え，</a:t>
+            </a:r>
+            <a:r>
+              <a:rPr lang="ja-JP" altLang="en-US" dirty="0" smtClean="0"/>
+              <a:t>最も</a:t>
+            </a:r>
+            <a:r>
+              <a:rPr lang="ja-JP" altLang="en-US" dirty="0"/>
+              <a:t>検索精度</a:t>
+            </a:r>
+            <a:r>
+              <a:rPr lang="ja-JP" altLang="en-US" dirty="0" smtClean="0"/>
+              <a:t>の</a:t>
+            </a:r>
+            <a:r>
+              <a:rPr lang="ja-JP" altLang="en-US" dirty="0" smtClean="0"/>
+              <a:t>良い特徴ベクトルの次元数を求める．</a:t>
             </a:r>
             <a:endParaRPr lang="en-US" altLang="ja-JP" dirty="0" smtClean="0"/>
           </a:p>
@@ -9609,7 +9735,7 @@
       </p:sp>
       <p:pic>
         <p:nvPicPr>
-          <p:cNvPr id="7" name="図 6"/>
+          <p:cNvPr id="6" name="図 5"/>
           <p:cNvPicPr>
             <a:picLocks noChangeAspect="1"/>
           </p:cNvPicPr>
@@ -9623,8 +9749,8 @@
         </p:blipFill>
         <p:spPr>
           <a:xfrm>
-            <a:off x="628649" y="1825625"/>
-            <a:ext cx="7313567" cy="4395921"/>
+            <a:off x="628650" y="1825625"/>
+            <a:ext cx="7391630" cy="4442842"/>
           </a:xfrm>
           <a:prstGeom prst="rect">
             <a:avLst/>
@@ -9825,10 +9951,10 @@
           <a:lstStyle/>
           <a:p>
             <a:fld id="{768BF403-63E9-4BE6-AA0B-408C483EA9DC}" type="slidenum">
-              <a:rPr kumimoji="1" lang="ja-JP" altLang="en-US" smtClean="0"/>
+              <a:rPr kumimoji="1" lang="ja-JP" altLang="en-US" sz="3600" smtClean="0"/>
               <a:t>18</a:t>
             </a:fld>
-            <a:endParaRPr kumimoji="1" lang="ja-JP" altLang="en-US"/>
+            <a:endParaRPr kumimoji="1" lang="ja-JP" altLang="en-US" sz="3600" dirty="0"/>
           </a:p>
         </p:txBody>
       </p:sp>
@@ -10292,11 +10418,7 @@
             </a:r>
             <a:r>
               <a:rPr lang="ja-JP" altLang="en-US" dirty="0" smtClean="0"/>
-              <a:t>ベクトルを画像検索に適用することで対象物の形や色といった面から画像を検索できると</a:t>
-            </a:r>
-            <a:r>
-              <a:rPr lang="ja-JP" altLang="en-US" smtClean="0"/>
-              <a:t>予想する．</a:t>
+              <a:t>ベクトルを画像検索に適用することで対象物の形や色といった面から画像を検索できると予想する．</a:t>
             </a:r>
             <a:endParaRPr kumimoji="1" lang="ja-JP" altLang="en-US" dirty="0"/>
           </a:p>
@@ -10440,8 +10562,8 @@
           <a:p>
             <a:pPr lvl="0"/>
             <a:r>
-              <a:rPr lang="en-US" altLang="ja-JP" sz="1600" dirty="0"/>
-              <a:t>Alex </a:t>
+              <a:rPr lang="en-US" altLang="ja-JP" sz="1600" dirty="0" smtClean="0"/>
+              <a:t>[Alex2012]Alex </a:t>
             </a:r>
             <a:r>
               <a:rPr lang="en-US" altLang="ja-JP" sz="1600" dirty="0" err="1"/>
@@ -10503,8 +10625,24 @@
           <a:p>
             <a:pPr lvl="0"/>
             <a:r>
+              <a:rPr lang="en-US" altLang="ja-JP" sz="1600" dirty="0" smtClean="0"/>
+              <a:t>[</a:t>
+            </a:r>
+            <a:r>
+              <a:rPr lang="ja-JP" altLang="en-US" sz="1600" dirty="0" smtClean="0"/>
+              <a:t>中山</a:t>
+            </a:r>
+            <a:r>
+              <a:rPr lang="en-US" altLang="ja-JP" sz="1600" dirty="0" smtClean="0"/>
+              <a:t>2015]</a:t>
+            </a:r>
+            <a:r>
+              <a:rPr lang="ja-JP" altLang="ja-JP" sz="1600" dirty="0" smtClean="0"/>
+              <a:t>中山</a:t>
+            </a:r>
+            <a:r>
               <a:rPr lang="ja-JP" altLang="ja-JP" sz="1600" dirty="0"/>
-              <a:t>中山英樹：深層畳み込みニューラルネットワークによる画像特徴抽出と転移学習，電子情報通信学会技術研究報告，（</a:t>
+              <a:t>英樹：深層畳み込みニューラルネットワークによる画像特徴抽出と転移学習，電子情報通信学会技術研究報告，（</a:t>
             </a:r>
             <a:r>
               <a:rPr lang="en-US" altLang="ja-JP" sz="1600" dirty="0"/>
@@ -10518,8 +10656,24 @@
           <a:p>
             <a:pPr lvl="0"/>
             <a:r>
+              <a:rPr lang="en-US" altLang="ja-JP" sz="1600" dirty="0" smtClean="0"/>
+              <a:t>[</a:t>
+            </a:r>
+            <a:r>
+              <a:rPr lang="ja-JP" altLang="en-US" sz="1600" dirty="0" smtClean="0"/>
+              <a:t>鬼塚</a:t>
+            </a:r>
+            <a:r>
+              <a:rPr lang="en-US" altLang="ja-JP" sz="1600" dirty="0" smtClean="0"/>
+              <a:t>2018]</a:t>
+            </a:r>
+            <a:r>
+              <a:rPr lang="ja-JP" altLang="ja-JP" sz="1600" dirty="0" smtClean="0"/>
+              <a:t>鬼塚</a:t>
+            </a:r>
+            <a:r>
               <a:rPr lang="ja-JP" altLang="ja-JP" sz="1600" dirty="0"/>
-              <a:t>鬼塚洋輔，山田太造，井上聡，内田誠一：花押類似検索のための畳み込みオートエンコーダによる画像特徴抽出，情報処理学会，（</a:t>
+              <a:t>洋輔，山田太造，井上聡，内田誠一：花押類似検索のための畳み込みオートエンコーダによる画像特徴抽出，情報処理学会，（</a:t>
             </a:r>
             <a:r>
               <a:rPr lang="en-US" altLang="ja-JP" sz="1600" dirty="0"/>
@@ -10534,8 +10688,24 @@
           <a:p>
             <a:pPr lvl="0"/>
             <a:r>
+              <a:rPr lang="en-US" altLang="ja-JP" sz="1600" dirty="0" smtClean="0"/>
+              <a:t>[</a:t>
+            </a:r>
+            <a:r>
+              <a:rPr lang="ja-JP" altLang="en-US" sz="1600" dirty="0" smtClean="0"/>
+              <a:t>高橋</a:t>
+            </a:r>
+            <a:r>
+              <a:rPr lang="en-US" altLang="ja-JP" sz="1600" dirty="0" smtClean="0"/>
+              <a:t>2020]</a:t>
+            </a:r>
+            <a:r>
+              <a:rPr lang="ja-JP" altLang="ja-JP" sz="1600" dirty="0" smtClean="0"/>
+              <a:t>高橋</a:t>
+            </a:r>
+            <a:r>
               <a:rPr lang="ja-JP" altLang="ja-JP" sz="1600" dirty="0"/>
-              <a:t>高橋春輝，竹川高志：ラベル情報の一般化による</a:t>
+              <a:t>春輝，竹川高志：ラベル情報の一般化による</a:t>
             </a:r>
             <a:r>
               <a:rPr lang="en-US" altLang="ja-JP" sz="1600" dirty="0"/>
@@ -10619,6 +10789,18 @@
           </a:p>
           <a:p>
             <a:pPr lvl="0"/>
+            <a:r>
+              <a:rPr lang="en-US" altLang="ja-JP" sz="1600" dirty="0" smtClean="0"/>
+              <a:t>[</a:t>
+            </a:r>
+            <a:r>
+              <a:rPr lang="ja-JP" altLang="en-US" sz="1600" dirty="0" smtClean="0"/>
+              <a:t>フランソワ</a:t>
+            </a:r>
+            <a:r>
+              <a:rPr lang="en-US" altLang="ja-JP" sz="1600" dirty="0" smtClean="0"/>
+              <a:t>2018]</a:t>
+            </a:r>
             <a:r>
               <a:rPr lang="ja-JP" altLang="ja-JP" sz="1600" dirty="0" smtClean="0"/>
               <a:t>フランソワ</a:t>
@@ -10911,7 +11093,11 @@
             </a:r>
             <a:r>
               <a:rPr lang="ja-JP" altLang="en-US" dirty="0" smtClean="0"/>
-              <a:t>抽出した特徴ベクトルを利用した画像検索方式を提案する．</a:t>
+              <a:t>抽出した</a:t>
+            </a:r>
+            <a:r>
+              <a:rPr lang="ja-JP" altLang="en-US" dirty="0" smtClean="0"/>
+              <a:t>特徴から得た特徴ベクトルを用いた画像検索方式が注目されている．</a:t>
             </a:r>
             <a:endParaRPr lang="en-US" altLang="ja-JP" dirty="0" smtClean="0"/>
           </a:p>
@@ -11028,8 +11214,8 @@
         </p:nvSpPr>
         <p:spPr>
           <a:xfrm>
-            <a:off x="4434728" y="5099745"/>
-            <a:ext cx="3051922" cy="1077218"/>
+            <a:off x="4434727" y="5099746"/>
+            <a:ext cx="3798517" cy="1815882"/>
           </a:xfrm>
           <a:prstGeom prst="rect">
             <a:avLst/>
@@ -11043,22 +11229,45 @@
           <a:lstStyle/>
           <a:p>
             <a:r>
-              <a:rPr kumimoji="1" lang="ja-JP" altLang="en-US" sz="2400" dirty="0" smtClean="0"/>
-              <a:t>例</a:t>
-            </a:r>
-            <a:r>
-              <a:rPr kumimoji="1" lang="en-US" altLang="ja-JP" sz="2400" dirty="0" smtClean="0"/>
-              <a:t>)</a:t>
-            </a:r>
-            <a:r>
-              <a:rPr kumimoji="1" lang="ja-JP" altLang="en-US" sz="2400" dirty="0" smtClean="0"/>
-              <a:t>白が画素値０，黒が画素値１とする</a:t>
-            </a:r>
-            <a:r>
-              <a:rPr lang="ja-JP" altLang="en-US" sz="2400" dirty="0" smtClean="0"/>
-              <a:t>．</a:t>
-            </a:r>
-            <a:endParaRPr kumimoji="1" lang="en-US" altLang="ja-JP" sz="2400" dirty="0" smtClean="0"/>
+              <a:rPr lang="en-US" altLang="ja-JP" sz="2400" dirty="0"/>
+              <a:t>5×5</a:t>
+            </a:r>
+            <a:r>
+              <a:rPr lang="ja-JP" altLang="en-US" sz="2400" dirty="0"/>
+              <a:t>で</a:t>
+            </a:r>
+            <a:r>
+              <a:rPr lang="en-US" altLang="ja-JP" sz="2400" dirty="0"/>
+              <a:t>25</a:t>
+            </a:r>
+            <a:r>
+              <a:rPr lang="ja-JP" altLang="en-US" sz="2400" dirty="0"/>
+              <a:t>画素なので、特徴ベクトルの要素が</a:t>
+            </a:r>
+            <a:r>
+              <a:rPr lang="en-US" altLang="ja-JP" sz="2400" dirty="0"/>
+              <a:t>25</a:t>
+            </a:r>
+            <a:r>
+              <a:rPr lang="ja-JP" altLang="en-US" sz="2400" dirty="0"/>
+              <a:t>個。</a:t>
+            </a:r>
+            <a:endParaRPr lang="en-US" altLang="ja-JP" sz="2400" dirty="0"/>
+          </a:p>
+          <a:p>
+            <a:r>
+              <a:rPr lang="ja-JP" altLang="en-US" sz="2400" dirty="0"/>
+              <a:t>この特徴ベクトルは、</a:t>
+            </a:r>
+            <a:r>
+              <a:rPr lang="en-US" altLang="ja-JP" sz="2400" dirty="0"/>
+              <a:t>25</a:t>
+            </a:r>
+            <a:r>
+              <a:rPr lang="ja-JP" altLang="en-US" sz="2400" dirty="0"/>
+              <a:t>次元であるといえる</a:t>
+            </a:r>
+            <a:endParaRPr lang="en-US" altLang="ja-JP" sz="2400" dirty="0"/>
           </a:p>
           <a:p>
             <a:endParaRPr lang="en-US" altLang="ja-JP" sz="1600" dirty="0"/>
@@ -11597,6 +11806,12 @@
               </a:rPr>
               <a:t>AlexNet</a:t>
             </a:r>
+            <a:r>
+              <a:rPr kumimoji="1" lang="ja-JP" altLang="en-US" dirty="0" smtClean="0">
+                <a:ea typeface="+mj-ea"/>
+              </a:rPr>
+              <a:t>の構造について</a:t>
+            </a:r>
             <a:endParaRPr kumimoji="1" lang="en-US" altLang="ja-JP" dirty="0" smtClean="0">
               <a:ea typeface="+mj-ea"/>
             </a:endParaRPr>
@@ -11909,7 +12124,23 @@
             </a:r>
             <a:r>
               <a:rPr kumimoji="1" lang="ja-JP" altLang="en-US" dirty="0" smtClean="0"/>
-              <a:t>検索精度が良くなり，計算時間が増加する．反対に，低次元では検索精度が悪くなり，計算時間が減少する．</a:t>
+              <a:t>検索精度が良くなり，計算時間が増加する</a:t>
+            </a:r>
+            <a:r>
+              <a:rPr kumimoji="1" lang="ja-JP" altLang="en-US" dirty="0" smtClean="0"/>
+              <a:t>．</a:t>
+            </a:r>
+            <a:r>
+              <a:rPr lang="ja-JP" altLang="en-US" dirty="0"/>
+              <a:t>一方</a:t>
+            </a:r>
+            <a:r>
+              <a:rPr kumimoji="1" lang="ja-JP" altLang="en-US" dirty="0" smtClean="0"/>
+              <a:t>，</a:t>
+            </a:r>
+            <a:r>
+              <a:rPr kumimoji="1" lang="ja-JP" altLang="en-US" dirty="0" smtClean="0"/>
+              <a:t>低次元では検索精度が悪くなり，計算時間が減少する．</a:t>
             </a:r>
             <a:endParaRPr kumimoji="1" lang="en-US" altLang="ja-JP" dirty="0" smtClean="0"/>
           </a:p>
@@ -12619,7 +12850,7 @@
           <a:graphicData uri="http://schemas.openxmlformats.org/presentationml/2006/ole">
             <mc:AlternateContent xmlns:mc="http://schemas.openxmlformats.org/markup-compatibility/2006">
               <mc:Choice xmlns:v="urn:schemas-microsoft-com:vml" Requires="v">
-                <p:oleObj spid="_x0000_s1138" name="ワークシート" r:id="rId4" imgW="1733609" imgH="463785" progId="Excel.Sheet.12">
+                <p:oleObj spid="_x0000_s1172" name="ワークシート" r:id="rId4" imgW="1733609" imgH="463785" progId="Excel.Sheet.12">
                   <p:embed/>
                 </p:oleObj>
               </mc:Choice>
@@ -12670,7 +12901,7 @@
           <a:graphicData uri="http://schemas.openxmlformats.org/presentationml/2006/ole">
             <mc:AlternateContent xmlns:mc="http://schemas.openxmlformats.org/markup-compatibility/2006">
               <mc:Choice xmlns:v="urn:schemas-microsoft-com:vml" Requires="v">
-                <p:oleObj spid="_x0000_s1139" name="ワークシート" r:id="rId6" imgW="2965470" imgH="1835385" progId="Excel.Sheet.12">
+                <p:oleObj spid="_x0000_s1173" name="ワークシート" r:id="rId6" imgW="2965470" imgH="1835385" progId="Excel.Sheet.12">
                   <p:embed/>
                 </p:oleObj>
               </mc:Choice>

--- a/卒研発表/1821005_yoshioka_thesis.pptx
+++ b/卒研発表/1821005_yoshioka_thesis.pptx
@@ -16,9 +16,9 @@
     <p:sldId id="261" r:id="rId7"/>
     <p:sldId id="262" r:id="rId8"/>
     <p:sldId id="263" r:id="rId9"/>
-    <p:sldId id="264" r:id="rId10"/>
-    <p:sldId id="265" r:id="rId11"/>
-    <p:sldId id="266" r:id="rId12"/>
+    <p:sldId id="266" r:id="rId10"/>
+    <p:sldId id="264" r:id="rId11"/>
+    <p:sldId id="265" r:id="rId12"/>
     <p:sldId id="267" r:id="rId13"/>
     <p:sldId id="268" r:id="rId14"/>
     <p:sldId id="269" r:id="rId15"/>
@@ -678,38 +678,49 @@
           <a:p>
             <a:r>
               <a:rPr kumimoji="1" lang="ja-JP" altLang="en-US" dirty="0" smtClean="0"/>
-              <a:t>モデルの構成はこのようになっています．</a:t>
+              <a:t>実験環境についてです．</a:t>
+            </a:r>
+            <a:endParaRPr kumimoji="1" lang="en-US" altLang="ja-JP" dirty="0" smtClean="0"/>
+          </a:p>
+          <a:p>
+            <a:r>
+              <a:rPr kumimoji="1" lang="ja-JP" altLang="en-US" dirty="0" smtClean="0"/>
+              <a:t>モデルの学習，特徴ベクトルを抽出する際の画像集合に関して，</a:t>
             </a:r>
             <a:r>
               <a:rPr kumimoji="1" lang="en-US" altLang="ja-JP" dirty="0" smtClean="0"/>
-              <a:t>13</a:t>
+              <a:t>CIFAR-10</a:t>
+            </a:r>
+            <a:r>
+              <a:rPr kumimoji="1" lang="ja-JP" altLang="en-US" dirty="0" smtClean="0"/>
+              <a:t>データセットを使用しました．</a:t>
+            </a:r>
+            <a:endParaRPr kumimoji="1" lang="en-US" altLang="ja-JP" dirty="0" smtClean="0"/>
+          </a:p>
+          <a:p>
+            <a:r>
+              <a:rPr kumimoji="1" lang="ja-JP" altLang="en-US" dirty="0" smtClean="0"/>
+              <a:t>作成した深層学習モデルはこの</a:t>
+            </a:r>
+            <a:r>
+              <a:rPr kumimoji="1" lang="en-US" altLang="ja-JP" dirty="0" smtClean="0"/>
+              <a:t>7</a:t>
             </a:r>
             <a:r>
               <a:rPr kumimoji="1" lang="ja-JP" altLang="en-US" dirty="0" err="1" smtClean="0"/>
-              <a:t>，</a:t>
+              <a:t>つに</a:t>
+            </a:r>
+            <a:r>
+              <a:rPr kumimoji="1" lang="ja-JP" altLang="en-US" dirty="0" smtClean="0"/>
+              <a:t>なります．それぞれ識別層手前の全結合層の値を</a:t>
             </a:r>
             <a:r>
               <a:rPr kumimoji="1" lang="en-US" altLang="ja-JP" dirty="0" smtClean="0"/>
-              <a:t>15</a:t>
+              <a:t>100,500,1000,2000,3000,4096,8192</a:t>
             </a:r>
             <a:r>
               <a:rPr kumimoji="1" lang="ja-JP" altLang="en-US" dirty="0" smtClean="0"/>
-              <a:t>層目の次元数の値を変化させます．</a:t>
-            </a:r>
-            <a:endParaRPr kumimoji="1" lang="en-US" altLang="ja-JP" dirty="0" smtClean="0"/>
-          </a:p>
-          <a:p>
-            <a:r>
-              <a:rPr kumimoji="1" lang="ja-JP" altLang="en-US" dirty="0" smtClean="0"/>
-              <a:t>特徴ベクトルの抽出は，</a:t>
-            </a:r>
-            <a:r>
-              <a:rPr kumimoji="1" lang="en-US" altLang="ja-JP" dirty="0" smtClean="0"/>
-              <a:t>15</a:t>
-            </a:r>
-            <a:r>
-              <a:rPr kumimoji="1" lang="ja-JP" altLang="en-US" dirty="0" smtClean="0"/>
-              <a:t>層目から行います．</a:t>
+              <a:t>と変更しています．その他は変えていません．エポック数に関しても一緒です．</a:t>
             </a:r>
             <a:endParaRPr kumimoji="1" lang="ja-JP" altLang="en-US" dirty="0"/>
           </a:p>
@@ -741,7 +752,7 @@
     </p:spTree>
     <p:extLst>
       <p:ext uri="{BB962C8B-B14F-4D97-AF65-F5344CB8AC3E}">
-        <p14:creationId xmlns:p14="http://schemas.microsoft.com/office/powerpoint/2010/main" val="3419489408"/>
+        <p14:creationId xmlns:p14="http://schemas.microsoft.com/office/powerpoint/2010/main" val="3152453593"/>
       </p:ext>
     </p:extLst>
   </p:cSld>
@@ -797,30 +808,38 @@
           <a:p>
             <a:r>
               <a:rPr kumimoji="1" lang="ja-JP" altLang="en-US" dirty="0" smtClean="0"/>
-              <a:t>実験</a:t>
+              <a:t>モデルの構成はこのようになっています．</a:t>
             </a:r>
             <a:r>
               <a:rPr kumimoji="1" lang="en-US" altLang="ja-JP" dirty="0" smtClean="0"/>
-              <a:t>1</a:t>
+              <a:t>13</a:t>
+            </a:r>
+            <a:r>
+              <a:rPr kumimoji="1" lang="ja-JP" altLang="en-US" dirty="0" err="1" smtClean="0"/>
+              <a:t>，</a:t>
+            </a:r>
+            <a:r>
+              <a:rPr kumimoji="1" lang="en-US" altLang="ja-JP" dirty="0" smtClean="0"/>
+              <a:t>15</a:t>
             </a:r>
             <a:r>
               <a:rPr kumimoji="1" lang="ja-JP" altLang="en-US" dirty="0" smtClean="0"/>
-              <a:t>では，各次元数の特徴ベクトルの検索精度と計算時間についての評価を行います．</a:t>
+              <a:t>層目の次元数の値を変化させます．</a:t>
             </a:r>
             <a:endParaRPr kumimoji="1" lang="en-US" altLang="ja-JP" dirty="0" smtClean="0"/>
           </a:p>
           <a:p>
             <a:r>
               <a:rPr kumimoji="1" lang="ja-JP" altLang="en-US" dirty="0" smtClean="0"/>
-              <a:t>実験</a:t>
+              <a:t>特徴ベクトルの抽出は，</a:t>
             </a:r>
             <a:r>
               <a:rPr kumimoji="1" lang="en-US" altLang="ja-JP" dirty="0" smtClean="0"/>
-              <a:t>2</a:t>
+              <a:t>15</a:t>
             </a:r>
             <a:r>
               <a:rPr kumimoji="1" lang="ja-JP" altLang="en-US" dirty="0" smtClean="0"/>
-              <a:t>では，各ラベルの正答率，検索結果上位に表示された画像の共通点を評価します．</a:t>
+              <a:t>層目から行います．</a:t>
             </a:r>
             <a:endParaRPr kumimoji="1" lang="ja-JP" altLang="en-US" dirty="0"/>
           </a:p>
@@ -852,7 +871,7 @@
     </p:spTree>
     <p:extLst>
       <p:ext uri="{BB962C8B-B14F-4D97-AF65-F5344CB8AC3E}">
-        <p14:creationId xmlns:p14="http://schemas.microsoft.com/office/powerpoint/2010/main" val="275520511"/>
+        <p14:creationId xmlns:p14="http://schemas.microsoft.com/office/powerpoint/2010/main" val="3419489408"/>
       </p:ext>
     </p:extLst>
   </p:cSld>
@@ -5066,49 +5085,30 @@
           <a:p>
             <a:r>
               <a:rPr kumimoji="1" lang="ja-JP" altLang="en-US" dirty="0" smtClean="0"/>
-              <a:t>実験環境についてです．</a:t>
+              <a:t>実験</a:t>
+            </a:r>
+            <a:r>
+              <a:rPr kumimoji="1" lang="en-US" altLang="ja-JP" dirty="0" smtClean="0"/>
+              <a:t>1</a:t>
+            </a:r>
+            <a:r>
+              <a:rPr kumimoji="1" lang="ja-JP" altLang="en-US" dirty="0" smtClean="0"/>
+              <a:t>では，各次元数の特徴ベクトルの検索精度と計算時間についての評価を行います．</a:t>
             </a:r>
             <a:endParaRPr kumimoji="1" lang="en-US" altLang="ja-JP" dirty="0" smtClean="0"/>
           </a:p>
           <a:p>
             <a:r>
               <a:rPr kumimoji="1" lang="ja-JP" altLang="en-US" dirty="0" smtClean="0"/>
-              <a:t>モデルの学習，特徴ベクトルを抽出する際の画像集合に関して，</a:t>
+              <a:t>実験</a:t>
             </a:r>
             <a:r>
               <a:rPr kumimoji="1" lang="en-US" altLang="ja-JP" dirty="0" smtClean="0"/>
-              <a:t>CIFAR-10</a:t>
+              <a:t>2</a:t>
             </a:r>
             <a:r>
               <a:rPr kumimoji="1" lang="ja-JP" altLang="en-US" dirty="0" smtClean="0"/>
-              <a:t>データセットを使用しました．</a:t>
-            </a:r>
-            <a:endParaRPr kumimoji="1" lang="en-US" altLang="ja-JP" dirty="0" smtClean="0"/>
-          </a:p>
-          <a:p>
-            <a:r>
-              <a:rPr kumimoji="1" lang="ja-JP" altLang="en-US" dirty="0" smtClean="0"/>
-              <a:t>作成した深層学習モデルはこの</a:t>
-            </a:r>
-            <a:r>
-              <a:rPr kumimoji="1" lang="en-US" altLang="ja-JP" dirty="0" smtClean="0"/>
-              <a:t>7</a:t>
-            </a:r>
-            <a:r>
-              <a:rPr kumimoji="1" lang="ja-JP" altLang="en-US" dirty="0" err="1" smtClean="0"/>
-              <a:t>つに</a:t>
-            </a:r>
-            <a:r>
-              <a:rPr kumimoji="1" lang="ja-JP" altLang="en-US" dirty="0" smtClean="0"/>
-              <a:t>なります．それぞれ識別層手前の全結合層の値を</a:t>
-            </a:r>
-            <a:r>
-              <a:rPr kumimoji="1" lang="en-US" altLang="ja-JP" dirty="0" smtClean="0"/>
-              <a:t>100,500,1000,2000,3000,4096,8192</a:t>
-            </a:r>
-            <a:r>
-              <a:rPr kumimoji="1" lang="ja-JP" altLang="en-US" dirty="0" smtClean="0"/>
-              <a:t>と変更しています．その他は変えていません．エポック数に関しても一緒です．</a:t>
+              <a:t>では，各ラベルの正答率，検索結果上位に表示された画像の共通点を評価します．</a:t>
             </a:r>
             <a:endParaRPr kumimoji="1" lang="ja-JP" altLang="en-US" dirty="0"/>
           </a:p>
@@ -5140,7 +5140,7 @@
     </p:spTree>
     <p:extLst>
       <p:ext uri="{BB962C8B-B14F-4D97-AF65-F5344CB8AC3E}">
-        <p14:creationId xmlns:p14="http://schemas.microsoft.com/office/powerpoint/2010/main" val="3152453593"/>
+        <p14:creationId xmlns:p14="http://schemas.microsoft.com/office/powerpoint/2010/main" val="275520511"/>
       </p:ext>
     </p:extLst>
   </p:cSld>
@@ -8326,37 +8326,37 @@
         </p:spPr>
         <p:txBody>
           <a:bodyPr>
-            <a:normAutofit fontScale="90000"/>
+            <a:noAutofit/>
           </a:bodyPr>
           <a:lstStyle/>
           <a:p>
             <a:r>
-              <a:rPr kumimoji="1" lang="ja-JP" altLang="en-US" dirty="0" smtClean="0"/>
+              <a:rPr kumimoji="1" lang="ja-JP" altLang="en-US" sz="5400" b="1" dirty="0" smtClean="0"/>
               <a:t>深層学習モデルから</a:t>
             </a:r>
             <a:r>
-              <a:rPr kumimoji="1" lang="en-US" altLang="ja-JP" dirty="0" smtClean="0"/>
+              <a:rPr kumimoji="1" lang="en-US" altLang="ja-JP" sz="5400" b="1" dirty="0" smtClean="0"/>
               <a:t/>
             </a:r>
             <a:br>
-              <a:rPr kumimoji="1" lang="en-US" altLang="ja-JP" dirty="0" smtClean="0"/>
+              <a:rPr kumimoji="1" lang="en-US" altLang="ja-JP" sz="5400" b="1" dirty="0" smtClean="0"/>
             </a:br>
             <a:r>
-              <a:rPr kumimoji="1" lang="ja-JP" altLang="en-US" dirty="0" smtClean="0"/>
+              <a:rPr kumimoji="1" lang="ja-JP" altLang="en-US" sz="5400" b="1" dirty="0" smtClean="0"/>
               <a:t>抽出した特徴ベクトルの</a:t>
             </a:r>
             <a:r>
-              <a:rPr kumimoji="1" lang="en-US" altLang="ja-JP" dirty="0" smtClean="0"/>
+              <a:rPr kumimoji="1" lang="en-US" altLang="ja-JP" sz="5400" b="1" dirty="0" smtClean="0"/>
               <a:t/>
             </a:r>
             <a:br>
-              <a:rPr kumimoji="1" lang="en-US" altLang="ja-JP" dirty="0" smtClean="0"/>
+              <a:rPr kumimoji="1" lang="en-US" altLang="ja-JP" sz="5400" b="1" dirty="0" smtClean="0"/>
             </a:br>
             <a:r>
-              <a:rPr kumimoji="1" lang="ja-JP" altLang="en-US" dirty="0" smtClean="0"/>
+              <a:rPr kumimoji="1" lang="ja-JP" altLang="en-US" sz="5400" b="1" dirty="0" smtClean="0"/>
               <a:t>画像検索精度と計算時間に関する評価</a:t>
             </a:r>
-            <a:endParaRPr kumimoji="1" lang="ja-JP" altLang="en-US" dirty="0"/>
+            <a:endParaRPr kumimoji="1" lang="ja-JP" altLang="en-US" sz="5400" b="1" dirty="0"/>
           </a:p>
         </p:txBody>
       </p:sp>
@@ -8381,7 +8381,14 @@
           <a:lstStyle/>
           <a:p>
             <a:r>
-              <a:rPr lang="ja-JP" altLang="en-US" dirty="0"/>
+              <a:rPr lang="ja-JP" altLang="en-US" dirty="0" smtClean="0"/>
+              <a:t>鷹野研究室</a:t>
+            </a:r>
+            <a:endParaRPr lang="en-US" altLang="ja-JP" dirty="0" smtClean="0"/>
+          </a:p>
+          <a:p>
+            <a:r>
+              <a:rPr lang="ja-JP" altLang="en-US" dirty="0" smtClean="0"/>
               <a:t>学籍</a:t>
             </a:r>
             <a:r>
@@ -8392,20 +8399,66 @@
               <a:rPr lang="en-US" altLang="ja-JP" dirty="0" smtClean="0"/>
               <a:t>1821005</a:t>
             </a:r>
-            <a:endParaRPr kumimoji="1" lang="en-US" altLang="ja-JP" dirty="0" smtClean="0"/>
-          </a:p>
-          <a:p>
             <a:r>
               <a:rPr lang="ja-JP" altLang="en-US" dirty="0" smtClean="0"/>
-              <a:t>氏名：吉岡</a:t>
-            </a:r>
-            <a:r>
-              <a:rPr lang="ja-JP" altLang="en-US" smtClean="0"/>
-              <a:t>　拓郎</a:t>
+              <a:t>　氏名</a:t>
+            </a:r>
+            <a:r>
+              <a:rPr lang="ja-JP" altLang="en-US" dirty="0" smtClean="0"/>
+              <a:t>：吉岡　拓郎</a:t>
             </a:r>
             <a:endParaRPr lang="en-US" altLang="ja-JP" dirty="0" smtClean="0"/>
           </a:p>
           <a:p>
+            <a:r>
+              <a:rPr kumimoji="1" lang="ja-JP" altLang="en-US" dirty="0" smtClean="0"/>
+              <a:t>指導教員</a:t>
+            </a:r>
+            <a:r>
+              <a:rPr lang="ja-JP" altLang="en-US" dirty="0" smtClean="0"/>
+              <a:t>：鷹野孝典教授</a:t>
+            </a:r>
+            <a:endParaRPr kumimoji="1" lang="ja-JP" altLang="en-US" dirty="0"/>
+          </a:p>
+        </p:txBody>
+      </p:sp>
+      <p:sp>
+        <p:nvSpPr>
+          <p:cNvPr id="4" name="テキスト ボックス 3"/>
+          <p:cNvSpPr txBox="1"/>
+          <p:nvPr/>
+        </p:nvSpPr>
+        <p:spPr>
+          <a:xfrm>
+            <a:off x="1860697" y="105305"/>
+            <a:ext cx="5720317" cy="646331"/>
+          </a:xfrm>
+          <a:prstGeom prst="rect">
+            <a:avLst/>
+          </a:prstGeom>
+          <a:noFill/>
+        </p:spPr>
+        <p:txBody>
+          <a:bodyPr wrap="square" rtlCol="0">
+            <a:spAutoFit/>
+          </a:bodyPr>
+          <a:lstStyle/>
+          <a:p>
+            <a:r>
+              <a:rPr lang="ja-JP" altLang="en-US" dirty="0" smtClean="0"/>
+              <a:t>２０２１年度　神奈川工科大学情報学部情報工学科</a:t>
+            </a:r>
+            <a:endParaRPr lang="en-US" altLang="ja-JP" dirty="0" smtClean="0"/>
+          </a:p>
+          <a:p>
+            <a:r>
+              <a:rPr lang="ja-JP" altLang="en-US" dirty="0" smtClean="0"/>
+              <a:t>１</a:t>
+            </a:r>
+            <a:r>
+              <a:rPr kumimoji="1" lang="ja-JP" altLang="en-US" dirty="0" smtClean="0"/>
+              <a:t>月２５日卒業研究発表会</a:t>
+            </a:r>
             <a:endParaRPr kumimoji="1" lang="ja-JP" altLang="en-US" dirty="0"/>
           </a:p>
         </p:txBody>
@@ -8463,6 +8516,249 @@
           <a:lstStyle/>
           <a:p>
             <a:r>
+              <a:rPr kumimoji="1" lang="ja-JP" altLang="en-US" dirty="0" smtClean="0"/>
+              <a:t>実験環境</a:t>
+            </a:r>
+            <a:endParaRPr kumimoji="1" lang="ja-JP" altLang="en-US" dirty="0"/>
+          </a:p>
+        </p:txBody>
+      </p:sp>
+      <p:sp>
+        <p:nvSpPr>
+          <p:cNvPr id="3" name="コンテンツ プレースホルダー 2"/>
+          <p:cNvSpPr>
+            <a:spLocks noGrp="1"/>
+          </p:cNvSpPr>
+          <p:nvPr>
+            <p:ph idx="1"/>
+          </p:nvPr>
+        </p:nvSpPr>
+        <p:spPr>
+          <a:xfrm>
+            <a:off x="628649" y="1601911"/>
+            <a:ext cx="5628460" cy="2963506"/>
+          </a:xfrm>
+        </p:spPr>
+        <p:txBody>
+          <a:bodyPr>
+            <a:normAutofit/>
+          </a:bodyPr>
+          <a:lstStyle/>
+          <a:p>
+            <a:r>
+              <a:rPr kumimoji="1" lang="ja-JP" altLang="en-US" dirty="0" smtClean="0"/>
+              <a:t>データセット：</a:t>
+            </a:r>
+            <a:r>
+              <a:rPr kumimoji="1" lang="en-US" altLang="ja-JP" dirty="0" smtClean="0"/>
+              <a:t>CIFAR-10</a:t>
+            </a:r>
+          </a:p>
+          <a:p>
+            <a:pPr marL="0" indent="0">
+              <a:buNone/>
+            </a:pPr>
+            <a:endParaRPr lang="en-US" altLang="ja-JP" dirty="0" smtClean="0"/>
+          </a:p>
+          <a:p>
+            <a:pPr marL="0" indent="0">
+              <a:buNone/>
+            </a:pPr>
+            <a:endParaRPr lang="en-US" altLang="ja-JP" dirty="0" smtClean="0"/>
+          </a:p>
+          <a:p>
+            <a:pPr marL="0" indent="0">
+              <a:buNone/>
+            </a:pPr>
+            <a:endParaRPr lang="en-US" altLang="ja-JP" sz="900" dirty="0"/>
+          </a:p>
+          <a:p>
+            <a:r>
+              <a:rPr kumimoji="1" lang="ja-JP" altLang="en-US" dirty="0" smtClean="0"/>
+              <a:t>作成した深層学習モデル</a:t>
+            </a:r>
+            <a:endParaRPr kumimoji="1" lang="ja-JP" altLang="en-US" dirty="0"/>
+          </a:p>
+        </p:txBody>
+      </p:sp>
+      <p:sp>
+        <p:nvSpPr>
+          <p:cNvPr id="4" name="スライド番号プレースホルダー 3"/>
+          <p:cNvSpPr>
+            <a:spLocks noGrp="1"/>
+          </p:cNvSpPr>
+          <p:nvPr>
+            <p:ph type="sldNum" sz="quarter" idx="12"/>
+          </p:nvPr>
+        </p:nvSpPr>
+        <p:spPr/>
+        <p:txBody>
+          <a:bodyPr/>
+          <a:lstStyle/>
+          <a:p>
+            <a:fld id="{768BF403-63E9-4BE6-AA0B-408C483EA9DC}" type="slidenum">
+              <a:rPr kumimoji="1" lang="ja-JP" altLang="en-US" smtClean="0"/>
+              <a:t>10</a:t>
+            </a:fld>
+            <a:endParaRPr kumimoji="1" lang="ja-JP" altLang="en-US"/>
+          </a:p>
+        </p:txBody>
+      </p:sp>
+      <p:graphicFrame>
+        <p:nvGraphicFramePr>
+          <p:cNvPr id="6" name="オブジェクト 5"/>
+          <p:cNvGraphicFramePr>
+            <a:graphicFrameLocks noChangeAspect="1"/>
+          </p:cNvGraphicFramePr>
+          <p:nvPr/>
+        </p:nvGraphicFramePr>
+        <p:xfrm>
+          <a:off x="1482881" y="2075919"/>
+          <a:ext cx="3919996" cy="1048204"/>
+        </p:xfrm>
+        <a:graphic>
+          <a:graphicData uri="http://schemas.openxmlformats.org/presentationml/2006/ole">
+            <mc:AlternateContent xmlns:mc="http://schemas.openxmlformats.org/markup-compatibility/2006">
+              <mc:Choice xmlns:v="urn:schemas-microsoft-com:vml" Requires="v">
+                <p:oleObj spid="_x0000_s1216" name="ワークシート" r:id="rId4" imgW="1733609" imgH="463785" progId="Excel.Sheet.12">
+                  <p:embed/>
+                </p:oleObj>
+              </mc:Choice>
+              <mc:Fallback>
+                <p:oleObj name="ワークシート" r:id="rId4" imgW="1733609" imgH="463785" progId="Excel.Sheet.12">
+                  <p:embed/>
+                  <p:pic>
+                    <p:nvPicPr>
+                      <p:cNvPr id="6" name="オブジェクト 5"/>
+                      <p:cNvPicPr/>
+                      <p:nvPr/>
+                    </p:nvPicPr>
+                    <p:blipFill>
+                      <a:blip r:embed="rId5"/>
+                      <a:stretch>
+                        <a:fillRect/>
+                      </a:stretch>
+                    </p:blipFill>
+                    <p:spPr>
+                      <a:xfrm>
+                        <a:off x="1482881" y="2075919"/>
+                        <a:ext cx="3919996" cy="1048204"/>
+                      </a:xfrm>
+                      <a:prstGeom prst="rect">
+                        <a:avLst/>
+                      </a:prstGeom>
+                    </p:spPr>
+                  </p:pic>
+                </p:oleObj>
+              </mc:Fallback>
+            </mc:AlternateContent>
+          </a:graphicData>
+        </a:graphic>
+      </p:graphicFrame>
+      <p:graphicFrame>
+        <p:nvGraphicFramePr>
+          <p:cNvPr id="8" name="オブジェクト 7"/>
+          <p:cNvGraphicFramePr>
+            <a:graphicFrameLocks noChangeAspect="1"/>
+          </p:cNvGraphicFramePr>
+          <p:nvPr/>
+        </p:nvGraphicFramePr>
+        <p:xfrm>
+          <a:off x="1482881" y="3796584"/>
+          <a:ext cx="4813753" cy="2978961"/>
+        </p:xfrm>
+        <a:graphic>
+          <a:graphicData uri="http://schemas.openxmlformats.org/presentationml/2006/ole">
+            <mc:AlternateContent xmlns:mc="http://schemas.openxmlformats.org/markup-compatibility/2006">
+              <mc:Choice xmlns:v="urn:schemas-microsoft-com:vml" Requires="v">
+                <p:oleObj spid="_x0000_s1217" name="ワークシート" r:id="rId6" imgW="2965470" imgH="1835385" progId="Excel.Sheet.12">
+                  <p:embed/>
+                </p:oleObj>
+              </mc:Choice>
+              <mc:Fallback>
+                <p:oleObj name="ワークシート" r:id="rId6" imgW="2965470" imgH="1835385" progId="Excel.Sheet.12">
+                  <p:embed/>
+                  <p:pic>
+                    <p:nvPicPr>
+                      <p:cNvPr id="8" name="オブジェクト 7"/>
+                      <p:cNvPicPr/>
+                      <p:nvPr/>
+                    </p:nvPicPr>
+                    <p:blipFill>
+                      <a:blip r:embed="rId7"/>
+                      <a:stretch>
+                        <a:fillRect/>
+                      </a:stretch>
+                    </p:blipFill>
+                    <p:spPr>
+                      <a:xfrm>
+                        <a:off x="1482881" y="3796584"/>
+                        <a:ext cx="4813753" cy="2978961"/>
+                      </a:xfrm>
+                      <a:prstGeom prst="rect">
+                        <a:avLst/>
+                      </a:prstGeom>
+                    </p:spPr>
+                  </p:pic>
+                </p:oleObj>
+              </mc:Fallback>
+            </mc:AlternateContent>
+          </a:graphicData>
+        </a:graphic>
+      </p:graphicFrame>
+    </p:spTree>
+    <p:extLst>
+      <p:ext uri="{BB962C8B-B14F-4D97-AF65-F5344CB8AC3E}">
+        <p14:creationId xmlns:p14="http://schemas.microsoft.com/office/powerpoint/2010/main" val="3429856626"/>
+      </p:ext>
+    </p:extLst>
+  </p:cSld>
+  <p:clrMapOvr>
+    <a:masterClrMapping/>
+  </p:clrMapOvr>
+  <p:timing>
+    <p:tnLst>
+      <p:par>
+        <p:cTn id="1" dur="indefinite" restart="never" nodeType="tmRoot"/>
+      </p:par>
+    </p:tnLst>
+  </p:timing>
+</p:sld>
+</file>
+
+<file path=ppt/slides/slide11.xml><?xml version="1.0" encoding="utf-8"?>
+<p:sld xmlns:a="http://schemas.openxmlformats.org/drawingml/2006/main" xmlns:r="http://schemas.openxmlformats.org/officeDocument/2006/relationships" xmlns:p="http://schemas.openxmlformats.org/presentationml/2006/main">
+  <p:cSld>
+    <p:spTree>
+      <p:nvGrpSpPr>
+        <p:cNvPr id="1" name=""/>
+        <p:cNvGrpSpPr/>
+        <p:nvPr/>
+      </p:nvGrpSpPr>
+      <p:grpSpPr>
+        <a:xfrm>
+          <a:off x="0" y="0"/>
+          <a:ext cx="0" cy="0"/>
+          <a:chOff x="0" y="0"/>
+          <a:chExt cx="0" cy="0"/>
+        </a:xfrm>
+      </p:grpSpPr>
+      <p:sp>
+        <p:nvSpPr>
+          <p:cNvPr id="2" name="タイトル 1"/>
+          <p:cNvSpPr>
+            <a:spLocks noGrp="1"/>
+          </p:cNvSpPr>
+          <p:nvPr>
+            <p:ph type="title"/>
+          </p:nvPr>
+        </p:nvSpPr>
+        <p:spPr/>
+        <p:txBody>
+          <a:bodyPr/>
+          <a:lstStyle/>
+          <a:p>
+            <a:r>
               <a:rPr lang="ja-JP" altLang="en-US" dirty="0" smtClean="0"/>
               <a:t>モデルの構成</a:t>
             </a:r>
@@ -8511,7 +8807,7 @@
           <a:p>
             <a:fld id="{768BF403-63E9-4BE6-AA0B-408C483EA9DC}" type="slidenum">
               <a:rPr kumimoji="1" lang="ja-JP" altLang="en-US" smtClean="0"/>
-              <a:t>10</a:t>
+              <a:t>11</a:t>
             </a:fld>
             <a:endParaRPr kumimoji="1" lang="ja-JP" altLang="en-US"/>
           </a:p>
@@ -8533,7 +8829,7 @@
           <a:graphicData uri="http://schemas.openxmlformats.org/presentationml/2006/ole">
             <mc:AlternateContent xmlns:mc="http://schemas.openxmlformats.org/markup-compatibility/2006">
               <mc:Choice xmlns:v="urn:schemas-microsoft-com:vml" Requires="v">
-                <p:oleObj spid="_x0000_s2123" name="ワークシート" r:id="rId4" imgW="4826156" imgH="4134085" progId="Excel.Sheet.12">
+                <p:oleObj spid="_x0000_s2145" name="ワークシート" r:id="rId4" imgW="4826156" imgH="4134085" progId="Excel.Sheet.12">
                   <p:embed/>
                 </p:oleObj>
               </mc:Choice>
@@ -8588,232 +8884,6 @@
 </p:sld>
 </file>
 
-<file path=ppt/slides/slide11.xml><?xml version="1.0" encoding="utf-8"?>
-<p:sld xmlns:a="http://schemas.openxmlformats.org/drawingml/2006/main" xmlns:r="http://schemas.openxmlformats.org/officeDocument/2006/relationships" xmlns:p="http://schemas.openxmlformats.org/presentationml/2006/main">
-  <p:cSld>
-    <p:spTree>
-      <p:nvGrpSpPr>
-        <p:cNvPr id="1" name=""/>
-        <p:cNvGrpSpPr/>
-        <p:nvPr/>
-      </p:nvGrpSpPr>
-      <p:grpSpPr>
-        <a:xfrm>
-          <a:off x="0" y="0"/>
-          <a:ext cx="0" cy="0"/>
-          <a:chOff x="0" y="0"/>
-          <a:chExt cx="0" cy="0"/>
-        </a:xfrm>
-      </p:grpSpPr>
-      <p:sp>
-        <p:nvSpPr>
-          <p:cNvPr id="2" name="タイトル 1"/>
-          <p:cNvSpPr>
-            <a:spLocks noGrp="1"/>
-          </p:cNvSpPr>
-          <p:nvPr>
-            <p:ph type="title"/>
-          </p:nvPr>
-        </p:nvSpPr>
-        <p:spPr/>
-        <p:txBody>
-          <a:bodyPr/>
-          <a:lstStyle/>
-          <a:p>
-            <a:r>
-              <a:rPr kumimoji="1" lang="ja-JP" altLang="en-US" dirty="0" smtClean="0"/>
-              <a:t>実験</a:t>
-            </a:r>
-            <a:endParaRPr kumimoji="1" lang="ja-JP" altLang="en-US" dirty="0"/>
-          </a:p>
-        </p:txBody>
-      </p:sp>
-      <p:sp>
-        <p:nvSpPr>
-          <p:cNvPr id="3" name="コンテンツ プレースホルダー 2"/>
-          <p:cNvSpPr>
-            <a:spLocks noGrp="1"/>
-          </p:cNvSpPr>
-          <p:nvPr>
-            <p:ph idx="1"/>
-          </p:nvPr>
-        </p:nvSpPr>
-        <p:spPr/>
-        <p:txBody>
-          <a:bodyPr/>
-          <a:lstStyle/>
-          <a:p>
-            <a:r>
-              <a:rPr kumimoji="1" lang="ja-JP" altLang="en-US" dirty="0" smtClean="0"/>
-              <a:t>実験</a:t>
-            </a:r>
-            <a:r>
-              <a:rPr kumimoji="1" lang="en-US" altLang="ja-JP" dirty="0" smtClean="0"/>
-              <a:t>1</a:t>
-            </a:r>
-          </a:p>
-          <a:p>
-            <a:pPr lvl="1"/>
-            <a:r>
-              <a:rPr lang="ja-JP" altLang="en-US" dirty="0" smtClean="0"/>
-              <a:t>各次元数の</a:t>
-            </a:r>
-            <a:r>
-              <a:rPr lang="ja-JP" altLang="ja-JP" dirty="0" smtClean="0"/>
-              <a:t>画像</a:t>
-            </a:r>
-            <a:r>
-              <a:rPr lang="ja-JP" altLang="ja-JP" dirty="0"/>
-              <a:t>検索精度と計算</a:t>
-            </a:r>
-            <a:r>
-              <a:rPr lang="ja-JP" altLang="ja-JP" dirty="0" smtClean="0"/>
-              <a:t>時間</a:t>
-            </a:r>
-            <a:r>
-              <a:rPr lang="ja-JP" altLang="en-US" dirty="0" smtClean="0"/>
-              <a:t>を評価する．</a:t>
-            </a:r>
-            <a:endParaRPr lang="en-US" altLang="ja-JP" dirty="0" smtClean="0"/>
-          </a:p>
-          <a:p>
-            <a:pPr lvl="1"/>
-            <a:endParaRPr kumimoji="1" lang="en-US" altLang="ja-JP" dirty="0"/>
-          </a:p>
-          <a:p>
-            <a:r>
-              <a:rPr lang="ja-JP" altLang="en-US" dirty="0" smtClean="0"/>
-              <a:t>実験</a:t>
-            </a:r>
-            <a:r>
-              <a:rPr lang="en-US" altLang="ja-JP" dirty="0" smtClean="0"/>
-              <a:t>2</a:t>
-            </a:r>
-          </a:p>
-          <a:p>
-            <a:pPr lvl="1">
-              <a:lnSpc>
-                <a:spcPct val="100000"/>
-              </a:lnSpc>
-            </a:pPr>
-            <a:r>
-              <a:rPr lang="ja-JP" altLang="en-US" dirty="0"/>
-              <a:t>各</a:t>
-            </a:r>
-            <a:r>
-              <a:rPr lang="ja-JP" altLang="ja-JP" dirty="0"/>
-              <a:t>ラベル</a:t>
-            </a:r>
-            <a:r>
-              <a:rPr lang="ja-JP" altLang="en-US" dirty="0" smtClean="0"/>
-              <a:t>の</a:t>
-            </a:r>
-            <a:r>
-              <a:rPr lang="ja-JP" altLang="en-US" dirty="0"/>
-              <a:t>検索</a:t>
-            </a:r>
-            <a:r>
-              <a:rPr lang="ja-JP" altLang="en-US" dirty="0" smtClean="0"/>
-              <a:t>精度を調査する</a:t>
-            </a:r>
-            <a:r>
-              <a:rPr lang="ja-JP" altLang="en-US" dirty="0" smtClean="0"/>
-              <a:t>．</a:t>
-            </a:r>
-            <a:endParaRPr lang="en-US" altLang="ja-JP" dirty="0"/>
-          </a:p>
-          <a:p>
-            <a:pPr lvl="1">
-              <a:lnSpc>
-                <a:spcPct val="100000"/>
-              </a:lnSpc>
-            </a:pPr>
-            <a:r>
-              <a:rPr lang="ja-JP" altLang="ja-JP" dirty="0"/>
-              <a:t>検索</a:t>
-            </a:r>
-            <a:r>
-              <a:rPr lang="ja-JP" altLang="ja-JP" dirty="0" smtClean="0"/>
-              <a:t>結果</a:t>
-            </a:r>
-            <a:r>
-              <a:rPr lang="ja-JP" altLang="en-US" dirty="0" smtClean="0"/>
-              <a:t>上位の</a:t>
-            </a:r>
-            <a:r>
-              <a:rPr lang="ja-JP" altLang="ja-JP" dirty="0" smtClean="0"/>
-              <a:t>画像</a:t>
-            </a:r>
-            <a:r>
-              <a:rPr lang="ja-JP" altLang="ja-JP" dirty="0"/>
-              <a:t>の共通点</a:t>
-            </a:r>
-            <a:r>
-              <a:rPr lang="ja-JP" altLang="ja-JP" dirty="0" smtClean="0"/>
-              <a:t>を</a:t>
-            </a:r>
-            <a:r>
-              <a:rPr lang="ja-JP" altLang="en-US" dirty="0"/>
-              <a:t>評価</a:t>
-            </a:r>
-            <a:r>
-              <a:rPr lang="ja-JP" altLang="ja-JP" dirty="0" smtClean="0"/>
-              <a:t>する</a:t>
-            </a:r>
-            <a:r>
-              <a:rPr lang="ja-JP" altLang="en-US" dirty="0"/>
-              <a:t>．</a:t>
-            </a:r>
-          </a:p>
-          <a:p>
-            <a:pPr lvl="1"/>
-            <a:endParaRPr kumimoji="1" lang="ja-JP" altLang="en-US" dirty="0"/>
-          </a:p>
-        </p:txBody>
-      </p:sp>
-      <p:sp>
-        <p:nvSpPr>
-          <p:cNvPr id="4" name="スライド番号プレースホルダー 3"/>
-          <p:cNvSpPr>
-            <a:spLocks noGrp="1"/>
-          </p:cNvSpPr>
-          <p:nvPr>
-            <p:ph type="sldNum" sz="quarter" idx="12"/>
-          </p:nvPr>
-        </p:nvSpPr>
-        <p:spPr/>
-        <p:txBody>
-          <a:bodyPr/>
-          <a:lstStyle/>
-          <a:p>
-            <a:fld id="{768BF403-63E9-4BE6-AA0B-408C483EA9DC}" type="slidenum">
-              <a:rPr kumimoji="1" lang="ja-JP" altLang="en-US" smtClean="0"/>
-              <a:t>11</a:t>
-            </a:fld>
-            <a:endParaRPr kumimoji="1" lang="ja-JP" altLang="en-US"/>
-          </a:p>
-        </p:txBody>
-      </p:sp>
-    </p:spTree>
-    <p:extLst>
-      <p:ext uri="{BB962C8B-B14F-4D97-AF65-F5344CB8AC3E}">
-        <p14:creationId xmlns:p14="http://schemas.microsoft.com/office/powerpoint/2010/main" val="4065006612"/>
-      </p:ext>
-    </p:extLst>
-  </p:cSld>
-  <p:clrMapOvr>
-    <a:masterClrMapping/>
-  </p:clrMapOvr>
-  <p:timing>
-    <p:tnLst>
-      <p:par>
-        <p:cTn id="1" dur="indefinite" restart="never" nodeType="tmRoot"/>
-      </p:par>
-    </p:tnLst>
-  </p:timing>
-</p:sld>
-</file>
-
 <file path=ppt/slides/slide12.xml><?xml version="1.0" encoding="utf-8"?>
 <p:sld xmlns:a="http://schemas.openxmlformats.org/drawingml/2006/main" xmlns:r="http://schemas.openxmlformats.org/officeDocument/2006/relationships" xmlns:p="http://schemas.openxmlformats.org/presentationml/2006/main">
   <p:cSld>
@@ -9227,13 +9297,54 @@
         </p:nvSpPr>
         <p:spPr>
           <a:xfrm>
-            <a:off x="628650" y="1825625"/>
-            <a:ext cx="3917224" cy="591004"/>
+            <a:off x="654775" y="1600157"/>
+            <a:ext cx="7860575" cy="1481246"/>
           </a:xfrm>
         </p:spPr>
         <p:txBody>
-          <a:bodyPr/>
-          <a:lstStyle/>
+          <a:bodyPr>
+            <a:normAutofit/>
+          </a:bodyPr>
+          <a:lstStyle/>
+          <a:p>
+            <a:r>
+              <a:rPr lang="ja-JP" altLang="ja-JP" dirty="0"/>
+              <a:t>次元数</a:t>
+            </a:r>
+            <a:r>
+              <a:rPr lang="en-US" altLang="ja-JP" dirty="0"/>
+              <a:t>1000</a:t>
+            </a:r>
+            <a:r>
+              <a:rPr lang="ja-JP" altLang="ja-JP" dirty="0"/>
+              <a:t>が</a:t>
+            </a:r>
+            <a:r>
+              <a:rPr lang="ja-JP" altLang="ja-JP" dirty="0" smtClean="0"/>
+              <a:t>，</a:t>
+            </a:r>
+            <a:r>
+              <a:rPr lang="ja-JP" altLang="en-US" dirty="0"/>
+              <a:t>検索精度</a:t>
+            </a:r>
+            <a:r>
+              <a:rPr lang="ja-JP" altLang="ja-JP" dirty="0" smtClean="0"/>
+              <a:t>，</a:t>
+            </a:r>
+            <a:r>
+              <a:rPr lang="ja-JP" altLang="ja-JP" dirty="0"/>
+              <a:t>計算時間の両方の観点から最も</a:t>
+            </a:r>
+            <a:r>
+              <a:rPr lang="ja-JP" altLang="ja-JP" dirty="0" smtClean="0"/>
+              <a:t>良かった</a:t>
+            </a:r>
+            <a:r>
+              <a:rPr lang="ja-JP" altLang="en-US" dirty="0" smtClean="0"/>
+              <a:t>．</a:t>
+            </a:r>
+            <a:endParaRPr lang="ja-JP" altLang="ja-JP" dirty="0"/>
+          </a:p>
           <a:p>
             <a:endParaRPr kumimoji="1" lang="ja-JP" altLang="en-US" dirty="0"/>
           </a:p>
@@ -9255,14 +9366,58 @@
         </p:blipFill>
         <p:spPr>
           <a:xfrm>
-            <a:off x="628650" y="1825625"/>
-            <a:ext cx="7359650" cy="4774949"/>
+            <a:off x="1123304" y="2454773"/>
+            <a:ext cx="6576288" cy="4266703"/>
           </a:xfrm>
           <a:prstGeom prst="rect">
             <a:avLst/>
           </a:prstGeom>
         </p:spPr>
       </p:pic>
+      <p:sp>
+        <p:nvSpPr>
+          <p:cNvPr id="5" name="角丸四角形 4"/>
+          <p:cNvSpPr/>
+          <p:nvPr/>
+        </p:nvSpPr>
+        <p:spPr>
+          <a:xfrm>
+            <a:off x="3169086" y="2642992"/>
+            <a:ext cx="713983" cy="3106453"/>
+          </a:xfrm>
+          <a:prstGeom prst="roundRect">
+            <a:avLst/>
+          </a:prstGeom>
+          <a:solidFill>
+            <a:schemeClr val="lt1">
+              <a:alpha val="0"/>
+            </a:schemeClr>
+          </a:solidFill>
+          <a:ln w="76200"/>
+        </p:spPr>
+        <p:style>
+          <a:lnRef idx="2">
+            <a:schemeClr val="accent6"/>
+          </a:lnRef>
+          <a:fillRef idx="1">
+            <a:schemeClr val="lt1"/>
+          </a:fillRef>
+          <a:effectRef idx="0">
+            <a:schemeClr val="accent6"/>
+          </a:effectRef>
+          <a:fontRef idx="minor">
+            <a:schemeClr val="dk1"/>
+          </a:fontRef>
+        </p:style>
+        <p:txBody>
+          <a:bodyPr rtlCol="0" anchor="ctr"/>
+          <a:lstStyle/>
+          <a:p>
+            <a:pPr algn="ctr"/>
+            <a:endParaRPr kumimoji="1" lang="ja-JP" altLang="en-US"/>
+          </a:p>
+        </p:txBody>
+      </p:sp>
     </p:spTree>
     <p:extLst>
       <p:ext uri="{BB962C8B-B14F-4D97-AF65-F5344CB8AC3E}">
@@ -9719,16 +9874,39 @@
         </p:nvSpPr>
         <p:spPr>
           <a:xfrm>
-            <a:off x="628650" y="1825625"/>
-            <a:ext cx="3995601" cy="303621"/>
+            <a:off x="628650" y="1432480"/>
+            <a:ext cx="7886700" cy="1744293"/>
           </a:xfrm>
         </p:spPr>
         <p:txBody>
           <a:bodyPr>
-            <a:normAutofit fontScale="62500" lnSpcReduction="20000"/>
+            <a:normAutofit lnSpcReduction="10000"/>
           </a:bodyPr>
           <a:lstStyle/>
           <a:p>
+            <a:r>
+              <a:rPr kumimoji="1" lang="ja-JP" altLang="en-US" dirty="0" smtClean="0"/>
+              <a:t>「車，トラック」等の検索精度</a:t>
+            </a:r>
+            <a:r>
+              <a:rPr lang="ja-JP" altLang="en-US" dirty="0" smtClean="0"/>
+              <a:t>が良く，「猫，鹿」等が検索精度が悪い．</a:t>
+            </a:r>
+            <a:endParaRPr lang="en-US" altLang="ja-JP" dirty="0" smtClean="0"/>
+          </a:p>
+          <a:p>
+            <a:r>
+              <a:rPr kumimoji="1" lang="ja-JP" altLang="en-US" dirty="0"/>
+              <a:t>正答率</a:t>
+            </a:r>
+            <a:r>
+              <a:rPr kumimoji="1" lang="ja-JP" altLang="en-US" dirty="0" smtClean="0"/>
+              <a:t>の悪い</a:t>
+            </a:r>
+            <a:r>
+              <a:rPr lang="ja-JP" altLang="en-US" dirty="0" smtClean="0"/>
+              <a:t>ラベルの影響で検索精度が落ちてしまっている．</a:t>
+            </a:r>
             <a:endParaRPr kumimoji="1" lang="ja-JP" altLang="en-US" dirty="0"/>
           </a:p>
         </p:txBody>
@@ -9749,8 +9927,8 @@
         </p:blipFill>
         <p:spPr>
           <a:xfrm>
-            <a:off x="628650" y="1825625"/>
-            <a:ext cx="7391630" cy="4442842"/>
+            <a:off x="1077868" y="2918564"/>
+            <a:ext cx="6554104" cy="3939436"/>
           </a:xfrm>
           <a:prstGeom prst="rect">
             <a:avLst/>
@@ -10079,31 +10257,17 @@
         <p:spPr/>
         <p:txBody>
           <a:bodyPr>
-            <a:normAutofit lnSpcReduction="10000"/>
+            <a:normAutofit/>
           </a:bodyPr>
           <a:lstStyle/>
           <a:p>
             <a:r>
-              <a:rPr kumimoji="1" lang="ja-JP" altLang="en-US" dirty="0" smtClean="0"/>
-              <a:t>次元数</a:t>
-            </a:r>
-            <a:r>
-              <a:rPr kumimoji="1" lang="en-US" altLang="ja-JP" dirty="0" smtClean="0"/>
-              <a:t>1000</a:t>
-            </a:r>
-            <a:r>
-              <a:rPr kumimoji="1" lang="ja-JP" altLang="en-US" dirty="0" smtClean="0"/>
-              <a:t>が検索精度と計算時間の両方の観点から最も良かった．</a:t>
-            </a:r>
-            <a:endParaRPr kumimoji="1" lang="en-US" altLang="ja-JP" dirty="0" smtClean="0"/>
-          </a:p>
-          <a:p>
-            <a:endParaRPr kumimoji="1" lang="en-US" altLang="ja-JP" dirty="0" smtClean="0"/>
-          </a:p>
-          <a:p>
+              <a:rPr lang="ja-JP" altLang="en-US" dirty="0" smtClean="0"/>
+              <a:t>分析</a:t>
+            </a:r>
             <a:r>
               <a:rPr lang="ja-JP" altLang="en-US" dirty="0"/>
-              <a:t>分析手法</a:t>
+              <a:t>手法</a:t>
             </a:r>
             <a:r>
               <a:rPr lang="ja-JP" altLang="en-US" dirty="0" smtClean="0"/>
@@ -12124,7 +12288,15 @@
             </a:r>
             <a:r>
               <a:rPr kumimoji="1" lang="ja-JP" altLang="en-US" dirty="0" smtClean="0"/>
-              <a:t>検索精度が良くなり，計算時間が増加する</a:t>
+              <a:t>検索精度が良く</a:t>
+            </a:r>
+            <a:r>
+              <a:rPr kumimoji="1" lang="ja-JP" altLang="en-US" dirty="0" smtClean="0"/>
+              <a:t>なるが，</a:t>
+            </a:r>
+            <a:r>
+              <a:rPr kumimoji="1" lang="ja-JP" altLang="en-US" dirty="0" smtClean="0"/>
+              <a:t>計算時間が増加する</a:t>
             </a:r>
             <a:r>
               <a:rPr kumimoji="1" lang="ja-JP" altLang="en-US" dirty="0" smtClean="0"/>
@@ -12140,16 +12312,12 @@
             </a:r>
             <a:r>
               <a:rPr kumimoji="1" lang="ja-JP" altLang="en-US" dirty="0" smtClean="0"/>
-              <a:t>低次元では検索精度が悪くなり，計算時間が減少する．</a:t>
-            </a:r>
-            <a:endParaRPr kumimoji="1" lang="en-US" altLang="ja-JP" dirty="0" smtClean="0"/>
-          </a:p>
-          <a:p>
-            <a:pPr>
-              <a:lnSpc>
-                <a:spcPct val="100000"/>
-              </a:lnSpc>
-            </a:pPr>
+              <a:t>低次元では検索精度が悪くなり，計算時間が減少する</a:t>
+            </a:r>
+            <a:r>
+              <a:rPr kumimoji="1" lang="ja-JP" altLang="en-US" dirty="0" smtClean="0"/>
+              <a:t>．</a:t>
+            </a:r>
             <a:endParaRPr kumimoji="1" lang="en-US" altLang="ja-JP" dirty="0" smtClean="0"/>
           </a:p>
           <a:p>
@@ -12239,8 +12407,8 @@
         </p:blipFill>
         <p:spPr>
           <a:xfrm>
-            <a:off x="5391683" y="53638"/>
-            <a:ext cx="2948085" cy="1771987"/>
+            <a:off x="2635957" y="4548912"/>
+            <a:ext cx="3821993" cy="2297262"/>
           </a:xfrm>
           <a:prstGeom prst="rect">
             <a:avLst/>
@@ -12427,6 +12595,44 @@
       </p:grpSpPr>
       <p:sp>
         <p:nvSpPr>
+          <p:cNvPr id="8" name="正方形/長方形 7"/>
+          <p:cNvSpPr/>
+          <p:nvPr/>
+        </p:nvSpPr>
+        <p:spPr>
+          <a:xfrm>
+            <a:off x="4421687" y="5348614"/>
+            <a:ext cx="3557391" cy="1372862"/>
+          </a:xfrm>
+          <a:prstGeom prst="rect">
+            <a:avLst/>
+          </a:prstGeom>
+        </p:spPr>
+        <p:style>
+          <a:lnRef idx="2">
+            <a:schemeClr val="accent1"/>
+          </a:lnRef>
+          <a:fillRef idx="1">
+            <a:schemeClr val="lt1"/>
+          </a:fillRef>
+          <a:effectRef idx="0">
+            <a:schemeClr val="accent1"/>
+          </a:effectRef>
+          <a:fontRef idx="minor">
+            <a:schemeClr val="dk1"/>
+          </a:fontRef>
+        </p:style>
+        <p:txBody>
+          <a:bodyPr rtlCol="0" anchor="ctr"/>
+          <a:lstStyle/>
+          <a:p>
+            <a:pPr algn="ctr"/>
+            <a:endParaRPr kumimoji="1" lang="ja-JP" altLang="en-US"/>
+          </a:p>
+        </p:txBody>
+      </p:sp>
+      <p:sp>
+        <p:nvSpPr>
           <p:cNvPr id="2" name="タイトル 1"/>
           <p:cNvSpPr>
             <a:spLocks noGrp="1"/>
@@ -12545,7 +12751,7 @@
               <a:rPr kumimoji="1" lang="ja-JP" altLang="en-US" smtClean="0"/>
               <a:t>7</a:t>
             </a:fld>
-            <a:endParaRPr kumimoji="1" lang="ja-JP" altLang="en-US"/>
+            <a:endParaRPr kumimoji="1" lang="ja-JP" altLang="en-US" dirty="0"/>
           </a:p>
         </p:txBody>
       </p:sp>
@@ -12573,6 +12779,217 @@
           </a:prstGeom>
         </p:spPr>
       </p:pic>
+      <p:cxnSp>
+        <p:nvCxnSpPr>
+          <p:cNvPr id="7" name="直線矢印コネクタ 6"/>
+          <p:cNvCxnSpPr/>
+          <p:nvPr/>
+        </p:nvCxnSpPr>
+        <p:spPr>
+          <a:xfrm flipV="1">
+            <a:off x="5232748" y="5626526"/>
+            <a:ext cx="1272175" cy="789139"/>
+          </a:xfrm>
+          <a:prstGeom prst="straightConnector1">
+            <a:avLst/>
+          </a:prstGeom>
+          <a:ln>
+            <a:tailEnd type="triangle"/>
+          </a:ln>
+        </p:spPr>
+        <p:style>
+          <a:lnRef idx="1">
+            <a:schemeClr val="dk1"/>
+          </a:lnRef>
+          <a:fillRef idx="0">
+            <a:schemeClr val="dk1"/>
+          </a:fillRef>
+          <a:effectRef idx="0">
+            <a:schemeClr val="dk1"/>
+          </a:effectRef>
+          <a:fontRef idx="minor">
+            <a:schemeClr val="tx1"/>
+          </a:fontRef>
+        </p:style>
+      </p:cxnSp>
+      <p:sp>
+        <p:nvSpPr>
+          <p:cNvPr id="10" name="フローチャート: 結合子 9"/>
+          <p:cNvSpPr/>
+          <p:nvPr/>
+        </p:nvSpPr>
+        <p:spPr>
+          <a:xfrm>
+            <a:off x="4982265" y="6370202"/>
+            <a:ext cx="260959" cy="260959"/>
+          </a:xfrm>
+          <a:prstGeom prst="flowChartConnector">
+            <a:avLst/>
+          </a:prstGeom>
+        </p:spPr>
+        <p:style>
+          <a:lnRef idx="2">
+            <a:schemeClr val="dk1">
+              <a:shade val="50000"/>
+            </a:schemeClr>
+          </a:lnRef>
+          <a:fillRef idx="1">
+            <a:schemeClr val="dk1"/>
+          </a:fillRef>
+          <a:effectRef idx="0">
+            <a:schemeClr val="dk1"/>
+          </a:effectRef>
+          <a:fontRef idx="minor">
+            <a:schemeClr val="lt1"/>
+          </a:fontRef>
+        </p:style>
+        <p:txBody>
+          <a:bodyPr rtlCol="0" anchor="ctr"/>
+          <a:lstStyle/>
+          <a:p>
+            <a:pPr algn="ctr"/>
+            <a:endParaRPr kumimoji="1" lang="ja-JP" altLang="en-US"/>
+          </a:p>
+        </p:txBody>
+      </p:sp>
+      <p:sp>
+        <p:nvSpPr>
+          <p:cNvPr id="11" name="フローチャート: 結合子 10"/>
+          <p:cNvSpPr/>
+          <p:nvPr/>
+        </p:nvSpPr>
+        <p:spPr>
+          <a:xfrm>
+            <a:off x="6457950" y="5422317"/>
+            <a:ext cx="260959" cy="260959"/>
+          </a:xfrm>
+          <a:prstGeom prst="flowChartConnector">
+            <a:avLst/>
+          </a:prstGeom>
+        </p:spPr>
+        <p:style>
+          <a:lnRef idx="2">
+            <a:schemeClr val="dk1">
+              <a:shade val="50000"/>
+            </a:schemeClr>
+          </a:lnRef>
+          <a:fillRef idx="1">
+            <a:schemeClr val="dk1"/>
+          </a:fillRef>
+          <a:effectRef idx="0">
+            <a:schemeClr val="dk1"/>
+          </a:effectRef>
+          <a:fontRef idx="minor">
+            <a:schemeClr val="lt1"/>
+          </a:fontRef>
+        </p:style>
+        <p:txBody>
+          <a:bodyPr rtlCol="0" anchor="ctr"/>
+          <a:lstStyle/>
+          <a:p>
+            <a:pPr algn="ctr"/>
+            <a:endParaRPr kumimoji="1" lang="ja-JP" altLang="en-US"/>
+          </a:p>
+        </p:txBody>
+      </p:sp>
+      <p:sp>
+        <p:nvSpPr>
+          <p:cNvPr id="12" name="テキスト ボックス 11"/>
+          <p:cNvSpPr txBox="1"/>
+          <p:nvPr/>
+        </p:nvSpPr>
+        <p:spPr>
+          <a:xfrm>
+            <a:off x="4350484" y="5382695"/>
+            <a:ext cx="2245290" cy="369332"/>
+          </a:xfrm>
+          <a:prstGeom prst="rect">
+            <a:avLst/>
+          </a:prstGeom>
+          <a:noFill/>
+        </p:spPr>
+        <p:txBody>
+          <a:bodyPr wrap="square" rtlCol="0">
+            <a:spAutoFit/>
+          </a:bodyPr>
+          <a:lstStyle/>
+          <a:p>
+            <a:r>
+              <a:rPr kumimoji="1" lang="ja-JP" altLang="en-US" dirty="0" smtClean="0"/>
+              <a:t>ユークリッド距離</a:t>
+            </a:r>
+            <a:endParaRPr kumimoji="1" lang="en-US" altLang="ja-JP" dirty="0" smtClean="0"/>
+          </a:p>
+        </p:txBody>
+      </p:sp>
+      <p:sp>
+        <p:nvSpPr>
+          <p:cNvPr id="13" name="テキスト ボックス 12"/>
+          <p:cNvSpPr txBox="1"/>
+          <p:nvPr/>
+        </p:nvSpPr>
+        <p:spPr>
+          <a:xfrm>
+            <a:off x="6674304" y="5397084"/>
+            <a:ext cx="1192934" cy="369332"/>
+          </a:xfrm>
+          <a:prstGeom prst="rect">
+            <a:avLst/>
+          </a:prstGeom>
+          <a:noFill/>
+        </p:spPr>
+        <p:txBody>
+          <a:bodyPr wrap="square" rtlCol="0">
+            <a:spAutoFit/>
+          </a:bodyPr>
+          <a:lstStyle/>
+          <a:p>
+            <a:r>
+              <a:rPr lang="en-US" altLang="ja-JP" dirty="0" smtClean="0"/>
+              <a:t>b</a:t>
+            </a:r>
+            <a:r>
+              <a:rPr kumimoji="1" lang="en-US" altLang="ja-JP" dirty="0" smtClean="0"/>
+              <a:t>(x2,y2)</a:t>
+            </a:r>
+            <a:endParaRPr kumimoji="1" lang="ja-JP" altLang="en-US" dirty="0"/>
+          </a:p>
+        </p:txBody>
+      </p:sp>
+      <p:sp>
+        <p:nvSpPr>
+          <p:cNvPr id="14" name="テキスト ボックス 13"/>
+          <p:cNvSpPr txBox="1"/>
+          <p:nvPr/>
+        </p:nvSpPr>
+        <p:spPr>
+          <a:xfrm>
+            <a:off x="5207642" y="6415665"/>
+            <a:ext cx="964243" cy="369332"/>
+          </a:xfrm>
+          <a:prstGeom prst="rect">
+            <a:avLst/>
+          </a:prstGeom>
+          <a:noFill/>
+        </p:spPr>
+        <p:txBody>
+          <a:bodyPr wrap="square" rtlCol="0">
+            <a:spAutoFit/>
+          </a:bodyPr>
+          <a:lstStyle/>
+          <a:p>
+            <a:r>
+              <a:rPr lang="en-US" altLang="ja-JP" dirty="0"/>
+              <a:t>a</a:t>
+            </a:r>
+            <a:r>
+              <a:rPr kumimoji="1" lang="en-US" altLang="ja-JP" dirty="0" smtClean="0"/>
+              <a:t>(x1,y1)</a:t>
+            </a:r>
+            <a:endParaRPr kumimoji="1" lang="ja-JP" altLang="en-US" dirty="0"/>
+          </a:p>
+        </p:txBody>
+      </p:sp>
     </p:spTree>
     <p:extLst>
       <p:ext uri="{BB962C8B-B14F-4D97-AF65-F5344CB8AC3E}">
@@ -12612,6 +13029,82 @@
       </p:grpSpPr>
       <p:sp>
         <p:nvSpPr>
+          <p:cNvPr id="11" name="角丸四角形 10"/>
+          <p:cNvSpPr/>
+          <p:nvPr/>
+        </p:nvSpPr>
+        <p:spPr>
+          <a:xfrm>
+            <a:off x="2805830" y="4409162"/>
+            <a:ext cx="3031299" cy="2204580"/>
+          </a:xfrm>
+          <a:prstGeom prst="roundRect">
+            <a:avLst/>
+          </a:prstGeom>
+        </p:spPr>
+        <p:style>
+          <a:lnRef idx="2">
+            <a:schemeClr val="accent1"/>
+          </a:lnRef>
+          <a:fillRef idx="1">
+            <a:schemeClr val="lt1"/>
+          </a:fillRef>
+          <a:effectRef idx="0">
+            <a:schemeClr val="accent1"/>
+          </a:effectRef>
+          <a:fontRef idx="minor">
+            <a:schemeClr val="dk1"/>
+          </a:fontRef>
+        </p:style>
+        <p:txBody>
+          <a:bodyPr rtlCol="0" anchor="ctr"/>
+          <a:lstStyle/>
+          <a:p>
+            <a:pPr algn="ctr"/>
+            <a:endParaRPr kumimoji="1" lang="ja-JP" altLang="en-US"/>
+          </a:p>
+        </p:txBody>
+      </p:sp>
+      <p:sp>
+        <p:nvSpPr>
+          <p:cNvPr id="10" name="角丸四角形 9"/>
+          <p:cNvSpPr/>
+          <p:nvPr/>
+        </p:nvSpPr>
+        <p:spPr>
+          <a:xfrm>
+            <a:off x="4910203" y="2054268"/>
+            <a:ext cx="3605147" cy="2141951"/>
+          </a:xfrm>
+          <a:prstGeom prst="roundRect">
+            <a:avLst/>
+          </a:prstGeom>
+        </p:spPr>
+        <p:style>
+          <a:lnRef idx="2">
+            <a:schemeClr val="accent1"/>
+          </a:lnRef>
+          <a:fillRef idx="1">
+            <a:schemeClr val="lt1"/>
+          </a:fillRef>
+          <a:effectRef idx="0">
+            <a:schemeClr val="accent1"/>
+          </a:effectRef>
+          <a:fontRef idx="minor">
+            <a:schemeClr val="dk1"/>
+          </a:fontRef>
+        </p:style>
+        <p:txBody>
+          <a:bodyPr rtlCol="0" anchor="ctr"/>
+          <a:lstStyle/>
+          <a:p>
+            <a:pPr algn="ctr"/>
+            <a:endParaRPr kumimoji="1" lang="ja-JP" altLang="en-US"/>
+          </a:p>
+        </p:txBody>
+      </p:sp>
+      <p:sp>
+        <p:nvSpPr>
           <p:cNvPr id="2" name="タイトル 1"/>
           <p:cNvSpPr>
             <a:spLocks noGrp="1"/>
@@ -12669,7 +13162,7 @@
       </p:sp>
       <p:pic>
         <p:nvPicPr>
-          <p:cNvPr id="7" name="コンテンツ プレースホルダー 6"/>
+          <p:cNvPr id="8" name="コンテンツ プレースホルダー 7"/>
           <p:cNvPicPr>
             <a:picLocks noGrp="1" noChangeAspect="1"/>
           </p:cNvPicPr>
@@ -12685,8 +13178,8 @@
         </p:blipFill>
         <p:spPr>
           <a:xfrm>
-            <a:off x="770709" y="1825624"/>
-            <a:ext cx="7524205" cy="4887438"/>
+            <a:off x="628650" y="1576657"/>
+            <a:ext cx="7867349" cy="5144819"/>
           </a:xfrm>
           <a:prstGeom prst="rect">
             <a:avLst/>
@@ -12747,7 +13240,7 @@
           <a:p>
             <a:r>
               <a:rPr kumimoji="1" lang="ja-JP" altLang="en-US" dirty="0" smtClean="0"/>
-              <a:t>実験環境</a:t>
+              <a:t>実験</a:t>
             </a:r>
             <a:endParaRPr kumimoji="1" lang="ja-JP" altLang="en-US" dirty="0"/>
           </a:p>
@@ -12763,50 +13256,135 @@
             <p:ph idx="1"/>
           </p:nvPr>
         </p:nvSpPr>
-        <p:spPr>
-          <a:xfrm>
-            <a:off x="628649" y="1601911"/>
-            <a:ext cx="5628460" cy="2963506"/>
-          </a:xfrm>
-        </p:spPr>
-        <p:txBody>
-          <a:bodyPr>
-            <a:normAutofit/>
-          </a:bodyPr>
+        <p:spPr/>
+        <p:txBody>
+          <a:bodyPr/>
           <a:lstStyle/>
           <a:p>
             <a:r>
               <a:rPr kumimoji="1" lang="ja-JP" altLang="en-US" dirty="0" smtClean="0"/>
-              <a:t>データセット：</a:t>
+              <a:t>実験</a:t>
             </a:r>
             <a:r>
               <a:rPr kumimoji="1" lang="en-US" altLang="ja-JP" dirty="0" smtClean="0"/>
-              <a:t>CIFAR-10</a:t>
-            </a:r>
-          </a:p>
-          <a:p>
-            <a:pPr marL="0" indent="0">
-              <a:buNone/>
+              <a:t>1</a:t>
+            </a:r>
+          </a:p>
+          <a:p>
+            <a:pPr lvl="1"/>
+            <a:r>
+              <a:rPr lang="ja-JP" altLang="en-US" dirty="0" smtClean="0"/>
+              <a:t>各次元数の</a:t>
+            </a:r>
+            <a:r>
+              <a:rPr lang="ja-JP" altLang="ja-JP" dirty="0" smtClean="0"/>
+              <a:t>画像</a:t>
+            </a:r>
+            <a:r>
+              <a:rPr lang="ja-JP" altLang="ja-JP" dirty="0"/>
+              <a:t>検索精度と計算</a:t>
+            </a:r>
+            <a:r>
+              <a:rPr lang="ja-JP" altLang="ja-JP" dirty="0" smtClean="0"/>
+              <a:t>時間</a:t>
+            </a:r>
+            <a:r>
+              <a:rPr lang="ja-JP" altLang="en-US" dirty="0" smtClean="0"/>
+              <a:t>を評価する．</a:t>
+            </a:r>
+            <a:endParaRPr lang="en-US" altLang="ja-JP" dirty="0" smtClean="0"/>
+          </a:p>
+          <a:p>
+            <a:pPr lvl="1"/>
+            <a:endParaRPr kumimoji="1" lang="en-US" altLang="ja-JP" dirty="0"/>
+          </a:p>
+          <a:p>
+            <a:r>
+              <a:rPr lang="ja-JP" altLang="en-US" dirty="0" smtClean="0"/>
+              <a:t>実験</a:t>
+            </a:r>
+            <a:r>
+              <a:rPr lang="en-US" altLang="ja-JP" dirty="0" smtClean="0"/>
+              <a:t>2</a:t>
+            </a:r>
+          </a:p>
+          <a:p>
+            <a:pPr lvl="1">
+              <a:lnSpc>
+                <a:spcPct val="100000"/>
+              </a:lnSpc>
             </a:pPr>
-            <a:endParaRPr lang="en-US" altLang="ja-JP" dirty="0" smtClean="0"/>
-          </a:p>
-          <a:p>
-            <a:pPr marL="0" indent="0">
-              <a:buNone/>
+            <a:r>
+              <a:rPr lang="ja-JP" altLang="en-US" dirty="0"/>
+              <a:t>各</a:t>
+            </a:r>
+            <a:r>
+              <a:rPr lang="ja-JP" altLang="ja-JP" dirty="0"/>
+              <a:t>ラベル</a:t>
+            </a:r>
+            <a:r>
+              <a:rPr lang="ja-JP" altLang="en-US" dirty="0" smtClean="0"/>
+              <a:t>の</a:t>
+            </a:r>
+            <a:r>
+              <a:rPr lang="ja-JP" altLang="en-US" dirty="0"/>
+              <a:t>検索</a:t>
+            </a:r>
+            <a:r>
+              <a:rPr lang="ja-JP" altLang="en-US" dirty="0" smtClean="0"/>
+              <a:t>精度を調査する</a:t>
+            </a:r>
+            <a:r>
+              <a:rPr lang="ja-JP" altLang="en-US" dirty="0" smtClean="0"/>
+              <a:t>．</a:t>
+            </a:r>
+            <a:endParaRPr lang="en-US" altLang="ja-JP" dirty="0"/>
+          </a:p>
+          <a:p>
+            <a:pPr lvl="1">
+              <a:lnSpc>
+                <a:spcPct val="100000"/>
+              </a:lnSpc>
             </a:pPr>
-            <a:endParaRPr lang="en-US" altLang="ja-JP" dirty="0" smtClean="0"/>
-          </a:p>
-          <a:p>
-            <a:pPr marL="0" indent="0">
-              <a:buNone/>
-            </a:pPr>
-            <a:endParaRPr lang="en-US" altLang="ja-JP" sz="900" dirty="0"/>
-          </a:p>
-          <a:p>
-            <a:r>
-              <a:rPr kumimoji="1" lang="ja-JP" altLang="en-US" dirty="0" smtClean="0"/>
-              <a:t>作成した深層学習モデル</a:t>
-            </a:r>
+            <a:r>
+              <a:rPr lang="ja-JP" altLang="ja-JP" dirty="0"/>
+              <a:t>検索</a:t>
+            </a:r>
+            <a:r>
+              <a:rPr lang="ja-JP" altLang="ja-JP" dirty="0" smtClean="0"/>
+              <a:t>結果</a:t>
+            </a:r>
+            <a:r>
+              <a:rPr lang="ja-JP" altLang="en-US" dirty="0" smtClean="0"/>
+              <a:t>上位の</a:t>
+            </a:r>
+            <a:r>
+              <a:rPr lang="ja-JP" altLang="ja-JP" dirty="0" smtClean="0"/>
+              <a:t>画像</a:t>
+            </a:r>
+            <a:r>
+              <a:rPr lang="ja-JP" altLang="ja-JP" dirty="0"/>
+              <a:t>の共通点</a:t>
+            </a:r>
+            <a:r>
+              <a:rPr lang="ja-JP" altLang="ja-JP" dirty="0" smtClean="0"/>
+              <a:t>を</a:t>
+            </a:r>
+            <a:r>
+              <a:rPr lang="ja-JP" altLang="en-US" dirty="0"/>
+              <a:t>評価</a:t>
+            </a:r>
+            <a:r>
+              <a:rPr lang="ja-JP" altLang="ja-JP" dirty="0" smtClean="0"/>
+              <a:t>する</a:t>
+            </a:r>
+            <a:r>
+              <a:rPr lang="ja-JP" altLang="en-US" dirty="0"/>
+              <a:t>．</a:t>
+            </a:r>
+          </a:p>
+          <a:p>
+            <a:pPr lvl="1"/>
             <a:endParaRPr kumimoji="1" lang="ja-JP" altLang="en-US" dirty="0"/>
           </a:p>
         </p:txBody>
@@ -12834,112 +13412,10 @@
           </a:p>
         </p:txBody>
       </p:sp>
-      <p:graphicFrame>
-        <p:nvGraphicFramePr>
-          <p:cNvPr id="6" name="オブジェクト 5"/>
-          <p:cNvGraphicFramePr>
-            <a:graphicFrameLocks noChangeAspect="1"/>
-          </p:cNvGraphicFramePr>
-          <p:nvPr/>
-        </p:nvGraphicFramePr>
-        <p:xfrm>
-          <a:off x="1482881" y="2075919"/>
-          <a:ext cx="3919996" cy="1048204"/>
-        </p:xfrm>
-        <a:graphic>
-          <a:graphicData uri="http://schemas.openxmlformats.org/presentationml/2006/ole">
-            <mc:AlternateContent xmlns:mc="http://schemas.openxmlformats.org/markup-compatibility/2006">
-              <mc:Choice xmlns:v="urn:schemas-microsoft-com:vml" Requires="v">
-                <p:oleObj spid="_x0000_s1172" name="ワークシート" r:id="rId4" imgW="1733609" imgH="463785" progId="Excel.Sheet.12">
-                  <p:embed/>
-                </p:oleObj>
-              </mc:Choice>
-              <mc:Fallback>
-                <p:oleObj name="ワークシート" r:id="rId4" imgW="1733609" imgH="463785" progId="Excel.Sheet.12">
-                  <p:embed/>
-                  <p:pic>
-                    <p:nvPicPr>
-                      <p:cNvPr id="6" name="オブジェクト 5"/>
-                      <p:cNvPicPr/>
-                      <p:nvPr/>
-                    </p:nvPicPr>
-                    <p:blipFill>
-                      <a:blip r:embed="rId5"/>
-                      <a:stretch>
-                        <a:fillRect/>
-                      </a:stretch>
-                    </p:blipFill>
-                    <p:spPr>
-                      <a:xfrm>
-                        <a:off x="1482881" y="2075919"/>
-                        <a:ext cx="3919996" cy="1048204"/>
-                      </a:xfrm>
-                      <a:prstGeom prst="rect">
-                        <a:avLst/>
-                      </a:prstGeom>
-                    </p:spPr>
-                  </p:pic>
-                </p:oleObj>
-              </mc:Fallback>
-            </mc:AlternateContent>
-          </a:graphicData>
-        </a:graphic>
-      </p:graphicFrame>
-      <p:graphicFrame>
-        <p:nvGraphicFramePr>
-          <p:cNvPr id="8" name="オブジェクト 7"/>
-          <p:cNvGraphicFramePr>
-            <a:graphicFrameLocks noChangeAspect="1"/>
-          </p:cNvGraphicFramePr>
-          <p:nvPr/>
-        </p:nvGraphicFramePr>
-        <p:xfrm>
-          <a:off x="1482881" y="3796584"/>
-          <a:ext cx="4813753" cy="2978961"/>
-        </p:xfrm>
-        <a:graphic>
-          <a:graphicData uri="http://schemas.openxmlformats.org/presentationml/2006/ole">
-            <mc:AlternateContent xmlns:mc="http://schemas.openxmlformats.org/markup-compatibility/2006">
-              <mc:Choice xmlns:v="urn:schemas-microsoft-com:vml" Requires="v">
-                <p:oleObj spid="_x0000_s1173" name="ワークシート" r:id="rId6" imgW="2965470" imgH="1835385" progId="Excel.Sheet.12">
-                  <p:embed/>
-                </p:oleObj>
-              </mc:Choice>
-              <mc:Fallback>
-                <p:oleObj name="ワークシート" r:id="rId6" imgW="2965470" imgH="1835385" progId="Excel.Sheet.12">
-                  <p:embed/>
-                  <p:pic>
-                    <p:nvPicPr>
-                      <p:cNvPr id="8" name="オブジェクト 7"/>
-                      <p:cNvPicPr/>
-                      <p:nvPr/>
-                    </p:nvPicPr>
-                    <p:blipFill>
-                      <a:blip r:embed="rId7"/>
-                      <a:stretch>
-                        <a:fillRect/>
-                      </a:stretch>
-                    </p:blipFill>
-                    <p:spPr>
-                      <a:xfrm>
-                        <a:off x="1482881" y="3796584"/>
-                        <a:ext cx="4813753" cy="2978961"/>
-                      </a:xfrm>
-                      <a:prstGeom prst="rect">
-                        <a:avLst/>
-                      </a:prstGeom>
-                    </p:spPr>
-                  </p:pic>
-                </p:oleObj>
-              </mc:Fallback>
-            </mc:AlternateContent>
-          </a:graphicData>
-        </a:graphic>
-      </p:graphicFrame>
     </p:spTree>
     <p:extLst>
       <p:ext uri="{BB962C8B-B14F-4D97-AF65-F5344CB8AC3E}">
-        <p14:creationId xmlns:p14="http://schemas.microsoft.com/office/powerpoint/2010/main" val="3429856626"/>
+        <p14:creationId xmlns:p14="http://schemas.microsoft.com/office/powerpoint/2010/main" val="4065006612"/>
       </p:ext>
     </p:extLst>
   </p:cSld>

--- a/卒研発表/1821005_yoshioka_thesis.pptx
+++ b/卒研発表/1821005_yoshioka_thesis.pptx
@@ -8400,8 +8400,12 @@
               <a:t>1821005</a:t>
             </a:r>
             <a:r>
+              <a:rPr lang="ja-JP" altLang="en-US" dirty="0"/>
+              <a:t> </a:t>
+            </a:r>
+            <a:r>
               <a:rPr lang="ja-JP" altLang="en-US" dirty="0" smtClean="0"/>
-              <a:t>　氏名</a:t>
+              <a:t>氏名</a:t>
             </a:r>
             <a:r>
               <a:rPr lang="ja-JP" altLang="en-US" dirty="0" smtClean="0"/>
@@ -8620,7 +8624,7 @@
           <a:graphicData uri="http://schemas.openxmlformats.org/presentationml/2006/ole">
             <mc:AlternateContent xmlns:mc="http://schemas.openxmlformats.org/markup-compatibility/2006">
               <mc:Choice xmlns:v="urn:schemas-microsoft-com:vml" Requires="v">
-                <p:oleObj spid="_x0000_s1216" name="ワークシート" r:id="rId4" imgW="1733609" imgH="463785" progId="Excel.Sheet.12">
+                <p:oleObj spid="_x0000_s1230" name="ワークシート" r:id="rId4" imgW="1733609" imgH="463785" progId="Excel.Sheet.12">
                   <p:embed/>
                 </p:oleObj>
               </mc:Choice>
@@ -8671,7 +8675,7 @@
           <a:graphicData uri="http://schemas.openxmlformats.org/presentationml/2006/ole">
             <mc:AlternateContent xmlns:mc="http://schemas.openxmlformats.org/markup-compatibility/2006">
               <mc:Choice xmlns:v="urn:schemas-microsoft-com:vml" Requires="v">
-                <p:oleObj spid="_x0000_s1217" name="ワークシート" r:id="rId6" imgW="2965470" imgH="1835385" progId="Excel.Sheet.12">
+                <p:oleObj spid="_x0000_s1231" name="ワークシート" r:id="rId6" imgW="2965470" imgH="1835385" progId="Excel.Sheet.12">
                   <p:embed/>
                 </p:oleObj>
               </mc:Choice>
@@ -8829,7 +8833,7 @@
           <a:graphicData uri="http://schemas.openxmlformats.org/presentationml/2006/ole">
             <mc:AlternateContent xmlns:mc="http://schemas.openxmlformats.org/markup-compatibility/2006">
               <mc:Choice xmlns:v="urn:schemas-microsoft-com:vml" Requires="v">
-                <p:oleObj spid="_x0000_s2145" name="ワークシート" r:id="rId4" imgW="4826156" imgH="4134085" progId="Excel.Sheet.12">
+                <p:oleObj spid="_x0000_s2152" name="ワークシート" r:id="rId4" imgW="4826156" imgH="4134085" progId="Excel.Sheet.12">
                   <p:embed/>
                 </p:oleObj>
               </mc:Choice>
@@ -9393,7 +9397,11 @@
               <a:alpha val="0"/>
             </a:schemeClr>
           </a:solidFill>
-          <a:ln w="76200"/>
+          <a:ln w="76200">
+            <a:solidFill>
+              <a:srgbClr val="FF0000"/>
+            </a:solidFill>
+          </a:ln>
         </p:spPr>
         <p:style>
           <a:lnRef idx="2">

--- a/卒研発表/1821005_yoshioka_thesis.pptx
+++ b/卒研発表/1821005_yoshioka_thesis.pptx
@@ -16,9 +16,9 @@
     <p:sldId id="261" r:id="rId7"/>
     <p:sldId id="262" r:id="rId8"/>
     <p:sldId id="263" r:id="rId9"/>
-    <p:sldId id="266" r:id="rId10"/>
-    <p:sldId id="264" r:id="rId11"/>
-    <p:sldId id="265" r:id="rId12"/>
+    <p:sldId id="265" r:id="rId10"/>
+    <p:sldId id="266" r:id="rId11"/>
+    <p:sldId id="264" r:id="rId12"/>
     <p:sldId id="267" r:id="rId13"/>
     <p:sldId id="268" r:id="rId14"/>
     <p:sldId id="269" r:id="rId15"/>
@@ -678,49 +678,30 @@
           <a:p>
             <a:r>
               <a:rPr kumimoji="1" lang="ja-JP" altLang="en-US" dirty="0" smtClean="0"/>
-              <a:t>実験環境についてです．</a:t>
+              <a:t>実験</a:t>
+            </a:r>
+            <a:r>
+              <a:rPr kumimoji="1" lang="en-US" altLang="ja-JP" dirty="0" smtClean="0"/>
+              <a:t>1</a:t>
+            </a:r>
+            <a:r>
+              <a:rPr kumimoji="1" lang="ja-JP" altLang="en-US" dirty="0" smtClean="0"/>
+              <a:t>では，各次元数の特徴ベクトルの検索精度と計算時間についての評価を行います．</a:t>
             </a:r>
             <a:endParaRPr kumimoji="1" lang="en-US" altLang="ja-JP" dirty="0" smtClean="0"/>
           </a:p>
           <a:p>
             <a:r>
               <a:rPr kumimoji="1" lang="ja-JP" altLang="en-US" dirty="0" smtClean="0"/>
-              <a:t>モデルの学習，特徴ベクトルを抽出する際の画像集合に関して，</a:t>
+              <a:t>実験</a:t>
             </a:r>
             <a:r>
               <a:rPr kumimoji="1" lang="en-US" altLang="ja-JP" dirty="0" smtClean="0"/>
-              <a:t>CIFAR-10</a:t>
+              <a:t>2</a:t>
             </a:r>
             <a:r>
               <a:rPr kumimoji="1" lang="ja-JP" altLang="en-US" dirty="0" smtClean="0"/>
-              <a:t>データセットを使用しました．</a:t>
-            </a:r>
-            <a:endParaRPr kumimoji="1" lang="en-US" altLang="ja-JP" dirty="0" smtClean="0"/>
-          </a:p>
-          <a:p>
-            <a:r>
-              <a:rPr kumimoji="1" lang="ja-JP" altLang="en-US" dirty="0" smtClean="0"/>
-              <a:t>作成した深層学習モデルはこの</a:t>
-            </a:r>
-            <a:r>
-              <a:rPr kumimoji="1" lang="en-US" altLang="ja-JP" dirty="0" smtClean="0"/>
-              <a:t>7</a:t>
-            </a:r>
-            <a:r>
-              <a:rPr kumimoji="1" lang="ja-JP" altLang="en-US" dirty="0" err="1" smtClean="0"/>
-              <a:t>つに</a:t>
-            </a:r>
-            <a:r>
-              <a:rPr kumimoji="1" lang="ja-JP" altLang="en-US" dirty="0" smtClean="0"/>
-              <a:t>なります．それぞれ識別層手前の全結合層の値を</a:t>
-            </a:r>
-            <a:r>
-              <a:rPr kumimoji="1" lang="en-US" altLang="ja-JP" dirty="0" smtClean="0"/>
-              <a:t>100,500,1000,2000,3000,4096,8192</a:t>
-            </a:r>
-            <a:r>
-              <a:rPr kumimoji="1" lang="ja-JP" altLang="en-US" dirty="0" smtClean="0"/>
-              <a:t>と変更しています．その他は変えていません．エポック数に関しても一緒です．</a:t>
+              <a:t>では，各ラベルの正答率，検索結果上位に表示された画像の共通点を評価します．</a:t>
             </a:r>
             <a:endParaRPr kumimoji="1" lang="ja-JP" altLang="en-US" dirty="0"/>
           </a:p>
@@ -752,7 +733,7 @@
     </p:spTree>
     <p:extLst>
       <p:ext uri="{BB962C8B-B14F-4D97-AF65-F5344CB8AC3E}">
-        <p14:creationId xmlns:p14="http://schemas.microsoft.com/office/powerpoint/2010/main" val="3152453593"/>
+        <p14:creationId xmlns:p14="http://schemas.microsoft.com/office/powerpoint/2010/main" val="275520511"/>
       </p:ext>
     </p:extLst>
   </p:cSld>
@@ -808,38 +789,49 @@
           <a:p>
             <a:r>
               <a:rPr kumimoji="1" lang="ja-JP" altLang="en-US" dirty="0" smtClean="0"/>
-              <a:t>モデルの構成はこのようになっています．</a:t>
+              <a:t>実験環境についてです．</a:t>
+            </a:r>
+            <a:endParaRPr kumimoji="1" lang="en-US" altLang="ja-JP" dirty="0" smtClean="0"/>
+          </a:p>
+          <a:p>
+            <a:r>
+              <a:rPr kumimoji="1" lang="ja-JP" altLang="en-US" dirty="0" smtClean="0"/>
+              <a:t>モデルの学習，特徴ベクトルを抽出する際の画像集合に関して，</a:t>
             </a:r>
             <a:r>
               <a:rPr kumimoji="1" lang="en-US" altLang="ja-JP" dirty="0" smtClean="0"/>
-              <a:t>13</a:t>
+              <a:t>CIFAR-10</a:t>
+            </a:r>
+            <a:r>
+              <a:rPr kumimoji="1" lang="ja-JP" altLang="en-US" dirty="0" smtClean="0"/>
+              <a:t>データセットを使用しました．</a:t>
+            </a:r>
+            <a:endParaRPr kumimoji="1" lang="en-US" altLang="ja-JP" dirty="0" smtClean="0"/>
+          </a:p>
+          <a:p>
+            <a:r>
+              <a:rPr kumimoji="1" lang="ja-JP" altLang="en-US" dirty="0" smtClean="0"/>
+              <a:t>作成した深層学習モデルはこの</a:t>
+            </a:r>
+            <a:r>
+              <a:rPr kumimoji="1" lang="en-US" altLang="ja-JP" dirty="0" smtClean="0"/>
+              <a:t>7</a:t>
             </a:r>
             <a:r>
               <a:rPr kumimoji="1" lang="ja-JP" altLang="en-US" dirty="0" err="1" smtClean="0"/>
-              <a:t>，</a:t>
+              <a:t>つに</a:t>
+            </a:r>
+            <a:r>
+              <a:rPr kumimoji="1" lang="ja-JP" altLang="en-US" dirty="0" smtClean="0"/>
+              <a:t>なります．それぞれ識別層手前の全結合層の値を</a:t>
             </a:r>
             <a:r>
               <a:rPr kumimoji="1" lang="en-US" altLang="ja-JP" dirty="0" smtClean="0"/>
-              <a:t>15</a:t>
+              <a:t>100,500,1000,2000,3000,4096,8192</a:t>
             </a:r>
             <a:r>
               <a:rPr kumimoji="1" lang="ja-JP" altLang="en-US" dirty="0" smtClean="0"/>
-              <a:t>層目の次元数の値を変化させます．</a:t>
-            </a:r>
-            <a:endParaRPr kumimoji="1" lang="en-US" altLang="ja-JP" dirty="0" smtClean="0"/>
-          </a:p>
-          <a:p>
-            <a:r>
-              <a:rPr kumimoji="1" lang="ja-JP" altLang="en-US" dirty="0" smtClean="0"/>
-              <a:t>特徴ベクトルの抽出は，</a:t>
-            </a:r>
-            <a:r>
-              <a:rPr kumimoji="1" lang="en-US" altLang="ja-JP" dirty="0" smtClean="0"/>
-              <a:t>15</a:t>
-            </a:r>
-            <a:r>
-              <a:rPr kumimoji="1" lang="ja-JP" altLang="en-US" dirty="0" smtClean="0"/>
-              <a:t>層目から行います．</a:t>
+              <a:t>と変更しています．その他は変えていません．エポック数に関しても一緒です．</a:t>
             </a:r>
             <a:endParaRPr kumimoji="1" lang="ja-JP" altLang="en-US" dirty="0"/>
           </a:p>
@@ -871,7 +863,7 @@
     </p:spTree>
     <p:extLst>
       <p:ext uri="{BB962C8B-B14F-4D97-AF65-F5344CB8AC3E}">
-        <p14:creationId xmlns:p14="http://schemas.microsoft.com/office/powerpoint/2010/main" val="3419489408"/>
+        <p14:creationId xmlns:p14="http://schemas.microsoft.com/office/powerpoint/2010/main" val="3152453593"/>
       </p:ext>
     </p:extLst>
   </p:cSld>
@@ -3278,6 +3270,245 @@
 </p:notes>
 </file>
 
+<file path=ppt/notesSlides/notesSlide21.xml><?xml version="1.0" encoding="utf-8"?>
+<p:notes xmlns:a="http://schemas.openxmlformats.org/drawingml/2006/main" xmlns:r="http://schemas.openxmlformats.org/officeDocument/2006/relationships" xmlns:p="http://schemas.openxmlformats.org/presentationml/2006/main">
+  <p:cSld>
+    <p:spTree>
+      <p:nvGrpSpPr>
+        <p:cNvPr id="1" name=""/>
+        <p:cNvGrpSpPr/>
+        <p:nvPr/>
+      </p:nvGrpSpPr>
+      <p:grpSpPr>
+        <a:xfrm>
+          <a:off x="0" y="0"/>
+          <a:ext cx="0" cy="0"/>
+          <a:chOff x="0" y="0"/>
+          <a:chExt cx="0" cy="0"/>
+        </a:xfrm>
+      </p:grpSpPr>
+      <p:sp>
+        <p:nvSpPr>
+          <p:cNvPr id="2" name="スライド イメージ プレースホルダー 1"/>
+          <p:cNvSpPr>
+            <a:spLocks noGrp="1" noRot="1" noChangeAspect="1"/>
+          </p:cNvSpPr>
+          <p:nvPr>
+            <p:ph type="sldImg"/>
+          </p:nvPr>
+        </p:nvSpPr>
+        <p:spPr/>
+      </p:sp>
+      <p:sp>
+        <p:nvSpPr>
+          <p:cNvPr id="3" name="ノート プレースホルダー 2"/>
+          <p:cNvSpPr>
+            <a:spLocks noGrp="1"/>
+          </p:cNvSpPr>
+          <p:nvPr>
+            <p:ph type="body" idx="1"/>
+          </p:nvPr>
+        </p:nvSpPr>
+        <p:spPr/>
+        <p:txBody>
+          <a:bodyPr/>
+          <a:lstStyle/>
+          <a:p>
+            <a:r>
+              <a:rPr kumimoji="1" lang="en-US" altLang="ja-JP" sz="1200" b="0" i="0" u="none" strike="noStrike" kern="1200" dirty="0" smtClean="0">
+                <a:solidFill>
+                  <a:schemeClr val="tx1"/>
+                </a:solidFill>
+                <a:effectLst/>
+                <a:latin typeface="+mn-lt"/>
+                <a:ea typeface="+mn-ea"/>
+                <a:cs typeface="+mn-cs"/>
+                <a:hlinkClick r:id="rId3"/>
+              </a:rPr>
+              <a:t>@</a:t>
+            </a:r>
+            <a:r>
+              <a:rPr kumimoji="1" lang="en-US" altLang="ja-JP" sz="1200" b="0" i="0" u="none" strike="noStrike" kern="1200" dirty="0" err="1" smtClean="0">
+                <a:solidFill>
+                  <a:schemeClr val="tx1"/>
+                </a:solidFill>
+                <a:effectLst/>
+                <a:latin typeface="+mn-lt"/>
+                <a:ea typeface="+mn-ea"/>
+                <a:cs typeface="+mn-cs"/>
+                <a:hlinkClick r:id="rId3"/>
+              </a:rPr>
+              <a:t>yoshioka</a:t>
+            </a:r>
+            <a:r>
+              <a:rPr lang="ja-JP" altLang="en-US" dirty="0" smtClean="0"/>
+              <a:t/>
+            </a:r>
+            <a:br>
+              <a:rPr lang="ja-JP" altLang="en-US" dirty="0" smtClean="0"/>
+            </a:br>
+            <a:r>
+              <a:rPr kumimoji="1" lang="ja-JP" altLang="en-US" sz="1200" b="0" i="0" kern="1200" dirty="0" smtClean="0">
+                <a:solidFill>
+                  <a:schemeClr val="tx1"/>
+                </a:solidFill>
+                <a:effectLst/>
+                <a:latin typeface="+mn-lt"/>
+                <a:ea typeface="+mn-ea"/>
+                <a:cs typeface="+mn-cs"/>
+              </a:rPr>
+              <a:t>スライド</a:t>
+            </a:r>
+            <a:r>
+              <a:rPr kumimoji="1" lang="en-US" altLang="ja-JP" sz="1200" b="0" i="0" kern="1200" dirty="0" smtClean="0">
+                <a:solidFill>
+                  <a:schemeClr val="tx1"/>
+                </a:solidFill>
+                <a:effectLst/>
+                <a:latin typeface="+mn-lt"/>
+                <a:ea typeface="+mn-ea"/>
+                <a:cs typeface="+mn-cs"/>
+              </a:rPr>
+              <a:t>7 </a:t>
+            </a:r>
+            <a:r>
+              <a:rPr kumimoji="1" lang="ja-JP" altLang="en-US" sz="1200" b="0" i="0" kern="1200" dirty="0" smtClean="0">
+                <a:solidFill>
+                  <a:schemeClr val="tx1"/>
+                </a:solidFill>
+                <a:effectLst/>
+                <a:latin typeface="+mn-lt"/>
+                <a:ea typeface="+mn-ea"/>
+                <a:cs typeface="+mn-cs"/>
+              </a:rPr>
+              <a:t>ユークリッド距離でランキングする</a:t>
+            </a:r>
+            <a:r>
+              <a:rPr lang="ja-JP" altLang="en-US" dirty="0" smtClean="0"/>
+              <a:t/>
+            </a:r>
+            <a:br>
+              <a:rPr lang="ja-JP" altLang="en-US" dirty="0" smtClean="0"/>
+            </a:br>
+            <a:r>
+              <a:rPr kumimoji="1" lang="ja-JP" altLang="en-US" sz="1200" b="0" i="0" kern="1200" dirty="0" smtClean="0">
+                <a:solidFill>
+                  <a:schemeClr val="tx1"/>
+                </a:solidFill>
+                <a:effectLst/>
+                <a:latin typeface="+mn-lt"/>
+                <a:ea typeface="+mn-ea"/>
+                <a:cs typeface="+mn-cs"/>
+              </a:rPr>
+              <a:t>スライド</a:t>
+            </a:r>
+            <a:r>
+              <a:rPr kumimoji="1" lang="en-US" altLang="ja-JP" sz="1200" b="0" i="0" kern="1200" dirty="0" smtClean="0">
+                <a:solidFill>
+                  <a:schemeClr val="tx1"/>
+                </a:solidFill>
+                <a:effectLst/>
+                <a:latin typeface="+mn-lt"/>
+                <a:ea typeface="+mn-ea"/>
+                <a:cs typeface="+mn-cs"/>
+              </a:rPr>
+              <a:t>11: </a:t>
+            </a:r>
+            <a:r>
+              <a:rPr kumimoji="1" lang="ja-JP" altLang="en-US" sz="1200" b="0" i="0" kern="1200" dirty="0" smtClean="0">
+                <a:solidFill>
+                  <a:schemeClr val="tx1"/>
+                </a:solidFill>
+                <a:effectLst/>
+                <a:latin typeface="+mn-lt"/>
+                <a:ea typeface="+mn-ea"/>
+                <a:cs typeface="+mn-cs"/>
+              </a:rPr>
+              <a:t>分析手法で述べた方がわかりやすいかも</a:t>
+            </a:r>
+            <a:r>
+              <a:rPr lang="ja-JP" altLang="en-US" dirty="0" smtClean="0"/>
+              <a:t/>
+            </a:r>
+            <a:br>
+              <a:rPr lang="ja-JP" altLang="en-US" dirty="0" smtClean="0"/>
+            </a:br>
+            <a:r>
+              <a:rPr kumimoji="1" lang="ja-JP" altLang="en-US" sz="1200" b="0" i="0" kern="1200" dirty="0" smtClean="0">
+                <a:solidFill>
+                  <a:schemeClr val="tx1"/>
+                </a:solidFill>
+                <a:effectLst/>
+                <a:latin typeface="+mn-lt"/>
+                <a:ea typeface="+mn-ea"/>
+                <a:cs typeface="+mn-cs"/>
+              </a:rPr>
+              <a:t>スライド</a:t>
+            </a:r>
+            <a:r>
+              <a:rPr kumimoji="1" lang="en-US" altLang="ja-JP" sz="1200" b="0" i="0" kern="1200" dirty="0" smtClean="0">
+                <a:solidFill>
+                  <a:schemeClr val="tx1"/>
+                </a:solidFill>
+                <a:effectLst/>
+                <a:latin typeface="+mn-lt"/>
+                <a:ea typeface="+mn-ea"/>
+                <a:cs typeface="+mn-cs"/>
+              </a:rPr>
+              <a:t>19: </a:t>
+            </a:r>
+            <a:r>
+              <a:rPr kumimoji="1" lang="ja-JP" altLang="en-US" sz="1200" b="0" i="0" kern="1200" dirty="0" smtClean="0">
+                <a:solidFill>
+                  <a:schemeClr val="tx1"/>
+                </a:solidFill>
+                <a:effectLst/>
+                <a:latin typeface="+mn-lt"/>
+                <a:ea typeface="+mn-ea"/>
+                <a:cs typeface="+mn-cs"/>
+              </a:rPr>
+              <a:t>最後の結論がわかりにくい</a:t>
+            </a:r>
+            <a:endParaRPr kumimoji="1" lang="ja-JP" altLang="en-US" dirty="0"/>
+          </a:p>
+        </p:txBody>
+      </p:sp>
+      <p:sp>
+        <p:nvSpPr>
+          <p:cNvPr id="4" name="スライド番号プレースホルダー 3"/>
+          <p:cNvSpPr>
+            <a:spLocks noGrp="1"/>
+          </p:cNvSpPr>
+          <p:nvPr>
+            <p:ph type="sldNum" sz="quarter" idx="10"/>
+          </p:nvPr>
+        </p:nvSpPr>
+        <p:spPr/>
+        <p:txBody>
+          <a:bodyPr/>
+          <a:lstStyle/>
+          <a:p>
+            <a:fld id="{B7D04905-12DB-4F4F-860E-33E52BB08ABC}" type="slidenum">
+              <a:rPr kumimoji="1" lang="ja-JP" altLang="en-US" smtClean="0"/>
+              <a:t>21</a:t>
+            </a:fld>
+            <a:endParaRPr kumimoji="1" lang="ja-JP" altLang="en-US"/>
+          </a:p>
+        </p:txBody>
+      </p:sp>
+    </p:spTree>
+    <p:extLst>
+      <p:ext uri="{BB962C8B-B14F-4D97-AF65-F5344CB8AC3E}">
+        <p14:creationId xmlns:p14="http://schemas.microsoft.com/office/powerpoint/2010/main" val="1498029934"/>
+      </p:ext>
+    </p:extLst>
+  </p:cSld>
+  <p:clrMapOvr>
+    <a:masterClrMapping/>
+  </p:clrMapOvr>
+</p:notes>
+</file>
+
 <file path=ppt/notesSlides/notesSlide3.xml><?xml version="1.0" encoding="utf-8"?>
 <p:notes xmlns:a="http://schemas.openxmlformats.org/drawingml/2006/main" xmlns:r="http://schemas.openxmlformats.org/officeDocument/2006/relationships" xmlns:p="http://schemas.openxmlformats.org/presentationml/2006/main">
   <p:cSld>
@@ -5085,30 +5316,52 @@
           <a:p>
             <a:r>
               <a:rPr kumimoji="1" lang="ja-JP" altLang="en-US" dirty="0" smtClean="0"/>
-              <a:t>実験</a:t>
+              <a:t>モデルの構成はこのようになっています．</a:t>
             </a:r>
             <a:r>
               <a:rPr kumimoji="1" lang="en-US" altLang="ja-JP" dirty="0" smtClean="0"/>
-              <a:t>1</a:t>
+              <a:t>13</a:t>
+            </a:r>
+            <a:r>
+              <a:rPr kumimoji="1" lang="ja-JP" altLang="en-US" dirty="0" err="1" smtClean="0"/>
+              <a:t>，</a:t>
+            </a:r>
+            <a:r>
+              <a:rPr kumimoji="1" lang="en-US" altLang="ja-JP" dirty="0" smtClean="0"/>
+              <a:t>15</a:t>
             </a:r>
             <a:r>
               <a:rPr kumimoji="1" lang="ja-JP" altLang="en-US" dirty="0" smtClean="0"/>
-              <a:t>では，各次元数の特徴ベクトルの検索精度と計算時間についての評価を行います．</a:t>
+              <a:t>層目の次元数の値を変化させます．</a:t>
             </a:r>
             <a:endParaRPr kumimoji="1" lang="en-US" altLang="ja-JP" dirty="0" smtClean="0"/>
           </a:p>
           <a:p>
             <a:r>
               <a:rPr kumimoji="1" lang="ja-JP" altLang="en-US" dirty="0" smtClean="0"/>
-              <a:t>実験</a:t>
+              <a:t>特徴ベクトルの抽出は，</a:t>
             </a:r>
             <a:r>
               <a:rPr kumimoji="1" lang="en-US" altLang="ja-JP" dirty="0" smtClean="0"/>
-              <a:t>2</a:t>
+              <a:t>15</a:t>
             </a:r>
             <a:r>
               <a:rPr kumimoji="1" lang="ja-JP" altLang="en-US" dirty="0" smtClean="0"/>
-              <a:t>では，各ラベルの正答率，検索結果上位に表示された画像の共通点を評価します．</a:t>
+              <a:t>層目から行います</a:t>
+            </a:r>
+            <a:r>
+              <a:rPr kumimoji="1" lang="ja-JP" altLang="en-US" dirty="0" smtClean="0"/>
+              <a:t>．</a:t>
+            </a:r>
+            <a:endParaRPr kumimoji="1" lang="en-US" altLang="ja-JP" dirty="0" smtClean="0"/>
+          </a:p>
+          <a:p>
+            <a:endParaRPr kumimoji="1" lang="en-US" altLang="ja-JP" dirty="0" smtClean="0"/>
+          </a:p>
+          <a:p>
+            <a:r>
+              <a:rPr kumimoji="1" lang="ja-JP" altLang="en-US" dirty="0" smtClean="0"/>
+              <a:t>パラメータノード数を変更することで抽出できる．</a:t>
             </a:r>
             <a:endParaRPr kumimoji="1" lang="ja-JP" altLang="en-US" dirty="0"/>
           </a:p>
@@ -5140,7 +5393,7 @@
     </p:spTree>
     <p:extLst>
       <p:ext uri="{BB962C8B-B14F-4D97-AF65-F5344CB8AC3E}">
-        <p14:creationId xmlns:p14="http://schemas.microsoft.com/office/powerpoint/2010/main" val="275520511"/>
+        <p14:creationId xmlns:p14="http://schemas.microsoft.com/office/powerpoint/2010/main" val="3419489408"/>
       </p:ext>
     </p:extLst>
   </p:cSld>
@@ -8521,6 +8774,224 @@
           <a:p>
             <a:r>
               <a:rPr kumimoji="1" lang="ja-JP" altLang="en-US" dirty="0" smtClean="0"/>
+              <a:t>実験</a:t>
+            </a:r>
+            <a:endParaRPr kumimoji="1" lang="ja-JP" altLang="en-US" dirty="0"/>
+          </a:p>
+        </p:txBody>
+      </p:sp>
+      <p:sp>
+        <p:nvSpPr>
+          <p:cNvPr id="3" name="コンテンツ プレースホルダー 2"/>
+          <p:cNvSpPr>
+            <a:spLocks noGrp="1"/>
+          </p:cNvSpPr>
+          <p:nvPr>
+            <p:ph idx="1"/>
+          </p:nvPr>
+        </p:nvSpPr>
+        <p:spPr/>
+        <p:txBody>
+          <a:bodyPr/>
+          <a:lstStyle/>
+          <a:p>
+            <a:r>
+              <a:rPr kumimoji="1" lang="ja-JP" altLang="en-US" dirty="0" smtClean="0"/>
+              <a:t>実験</a:t>
+            </a:r>
+            <a:r>
+              <a:rPr kumimoji="1" lang="en-US" altLang="ja-JP" dirty="0" smtClean="0"/>
+              <a:t>1</a:t>
+            </a:r>
+          </a:p>
+          <a:p>
+            <a:pPr lvl="1"/>
+            <a:r>
+              <a:rPr lang="ja-JP" altLang="en-US" dirty="0" smtClean="0"/>
+              <a:t>各次元数の</a:t>
+            </a:r>
+            <a:r>
+              <a:rPr lang="ja-JP" altLang="ja-JP" dirty="0" smtClean="0"/>
+              <a:t>画像</a:t>
+            </a:r>
+            <a:r>
+              <a:rPr lang="ja-JP" altLang="ja-JP" dirty="0"/>
+              <a:t>検索精度と計算</a:t>
+            </a:r>
+            <a:r>
+              <a:rPr lang="ja-JP" altLang="ja-JP" dirty="0" smtClean="0"/>
+              <a:t>時間</a:t>
+            </a:r>
+            <a:r>
+              <a:rPr lang="ja-JP" altLang="en-US" dirty="0" smtClean="0"/>
+              <a:t>を評価する．</a:t>
+            </a:r>
+            <a:endParaRPr lang="en-US" altLang="ja-JP" dirty="0" smtClean="0"/>
+          </a:p>
+          <a:p>
+            <a:pPr lvl="1"/>
+            <a:endParaRPr kumimoji="1" lang="en-US" altLang="ja-JP" dirty="0"/>
+          </a:p>
+          <a:p>
+            <a:r>
+              <a:rPr lang="ja-JP" altLang="en-US" dirty="0" smtClean="0"/>
+              <a:t>実験</a:t>
+            </a:r>
+            <a:r>
+              <a:rPr lang="en-US" altLang="ja-JP" dirty="0" smtClean="0"/>
+              <a:t>2</a:t>
+            </a:r>
+          </a:p>
+          <a:p>
+            <a:pPr lvl="1">
+              <a:lnSpc>
+                <a:spcPct val="100000"/>
+              </a:lnSpc>
+            </a:pPr>
+            <a:r>
+              <a:rPr lang="ja-JP" altLang="en-US" dirty="0"/>
+              <a:t>各</a:t>
+            </a:r>
+            <a:r>
+              <a:rPr lang="ja-JP" altLang="ja-JP" dirty="0"/>
+              <a:t>ラベル</a:t>
+            </a:r>
+            <a:r>
+              <a:rPr lang="ja-JP" altLang="en-US" dirty="0" smtClean="0"/>
+              <a:t>の</a:t>
+            </a:r>
+            <a:r>
+              <a:rPr lang="ja-JP" altLang="en-US" dirty="0"/>
+              <a:t>検索</a:t>
+            </a:r>
+            <a:r>
+              <a:rPr lang="ja-JP" altLang="en-US" dirty="0" smtClean="0"/>
+              <a:t>精度</a:t>
+            </a:r>
+            <a:r>
+              <a:rPr lang="ja-JP" altLang="en-US" dirty="0"/>
+              <a:t>，</a:t>
+            </a:r>
+            <a:r>
+              <a:rPr lang="ja-JP" altLang="ja-JP" dirty="0" smtClean="0"/>
+              <a:t>検索</a:t>
+            </a:r>
+            <a:r>
+              <a:rPr lang="ja-JP" altLang="ja-JP" dirty="0" smtClean="0"/>
+              <a:t>結果</a:t>
+            </a:r>
+            <a:r>
+              <a:rPr lang="ja-JP" altLang="en-US" dirty="0" smtClean="0"/>
+              <a:t>上位の</a:t>
+            </a:r>
+            <a:r>
+              <a:rPr lang="ja-JP" altLang="ja-JP" dirty="0" smtClean="0"/>
+              <a:t>画像</a:t>
+            </a:r>
+            <a:r>
+              <a:rPr lang="ja-JP" altLang="ja-JP" dirty="0"/>
+              <a:t>の共通点</a:t>
+            </a:r>
+            <a:r>
+              <a:rPr lang="ja-JP" altLang="ja-JP" dirty="0" smtClean="0"/>
+              <a:t>を</a:t>
+            </a:r>
+            <a:r>
+              <a:rPr lang="ja-JP" altLang="en-US" dirty="0"/>
+              <a:t>評価</a:t>
+            </a:r>
+            <a:r>
+              <a:rPr lang="ja-JP" altLang="ja-JP" dirty="0" smtClean="0"/>
+              <a:t>する</a:t>
+            </a:r>
+            <a:r>
+              <a:rPr lang="ja-JP" altLang="en-US" dirty="0"/>
+              <a:t>．</a:t>
+            </a:r>
+          </a:p>
+          <a:p>
+            <a:pPr lvl="1"/>
+            <a:endParaRPr kumimoji="1" lang="ja-JP" altLang="en-US" dirty="0"/>
+          </a:p>
+        </p:txBody>
+      </p:sp>
+      <p:sp>
+        <p:nvSpPr>
+          <p:cNvPr id="4" name="スライド番号プレースホルダー 3"/>
+          <p:cNvSpPr>
+            <a:spLocks noGrp="1"/>
+          </p:cNvSpPr>
+          <p:nvPr>
+            <p:ph type="sldNum" sz="quarter" idx="12"/>
+          </p:nvPr>
+        </p:nvSpPr>
+        <p:spPr/>
+        <p:txBody>
+          <a:bodyPr/>
+          <a:lstStyle/>
+          <a:p>
+            <a:fld id="{768BF403-63E9-4BE6-AA0B-408C483EA9DC}" type="slidenum">
+              <a:rPr kumimoji="1" lang="ja-JP" altLang="en-US" smtClean="0"/>
+              <a:t>10</a:t>
+            </a:fld>
+            <a:endParaRPr kumimoji="1" lang="ja-JP" altLang="en-US"/>
+          </a:p>
+        </p:txBody>
+      </p:sp>
+    </p:spTree>
+    <p:extLst>
+      <p:ext uri="{BB962C8B-B14F-4D97-AF65-F5344CB8AC3E}">
+        <p14:creationId xmlns:p14="http://schemas.microsoft.com/office/powerpoint/2010/main" val="4065006612"/>
+      </p:ext>
+    </p:extLst>
+  </p:cSld>
+  <p:clrMapOvr>
+    <a:masterClrMapping/>
+  </p:clrMapOvr>
+  <p:timing>
+    <p:tnLst>
+      <p:par>
+        <p:cTn id="1" dur="indefinite" restart="never" nodeType="tmRoot"/>
+      </p:par>
+    </p:tnLst>
+  </p:timing>
+</p:sld>
+</file>
+
+<file path=ppt/slides/slide11.xml><?xml version="1.0" encoding="utf-8"?>
+<p:sld xmlns:a="http://schemas.openxmlformats.org/drawingml/2006/main" xmlns:r="http://schemas.openxmlformats.org/officeDocument/2006/relationships" xmlns:p="http://schemas.openxmlformats.org/presentationml/2006/main">
+  <p:cSld>
+    <p:spTree>
+      <p:nvGrpSpPr>
+        <p:cNvPr id="1" name=""/>
+        <p:cNvGrpSpPr/>
+        <p:nvPr/>
+      </p:nvGrpSpPr>
+      <p:grpSpPr>
+        <a:xfrm>
+          <a:off x="0" y="0"/>
+          <a:ext cx="0" cy="0"/>
+          <a:chOff x="0" y="0"/>
+          <a:chExt cx="0" cy="0"/>
+        </a:xfrm>
+      </p:grpSpPr>
+      <p:sp>
+        <p:nvSpPr>
+          <p:cNvPr id="2" name="タイトル 1"/>
+          <p:cNvSpPr>
+            <a:spLocks noGrp="1"/>
+          </p:cNvSpPr>
+          <p:nvPr>
+            <p:ph type="title"/>
+          </p:nvPr>
+        </p:nvSpPr>
+        <p:spPr/>
+        <p:txBody>
+          <a:bodyPr/>
+          <a:lstStyle/>
+          <a:p>
+            <a:r>
+              <a:rPr kumimoji="1" lang="ja-JP" altLang="en-US" dirty="0" smtClean="0"/>
               <a:t>実験環境</a:t>
             </a:r>
             <a:endParaRPr kumimoji="1" lang="ja-JP" altLang="en-US" dirty="0"/>
@@ -8602,7 +9073,7 @@
           <a:p>
             <a:fld id="{768BF403-63E9-4BE6-AA0B-408C483EA9DC}" type="slidenum">
               <a:rPr kumimoji="1" lang="ja-JP" altLang="en-US" smtClean="0"/>
-              <a:t>10</a:t>
+              <a:t>11</a:t>
             </a:fld>
             <a:endParaRPr kumimoji="1" lang="ja-JP" altLang="en-US"/>
           </a:p>
@@ -8624,7 +9095,7 @@
           <a:graphicData uri="http://schemas.openxmlformats.org/presentationml/2006/ole">
             <mc:AlternateContent xmlns:mc="http://schemas.openxmlformats.org/markup-compatibility/2006">
               <mc:Choice xmlns:v="urn:schemas-microsoft-com:vml" Requires="v">
-                <p:oleObj spid="_x0000_s1230" name="ワークシート" r:id="rId4" imgW="1733609" imgH="463785" progId="Excel.Sheet.12">
+                <p:oleObj spid="_x0000_s1256" name="ワークシート" r:id="rId4" imgW="1733609" imgH="463785" progId="Excel.Sheet.12">
                   <p:embed/>
                 </p:oleObj>
               </mc:Choice>
@@ -8675,7 +9146,7 @@
           <a:graphicData uri="http://schemas.openxmlformats.org/presentationml/2006/ole">
             <mc:AlternateContent xmlns:mc="http://schemas.openxmlformats.org/markup-compatibility/2006">
               <mc:Choice xmlns:v="urn:schemas-microsoft-com:vml" Requires="v">
-                <p:oleObj spid="_x0000_s1231" name="ワークシート" r:id="rId6" imgW="2965470" imgH="1835385" progId="Excel.Sheet.12">
+                <p:oleObj spid="_x0000_s1257" name="ワークシート" r:id="rId6" imgW="2965470" imgH="1835385" progId="Excel.Sheet.12">
                   <p:embed/>
                 </p:oleObj>
               </mc:Choice>
@@ -8730,164 +9201,6 @@
 </p:sld>
 </file>
 
-<file path=ppt/slides/slide11.xml><?xml version="1.0" encoding="utf-8"?>
-<p:sld xmlns:a="http://schemas.openxmlformats.org/drawingml/2006/main" xmlns:r="http://schemas.openxmlformats.org/officeDocument/2006/relationships" xmlns:p="http://schemas.openxmlformats.org/presentationml/2006/main">
-  <p:cSld>
-    <p:spTree>
-      <p:nvGrpSpPr>
-        <p:cNvPr id="1" name=""/>
-        <p:cNvGrpSpPr/>
-        <p:nvPr/>
-      </p:nvGrpSpPr>
-      <p:grpSpPr>
-        <a:xfrm>
-          <a:off x="0" y="0"/>
-          <a:ext cx="0" cy="0"/>
-          <a:chOff x="0" y="0"/>
-          <a:chExt cx="0" cy="0"/>
-        </a:xfrm>
-      </p:grpSpPr>
-      <p:sp>
-        <p:nvSpPr>
-          <p:cNvPr id="2" name="タイトル 1"/>
-          <p:cNvSpPr>
-            <a:spLocks noGrp="1"/>
-          </p:cNvSpPr>
-          <p:nvPr>
-            <p:ph type="title"/>
-          </p:nvPr>
-        </p:nvSpPr>
-        <p:spPr/>
-        <p:txBody>
-          <a:bodyPr/>
-          <a:lstStyle/>
-          <a:p>
-            <a:r>
-              <a:rPr lang="ja-JP" altLang="en-US" dirty="0" smtClean="0"/>
-              <a:t>モデルの構成</a:t>
-            </a:r>
-            <a:endParaRPr kumimoji="1" lang="ja-JP" altLang="en-US" dirty="0"/>
-          </a:p>
-        </p:txBody>
-      </p:sp>
-      <p:sp>
-        <p:nvSpPr>
-          <p:cNvPr id="3" name="コンテンツ プレースホルダー 2"/>
-          <p:cNvSpPr>
-            <a:spLocks noGrp="1"/>
-          </p:cNvSpPr>
-          <p:nvPr>
-            <p:ph idx="1"/>
-          </p:nvPr>
-        </p:nvSpPr>
-        <p:spPr>
-          <a:xfrm>
-            <a:off x="628651" y="1690690"/>
-            <a:ext cx="742950" cy="490808"/>
-          </a:xfrm>
-        </p:spPr>
-        <p:txBody>
-          <a:bodyPr/>
-          <a:lstStyle/>
-          <a:p>
-            <a:endParaRPr kumimoji="1" lang="ja-JP" altLang="en-US" dirty="0"/>
-          </a:p>
-        </p:txBody>
-      </p:sp>
-      <p:sp>
-        <p:nvSpPr>
-          <p:cNvPr id="4" name="スライド番号プレースホルダー 3"/>
-          <p:cNvSpPr>
-            <a:spLocks noGrp="1"/>
-          </p:cNvSpPr>
-          <p:nvPr>
-            <p:ph type="sldNum" sz="quarter" idx="12"/>
-          </p:nvPr>
-        </p:nvSpPr>
-        <p:spPr/>
-        <p:txBody>
-          <a:bodyPr/>
-          <a:lstStyle/>
-          <a:p>
-            <a:fld id="{768BF403-63E9-4BE6-AA0B-408C483EA9DC}" type="slidenum">
-              <a:rPr kumimoji="1" lang="ja-JP" altLang="en-US" smtClean="0"/>
-              <a:t>11</a:t>
-            </a:fld>
-            <a:endParaRPr kumimoji="1" lang="ja-JP" altLang="en-US"/>
-          </a:p>
-        </p:txBody>
-      </p:sp>
-      <p:graphicFrame>
-        <p:nvGraphicFramePr>
-          <p:cNvPr id="7" name="オブジェクト 6"/>
-          <p:cNvGraphicFramePr>
-            <a:graphicFrameLocks noChangeAspect="1"/>
-          </p:cNvGraphicFramePr>
-          <p:nvPr/>
-        </p:nvGraphicFramePr>
-        <p:xfrm>
-          <a:off x="1254034" y="1301551"/>
-          <a:ext cx="6387737" cy="5471601"/>
-        </p:xfrm>
-        <a:graphic>
-          <a:graphicData uri="http://schemas.openxmlformats.org/presentationml/2006/ole">
-            <mc:AlternateContent xmlns:mc="http://schemas.openxmlformats.org/markup-compatibility/2006">
-              <mc:Choice xmlns:v="urn:schemas-microsoft-com:vml" Requires="v">
-                <p:oleObj spid="_x0000_s2152" name="ワークシート" r:id="rId4" imgW="4826156" imgH="4134085" progId="Excel.Sheet.12">
-                  <p:embed/>
-                </p:oleObj>
-              </mc:Choice>
-              <mc:Fallback>
-                <p:oleObj name="ワークシート" r:id="rId4" imgW="4826156" imgH="4134085" progId="Excel.Sheet.12">
-                  <p:embed/>
-                  <p:pic>
-                    <p:nvPicPr>
-                      <p:cNvPr id="7" name="オブジェクト 6"/>
-                      <p:cNvPicPr/>
-                      <p:nvPr/>
-                    </p:nvPicPr>
-                    <p:blipFill>
-                      <a:blip r:embed="rId5"/>
-                      <a:stretch>
-                        <a:fillRect/>
-                      </a:stretch>
-                    </p:blipFill>
-                    <p:spPr>
-                      <a:xfrm>
-                        <a:off x="1254034" y="1301551"/>
-                        <a:ext cx="6387737" cy="5471601"/>
-                      </a:xfrm>
-                      <a:prstGeom prst="rect">
-                        <a:avLst/>
-                      </a:prstGeom>
-                    </p:spPr>
-                  </p:pic>
-                </p:oleObj>
-              </mc:Fallback>
-            </mc:AlternateContent>
-          </a:graphicData>
-        </a:graphic>
-      </p:graphicFrame>
-    </p:spTree>
-    <p:extLst>
-      <p:ext uri="{BB962C8B-B14F-4D97-AF65-F5344CB8AC3E}">
-        <p14:creationId xmlns:p14="http://schemas.microsoft.com/office/powerpoint/2010/main" val="3018419139"/>
-      </p:ext>
-    </p:extLst>
-  </p:cSld>
-  <p:clrMapOvr>
-    <a:masterClrMapping/>
-  </p:clrMapOvr>
-  <p:timing>
-    <p:tnLst>
-      <p:par>
-        <p:cTn id="1" dur="indefinite" restart="never" nodeType="tmRoot"/>
-      </p:par>
-    </p:tnLst>
-  </p:timing>
-</p:sld>
-</file>
-
 <file path=ppt/slides/slide12.xml><?xml version="1.0" encoding="utf-8"?>
 <p:sld xmlns:a="http://schemas.openxmlformats.org/drawingml/2006/main" xmlns:r="http://schemas.openxmlformats.org/officeDocument/2006/relationships" xmlns:p="http://schemas.openxmlformats.org/presentationml/2006/main">
   <p:cSld>
@@ -9542,7 +9855,19 @@
             </a:r>
             <a:r>
               <a:rPr lang="ja-JP" altLang="en-US" dirty="0" smtClean="0"/>
-              <a:t>を調査する．</a:t>
+              <a:t>を</a:t>
+            </a:r>
+            <a:r>
+              <a:rPr lang="ja-JP" altLang="en-US" dirty="0"/>
+              <a:t>評価</a:t>
+            </a:r>
+            <a:r>
+              <a:rPr lang="ja-JP" altLang="en-US" dirty="0" smtClean="0"/>
+              <a:t>する</a:t>
+            </a:r>
+            <a:r>
+              <a:rPr lang="ja-JP" altLang="en-US" dirty="0" smtClean="0"/>
+              <a:t>．</a:t>
             </a:r>
             <a:endParaRPr lang="en-US" altLang="ja-JP" dirty="0" smtClean="0"/>
           </a:p>
@@ -9594,14 +9919,18 @@
             </a:r>
             <a:r>
               <a:rPr lang="ja-JP" altLang="en-US" dirty="0"/>
-              <a:t>ベクトルの持つ意味情報について</a:t>
+              <a:t>ベクトルの持つ意味情報に</a:t>
             </a:r>
             <a:r>
               <a:rPr lang="ja-JP" altLang="en-US" dirty="0" smtClean="0"/>
-              <a:t>調査</a:t>
+              <a:t>ついて</a:t>
             </a:r>
             <a:r>
               <a:rPr lang="ja-JP" altLang="en-US" dirty="0"/>
+              <a:t>評価</a:t>
+            </a:r>
+            <a:r>
+              <a:rPr lang="ja-JP" altLang="en-US" dirty="0" smtClean="0"/>
               <a:t>する</a:t>
             </a:r>
             <a:r>
@@ -10265,9 +10594,19 @@
         <p:spPr/>
         <p:txBody>
           <a:bodyPr>
-            <a:normAutofit/>
+            <a:normAutofit fontScale="92500" lnSpcReduction="10000"/>
           </a:bodyPr>
           <a:lstStyle/>
+          <a:p>
+            <a:r>
+              <a:rPr lang="ja-JP" altLang="en-US" dirty="0" smtClean="0"/>
+              <a:t>最適な次元数を求めるための分析手法を提案した．</a:t>
+            </a:r>
+            <a:endParaRPr lang="en-US" altLang="ja-JP" dirty="0" smtClean="0"/>
+          </a:p>
+          <a:p>
+            <a:endParaRPr lang="en-US" altLang="ja-JP" dirty="0" smtClean="0"/>
+          </a:p>
           <a:p>
             <a:r>
               <a:rPr lang="ja-JP" altLang="en-US" dirty="0" smtClean="0"/>
@@ -10279,7 +10618,19 @@
             </a:r>
             <a:r>
               <a:rPr lang="ja-JP" altLang="en-US" dirty="0" smtClean="0"/>
-              <a:t>から最適な次元数を導き出せた．</a:t>
+              <a:t>から最適な次元数</a:t>
+            </a:r>
+            <a:r>
+              <a:rPr lang="ja-JP" altLang="en-US" dirty="0" smtClean="0"/>
+              <a:t>を</a:t>
+            </a:r>
+            <a:r>
+              <a:rPr lang="ja-JP" altLang="en-US" dirty="0"/>
+              <a:t>得ること</a:t>
+            </a:r>
+            <a:r>
+              <a:rPr lang="ja-JP" altLang="en-US" dirty="0" smtClean="0"/>
+              <a:t>が確認できた．</a:t>
             </a:r>
             <a:endParaRPr kumimoji="1" lang="en-US" altLang="ja-JP" dirty="0" smtClean="0"/>
           </a:p>
@@ -10293,7 +10644,15 @@
             </a:r>
             <a:r>
               <a:rPr lang="ja-JP" altLang="en-US" dirty="0" smtClean="0"/>
-              <a:t>よって検索精度が良いものと悪いものがあることが確認できた．</a:t>
+              <a:t>よって検索</a:t>
+            </a:r>
+            <a:r>
+              <a:rPr lang="ja-JP" altLang="en-US" dirty="0" smtClean="0"/>
+              <a:t>精度に差が</a:t>
+            </a:r>
+            <a:r>
+              <a:rPr lang="ja-JP" altLang="en-US" dirty="0" smtClean="0"/>
+              <a:t>あることが確認できた．</a:t>
             </a:r>
             <a:endParaRPr kumimoji="1" lang="en-US" altLang="ja-JP" dirty="0" smtClean="0"/>
           </a:p>
@@ -10302,12 +10661,12 @@
           </a:p>
           <a:p>
             <a:r>
-              <a:rPr lang="ja-JP" altLang="en-US" dirty="0"/>
-              <a:t>対象物</a:t>
-            </a:r>
-            <a:r>
               <a:rPr lang="ja-JP" altLang="en-US" dirty="0" smtClean="0"/>
-              <a:t>がはっきり写っている画像は検索結果に類似度の高い画像が表示された．</a:t>
+              <a:t>対象物が単純な画像</a:t>
+            </a:r>
+            <a:r>
+              <a:rPr lang="ja-JP" altLang="en-US" dirty="0" smtClean="0"/>
+              <a:t>は検索結果に類似度の高い画像が表示された．</a:t>
             </a:r>
             <a:endParaRPr lang="en-US" altLang="ja-JP" dirty="0"/>
           </a:p>
@@ -10701,7 +11060,10 @@
           </a:bodyPr>
           <a:lstStyle/>
           <a:p>
-            <a:pPr lvl="0"/>
+            <a:pPr marL="342900" lvl="0" indent="-342900">
+              <a:buFont typeface="+mj-ea"/>
+              <a:buAutoNum type="circleNumDbPlain"/>
+            </a:pPr>
             <a:r>
               <a:rPr lang="en-US" altLang="ja-JP" sz="1600" dirty="0"/>
               <a:t>Image Net</a:t>
@@ -10732,7 +11094,10 @@
             </a:r>
           </a:p>
           <a:p>
-            <a:pPr lvl="0"/>
+            <a:pPr marL="342900" lvl="0" indent="-342900">
+              <a:buFont typeface="+mj-ea"/>
+              <a:buAutoNum type="circleNumDbPlain"/>
+            </a:pPr>
             <a:r>
               <a:rPr lang="en-US" altLang="ja-JP" sz="1600" dirty="0" smtClean="0"/>
               <a:t>[Alex2012]Alex </a:t>
@@ -10795,7 +11160,10 @@
             </a:r>
           </a:p>
           <a:p>
-            <a:pPr lvl="0"/>
+            <a:pPr marL="342900" lvl="0" indent="-342900">
+              <a:buFont typeface="+mj-ea"/>
+              <a:buAutoNum type="circleNumDbPlain"/>
+            </a:pPr>
             <a:r>
               <a:rPr lang="en-US" altLang="ja-JP" sz="1600" dirty="0" smtClean="0"/>
               <a:t>[</a:t>
@@ -10826,7 +11194,10 @@
             </a:r>
           </a:p>
           <a:p>
-            <a:pPr lvl="0"/>
+            <a:pPr marL="342900" lvl="0" indent="-342900">
+              <a:buFont typeface="+mj-ea"/>
+              <a:buAutoNum type="circleNumDbPlain"/>
+            </a:pPr>
             <a:r>
               <a:rPr lang="en-US" altLang="ja-JP" sz="1600" dirty="0" smtClean="0"/>
               <a:t>[</a:t>
@@ -10858,7 +11229,10 @@
             <a:endParaRPr lang="en-US" altLang="ja-JP" sz="1600" dirty="0" smtClean="0"/>
           </a:p>
           <a:p>
-            <a:pPr lvl="0"/>
+            <a:pPr marL="342900" lvl="0" indent="-342900">
+              <a:buFont typeface="+mj-ea"/>
+              <a:buAutoNum type="circleNumDbPlain"/>
+            </a:pPr>
             <a:r>
               <a:rPr lang="en-US" altLang="ja-JP" sz="1600" dirty="0" smtClean="0"/>
               <a:t>[</a:t>
@@ -10929,7 +11303,10 @@
             </a:r>
           </a:p>
           <a:p>
-            <a:pPr lvl="0"/>
+            <a:pPr marL="342900" lvl="0" indent="-342900">
+              <a:buFont typeface="+mj-ea"/>
+              <a:buAutoNum type="circleNumDbPlain"/>
+            </a:pPr>
             <a:r>
               <a:rPr lang="en-US" altLang="ja-JP" sz="1600" dirty="0"/>
               <a:t>CIFAR-10 and CIFAR-100 datasets</a:t>
@@ -10960,7 +11337,10 @@
             </a:r>
           </a:p>
           <a:p>
-            <a:pPr lvl="0"/>
+            <a:pPr marL="342900" lvl="0" indent="-342900">
+              <a:buFont typeface="+mj-ea"/>
+              <a:buAutoNum type="circleNumDbPlain"/>
+            </a:pPr>
             <a:r>
               <a:rPr lang="en-US" altLang="ja-JP" sz="1600" dirty="0" smtClean="0"/>
               <a:t>[</a:t>
@@ -11051,7 +11431,10 @@
             </a:r>
           </a:p>
           <a:p>
-            <a:pPr lvl="0"/>
+            <a:pPr marL="342900" lvl="0" indent="-342900">
+              <a:buFont typeface="+mj-ea"/>
+              <a:buAutoNum type="circleNumDbPlain"/>
+            </a:pPr>
             <a:r>
               <a:rPr lang="en-US" altLang="ja-JP" sz="1600" u="sng" dirty="0"/>
               <a:t>Pickle</a:t>
@@ -11062,7 +11445,7 @@
             </a:r>
             <a:r>
               <a:rPr lang="en-US" altLang="ja-JP" sz="1600" u="sng" dirty="0">
-                <a:hlinkClick r:id="rId2"/>
+                <a:hlinkClick r:id="rId3"/>
               </a:rPr>
               <a:t>https://www.sejuku.net/blog/31480</a:t>
             </a:r>
@@ -11080,7 +11463,10 @@
             </a:r>
           </a:p>
           <a:p>
-            <a:pPr lvl="0"/>
+            <a:pPr marL="342900" lvl="0" indent="-342900">
+              <a:buFont typeface="+mj-ea"/>
+              <a:buAutoNum type="circleNumDbPlain"/>
+            </a:pPr>
             <a:r>
               <a:rPr lang="en-US" altLang="ja-JP" sz="1600" u="sng" dirty="0" err="1"/>
               <a:t>Keras</a:t>
@@ -11107,7 +11493,7 @@
             </a:r>
             <a:r>
               <a:rPr lang="en-US" altLang="ja-JP" sz="1600" u="sng" dirty="0">
-                <a:hlinkClick r:id="rId3"/>
+                <a:hlinkClick r:id="rId4"/>
               </a:rPr>
               <a:t>https://qiita.com/URAN110/items/ea2bfc8f7ba2fc858de3</a:t>
             </a:r>
@@ -12300,27 +12686,31 @@
             </a:r>
             <a:r>
               <a:rPr kumimoji="1" lang="ja-JP" altLang="en-US" dirty="0" smtClean="0"/>
-              <a:t>なるが，</a:t>
+              <a:t>なるが計算</a:t>
             </a:r>
             <a:r>
               <a:rPr kumimoji="1" lang="ja-JP" altLang="en-US" dirty="0" smtClean="0"/>
-              <a:t>計算時間が増加する</a:t>
+              <a:t>時間が増加する</a:t>
             </a:r>
             <a:r>
               <a:rPr kumimoji="1" lang="ja-JP" altLang="en-US" dirty="0" smtClean="0"/>
               <a:t>．</a:t>
             </a:r>
             <a:r>
+              <a:rPr lang="ja-JP" altLang="en-US" dirty="0" smtClean="0"/>
+              <a:t>一方</a:t>
+            </a:r>
+            <a:r>
               <a:rPr lang="ja-JP" altLang="en-US" dirty="0"/>
-              <a:t>一方</a:t>
+              <a:t>で</a:t>
             </a:r>
             <a:r>
               <a:rPr kumimoji="1" lang="ja-JP" altLang="en-US" dirty="0" smtClean="0"/>
-              <a:t>，</a:t>
+              <a:t>低次元</a:t>
             </a:r>
             <a:r>
               <a:rPr kumimoji="1" lang="ja-JP" altLang="en-US" dirty="0" smtClean="0"/>
-              <a:t>低次元では検索精度が悪くなり，計算時間が減少する</a:t>
+              <a:t>では検索精度が悪くなり，計算時間が減少する</a:t>
             </a:r>
             <a:r>
               <a:rPr kumimoji="1" lang="ja-JP" altLang="en-US" dirty="0" smtClean="0"/>
@@ -12609,8 +12999,8 @@
         </p:nvSpPr>
         <p:spPr>
           <a:xfrm>
-            <a:off x="4421687" y="5348614"/>
-            <a:ext cx="3557391" cy="1372862"/>
+            <a:off x="4421687" y="5798234"/>
+            <a:ext cx="3557391" cy="923242"/>
           </a:xfrm>
           <a:prstGeom prst="rect">
             <a:avLst/>
@@ -12726,7 +13116,19 @@
             </a:r>
             <a:r>
               <a:rPr lang="ja-JP" altLang="en-US" dirty="0" smtClean="0"/>
-              <a:t>は，ユークリッド距離を用いる．ベクトル間のユークリッド分離が小さい程類似性が高いとする．</a:t>
+              <a:t>は，ユークリッド距離を用いる．ベクトル間のユークリッド分離が小さい程類似性が高い</a:t>
+            </a:r>
+            <a:r>
+              <a:rPr lang="ja-JP" altLang="en-US" dirty="0" smtClean="0"/>
+              <a:t>と</a:t>
+            </a:r>
+            <a:r>
+              <a:rPr lang="ja-JP" altLang="en-US" dirty="0" smtClean="0"/>
+              <a:t>してランキングする</a:t>
+            </a:r>
+            <a:r>
+              <a:rPr lang="ja-JP" altLang="en-US" dirty="0" smtClean="0"/>
+              <a:t>．</a:t>
             </a:r>
             <a:endParaRPr lang="en-US" altLang="ja-JP" dirty="0"/>
           </a:p>
@@ -12795,8 +13197,8 @@
         </p:nvCxnSpPr>
         <p:spPr>
           <a:xfrm flipV="1">
-            <a:off x="5232748" y="5626526"/>
-            <a:ext cx="1272175" cy="789139"/>
+            <a:off x="4999120" y="6266657"/>
+            <a:ext cx="1795456" cy="202053"/>
           </a:xfrm>
           <a:prstGeom prst="straightConnector1">
             <a:avLst/>
@@ -12828,7 +13230,7 @@
         </p:nvSpPr>
         <p:spPr>
           <a:xfrm>
-            <a:off x="4982265" y="6370202"/>
+            <a:off x="4730038" y="6338230"/>
             <a:ext cx="260959" cy="260959"/>
           </a:xfrm>
           <a:prstGeom prst="flowChartConnector">
@@ -12868,7 +13270,7 @@
         </p:nvSpPr>
         <p:spPr>
           <a:xfrm>
-            <a:off x="6457950" y="5422317"/>
+            <a:off x="6794576" y="6136178"/>
             <a:ext cx="260959" cy="260959"/>
           </a:xfrm>
           <a:prstGeom prst="flowChartConnector">
@@ -12908,7 +13310,7 @@
         </p:nvSpPr>
         <p:spPr>
           <a:xfrm>
-            <a:off x="4350484" y="5382695"/>
+            <a:off x="4337361" y="5798234"/>
             <a:ext cx="2245290" cy="369332"/>
           </a:xfrm>
           <a:prstGeom prst="rect">
@@ -12938,7 +13340,7 @@
         </p:nvSpPr>
         <p:spPr>
           <a:xfrm>
-            <a:off x="6674304" y="5397084"/>
+            <a:off x="7090828" y="6045672"/>
             <a:ext cx="1192934" cy="369332"/>
           </a:xfrm>
           <a:prstGeom prst="rect">
@@ -12972,7 +13374,7 @@
         </p:nvSpPr>
         <p:spPr>
           <a:xfrm>
-            <a:off x="5207642" y="6415665"/>
+            <a:off x="3730193" y="6338230"/>
             <a:ext cx="964243" cy="369332"/>
           </a:xfrm>
           <a:prstGeom prst="rect">
@@ -13247,152 +13649,17 @@
           <a:lstStyle/>
           <a:p>
             <a:r>
-              <a:rPr kumimoji="1" lang="ja-JP" altLang="en-US" dirty="0" smtClean="0"/>
-              <a:t>実験</a:t>
-            </a:r>
-            <a:endParaRPr kumimoji="1" lang="ja-JP" altLang="en-US" dirty="0"/>
-          </a:p>
-        </p:txBody>
-      </p:sp>
-      <p:sp>
-        <p:nvSpPr>
-          <p:cNvPr id="3" name="コンテンツ プレースホルダー 2"/>
-          <p:cNvSpPr>
-            <a:spLocks noGrp="1"/>
-          </p:cNvSpPr>
-          <p:nvPr>
-            <p:ph idx="1"/>
-          </p:nvPr>
-        </p:nvSpPr>
-        <p:spPr/>
-        <p:txBody>
-          <a:bodyPr/>
-          <a:lstStyle/>
-          <a:p>
-            <a:r>
-              <a:rPr kumimoji="1" lang="ja-JP" altLang="en-US" dirty="0" smtClean="0"/>
-              <a:t>実験</a:t>
-            </a:r>
-            <a:r>
-              <a:rPr kumimoji="1" lang="en-US" altLang="ja-JP" dirty="0" smtClean="0"/>
-              <a:t>1</a:t>
-            </a:r>
-          </a:p>
-          <a:p>
-            <a:pPr lvl="1"/>
+              <a:rPr lang="en-US" altLang="ja-JP" dirty="0" smtClean="0"/>
+              <a:t>STEP-4</a:t>
+            </a:r>
             <a:r>
               <a:rPr lang="ja-JP" altLang="en-US" dirty="0" smtClean="0"/>
-              <a:t>各次元数の</a:t>
-            </a:r>
-            <a:r>
-              <a:rPr lang="ja-JP" altLang="ja-JP" dirty="0" smtClean="0"/>
-              <a:t>画像</a:t>
-            </a:r>
-            <a:r>
-              <a:rPr lang="ja-JP" altLang="ja-JP" dirty="0"/>
-              <a:t>検索精度と計算</a:t>
-            </a:r>
-            <a:r>
-              <a:rPr lang="ja-JP" altLang="ja-JP" dirty="0" smtClean="0"/>
-              <a:t>時間</a:t>
-            </a:r>
-            <a:r>
-              <a:rPr lang="ja-JP" altLang="en-US" dirty="0" smtClean="0"/>
-              <a:t>を評価する．</a:t>
-            </a:r>
-            <a:endParaRPr lang="en-US" altLang="ja-JP" dirty="0" smtClean="0"/>
-          </a:p>
-          <a:p>
-            <a:pPr lvl="1"/>
-            <a:endParaRPr kumimoji="1" lang="en-US" altLang="ja-JP" dirty="0"/>
-          </a:p>
-          <a:p>
-            <a:r>
-              <a:rPr lang="ja-JP" altLang="en-US" dirty="0" smtClean="0"/>
-              <a:t>実験</a:t>
-            </a:r>
-            <a:r>
-              <a:rPr lang="en-US" altLang="ja-JP" dirty="0" smtClean="0"/>
-              <a:t>2</a:t>
-            </a:r>
-          </a:p>
-          <a:p>
-            <a:pPr lvl="1">
-              <a:lnSpc>
-                <a:spcPct val="100000"/>
-              </a:lnSpc>
-            </a:pPr>
+              <a:t>：特徴</a:t>
+            </a:r>
             <a:r>
               <a:rPr lang="ja-JP" altLang="en-US" dirty="0"/>
-              <a:t>各</a:t>
-            </a:r>
-            <a:r>
-              <a:rPr lang="ja-JP" altLang="ja-JP" dirty="0"/>
-              <a:t>ラベル</a:t>
-            </a:r>
-            <a:r>
-              <a:rPr lang="ja-JP" altLang="en-US" dirty="0" smtClean="0"/>
-              <a:t>の</a:t>
-            </a:r>
-            <a:r>
-              <a:rPr lang="ja-JP" altLang="en-US" dirty="0"/>
-              <a:t>検索</a:t>
-            </a:r>
-            <a:r>
-              <a:rPr lang="ja-JP" altLang="en-US" dirty="0" smtClean="0"/>
-              <a:t>精度を調査する</a:t>
-            </a:r>
-            <a:r>
-              <a:rPr lang="ja-JP" altLang="en-US" dirty="0" smtClean="0"/>
-              <a:t>．</a:t>
-            </a:r>
-            <a:endParaRPr lang="en-US" altLang="ja-JP" dirty="0"/>
-          </a:p>
-          <a:p>
-            <a:pPr lvl="1">
-              <a:lnSpc>
-                <a:spcPct val="100000"/>
-              </a:lnSpc>
-            </a:pPr>
-            <a:r>
-              <a:rPr lang="ja-JP" altLang="ja-JP" dirty="0"/>
-              <a:t>検索</a:t>
-            </a:r>
-            <a:r>
-              <a:rPr lang="ja-JP" altLang="ja-JP" dirty="0" smtClean="0"/>
-              <a:t>結果</a:t>
-            </a:r>
-            <a:r>
-              <a:rPr lang="ja-JP" altLang="en-US" dirty="0" smtClean="0"/>
-              <a:t>上位の</a:t>
-            </a:r>
-            <a:r>
-              <a:rPr lang="ja-JP" altLang="ja-JP" dirty="0" smtClean="0"/>
-              <a:t>画像</a:t>
-            </a:r>
-            <a:r>
-              <a:rPr lang="ja-JP" altLang="ja-JP" dirty="0"/>
-              <a:t>の共通点</a:t>
-            </a:r>
-            <a:r>
-              <a:rPr lang="ja-JP" altLang="ja-JP" dirty="0" smtClean="0"/>
-              <a:t>を</a:t>
-            </a:r>
-            <a:r>
-              <a:rPr lang="ja-JP" altLang="en-US" dirty="0"/>
-              <a:t>評価</a:t>
-            </a:r>
-            <a:r>
-              <a:rPr lang="ja-JP" altLang="ja-JP" dirty="0" smtClean="0"/>
-              <a:t>する</a:t>
-            </a:r>
-            <a:r>
-              <a:rPr lang="ja-JP" altLang="en-US" dirty="0"/>
-              <a:t>．</a:t>
-            </a:r>
-          </a:p>
-          <a:p>
-            <a:pPr lvl="1"/>
+              <a:t>ベクトルの抽出</a:t>
+            </a:r>
             <a:endParaRPr kumimoji="1" lang="ja-JP" altLang="en-US" dirty="0"/>
           </a:p>
         </p:txBody>
@@ -13420,10 +13687,61 @@
           </a:p>
         </p:txBody>
       </p:sp>
+      <p:graphicFrame>
+        <p:nvGraphicFramePr>
+          <p:cNvPr id="7" name="オブジェクト 6"/>
+          <p:cNvGraphicFramePr>
+            <a:graphicFrameLocks noChangeAspect="1"/>
+          </p:cNvGraphicFramePr>
+          <p:nvPr/>
+        </p:nvGraphicFramePr>
+        <p:xfrm>
+          <a:off x="1254034" y="1301551"/>
+          <a:ext cx="6387737" cy="5471601"/>
+        </p:xfrm>
+        <a:graphic>
+          <a:graphicData uri="http://schemas.openxmlformats.org/presentationml/2006/ole">
+            <mc:AlternateContent xmlns:mc="http://schemas.openxmlformats.org/markup-compatibility/2006">
+              <mc:Choice xmlns:v="urn:schemas-microsoft-com:vml" Requires="v">
+                <p:oleObj spid="_x0000_s2167" name="ワークシート" r:id="rId4" imgW="4826156" imgH="4134085" progId="Excel.Sheet.12">
+                  <p:embed/>
+                </p:oleObj>
+              </mc:Choice>
+              <mc:Fallback>
+                <p:oleObj name="ワークシート" r:id="rId4" imgW="4826156" imgH="4134085" progId="Excel.Sheet.12">
+                  <p:embed/>
+                  <p:pic>
+                    <p:nvPicPr>
+                      <p:cNvPr id="7" name="オブジェクト 6"/>
+                      <p:cNvPicPr/>
+                      <p:nvPr/>
+                    </p:nvPicPr>
+                    <p:blipFill>
+                      <a:blip r:embed="rId5"/>
+                      <a:stretch>
+                        <a:fillRect/>
+                      </a:stretch>
+                    </p:blipFill>
+                    <p:spPr>
+                      <a:xfrm>
+                        <a:off x="1254034" y="1301551"/>
+                        <a:ext cx="6387737" cy="5471601"/>
+                      </a:xfrm>
+                      <a:prstGeom prst="rect">
+                        <a:avLst/>
+                      </a:prstGeom>
+                    </p:spPr>
+                  </p:pic>
+                </p:oleObj>
+              </mc:Fallback>
+            </mc:AlternateContent>
+          </a:graphicData>
+        </a:graphic>
+      </p:graphicFrame>
     </p:spTree>
     <p:extLst>
       <p:ext uri="{BB962C8B-B14F-4D97-AF65-F5344CB8AC3E}">
-        <p14:creationId xmlns:p14="http://schemas.microsoft.com/office/powerpoint/2010/main" val="4065006612"/>
+        <p14:creationId xmlns:p14="http://schemas.microsoft.com/office/powerpoint/2010/main" val="3018419139"/>
       </p:ext>
     </p:extLst>
   </p:cSld>

--- a/卒研発表/1821005_yoshioka_thesis.pptx
+++ b/卒研発表/1821005_yoshioka_thesis.pptx
@@ -588,8 +588,81 @@
                 <a:ea typeface="+mn-ea"/>
                 <a:cs typeface="+mn-cs"/>
               </a:rPr>
-              <a:t>深層学習モデルから抽出した特徴ベクトルの画像検索精度と計算時間に関する評価について発表します．</a:t>
-            </a:r>
+              <a:t>深層学習モデルから抽出した特徴ベクトルの画像検索精度と計算時間に関する評価について発表します</a:t>
+            </a:r>
+            <a:r>
+              <a:rPr kumimoji="1" lang="ja-JP" altLang="ja-JP" sz="1200" kern="1200" dirty="0" smtClean="0">
+                <a:solidFill>
+                  <a:schemeClr val="tx1"/>
+                </a:solidFill>
+                <a:effectLst/>
+                <a:latin typeface="+mn-lt"/>
+                <a:ea typeface="+mn-ea"/>
+                <a:cs typeface="+mn-cs"/>
+              </a:rPr>
+              <a:t>．</a:t>
+            </a:r>
+            <a:endParaRPr kumimoji="1" lang="en-US" altLang="ja-JP" sz="1200" kern="1200" dirty="0" smtClean="0">
+              <a:solidFill>
+                <a:schemeClr val="tx1"/>
+              </a:solidFill>
+              <a:effectLst/>
+              <a:latin typeface="+mn-lt"/>
+              <a:ea typeface="+mn-ea"/>
+              <a:cs typeface="+mn-cs"/>
+            </a:endParaRPr>
+          </a:p>
+          <a:p>
+            <a:pPr marL="0" marR="0" indent="0" algn="l" defTabSz="914400" rtl="0" eaLnBrk="1" fontAlgn="auto" latinLnBrk="0" hangingPunct="1">
+              <a:lnSpc>
+                <a:spcPct val="100000"/>
+              </a:lnSpc>
+              <a:spcBef>
+                <a:spcPts val="0"/>
+              </a:spcBef>
+              <a:spcAft>
+                <a:spcPts val="0"/>
+              </a:spcAft>
+              <a:buClrTx/>
+              <a:buSzTx/>
+              <a:buFontTx/>
+              <a:buNone/>
+              <a:tabLst/>
+              <a:defRPr/>
+            </a:pPr>
+            <a:r>
+              <a:rPr kumimoji="1" lang="en-US" altLang="ja-JP" sz="1200" kern="1200" dirty="0" smtClean="0">
+                <a:solidFill>
+                  <a:schemeClr val="tx1"/>
+                </a:solidFill>
+                <a:effectLst/>
+                <a:latin typeface="+mn-lt"/>
+                <a:ea typeface="+mn-ea"/>
+                <a:cs typeface="+mn-cs"/>
+              </a:rPr>
+              <a:t>1821005</a:t>
+            </a:r>
+            <a:r>
+              <a:rPr kumimoji="1" lang="ja-JP" altLang="en-US" sz="1200" kern="1200" dirty="0" smtClean="0">
+                <a:solidFill>
+                  <a:schemeClr val="tx1"/>
+                </a:solidFill>
+                <a:effectLst/>
+                <a:latin typeface="+mn-lt"/>
+                <a:ea typeface="+mn-ea"/>
+                <a:cs typeface="+mn-cs"/>
+              </a:rPr>
+              <a:t>吉岡拓郎です．よろしくお願いします．</a:t>
+            </a:r>
+            <a:endParaRPr kumimoji="1" lang="ja-JP" altLang="ja-JP" sz="1200" kern="1200" dirty="0" smtClean="0">
+              <a:solidFill>
+                <a:schemeClr val="tx1"/>
+              </a:solidFill>
+              <a:effectLst/>
+              <a:latin typeface="+mn-lt"/>
+              <a:ea typeface="+mn-ea"/>
+              <a:cs typeface="+mn-cs"/>
+            </a:endParaRPr>
           </a:p>
           <a:p>
             <a:endParaRPr kumimoji="1" lang="ja-JP" altLang="en-US" dirty="0"/>
@@ -827,11 +900,23 @@
             </a:r>
             <a:r>
               <a:rPr kumimoji="1" lang="en-US" altLang="ja-JP" dirty="0" smtClean="0"/>
-              <a:t>100,500,1000,2000,3000,4096,8192</a:t>
+              <a:t>100</a:t>
             </a:r>
             <a:r>
               <a:rPr kumimoji="1" lang="ja-JP" altLang="en-US" dirty="0" smtClean="0"/>
-              <a:t>と変更しています．その他は変えていません．エポック数に関しても一緒です．</a:t>
+              <a:t>～</a:t>
+            </a:r>
+            <a:r>
+              <a:rPr kumimoji="1" lang="en-US" altLang="ja-JP" dirty="0" smtClean="0"/>
+              <a:t>8192</a:t>
+            </a:r>
+            <a:r>
+              <a:rPr kumimoji="1" lang="ja-JP" altLang="en-US" dirty="0" smtClean="0"/>
+              <a:t>と変更しています</a:t>
+            </a:r>
+            <a:r>
+              <a:rPr kumimoji="1" lang="ja-JP" altLang="en-US" dirty="0" smtClean="0"/>
+              <a:t>．</a:t>
             </a:r>
             <a:endParaRPr kumimoji="1" lang="ja-JP" altLang="en-US" dirty="0"/>
           </a:p>
@@ -956,8 +1041,53 @@
                 <a:ea typeface="+mn-ea"/>
                 <a:cs typeface="+mn-cs"/>
               </a:rPr>
-              <a:t>画像検索精度と計算時間の両方の観点から最も良い結果だった次元数を明確にすることを目的とする．</a:t>
-            </a:r>
+              <a:t>画像検索精度と計算時間の両方の観点から最も良い結果だった次元数を明確にすることを目的</a:t>
+            </a:r>
+            <a:r>
+              <a:rPr kumimoji="1" lang="ja-JP" altLang="ja-JP" sz="1200" kern="1200" dirty="0" smtClean="0">
+                <a:solidFill>
+                  <a:schemeClr val="tx1"/>
+                </a:solidFill>
+                <a:effectLst/>
+                <a:latin typeface="+mn-lt"/>
+                <a:ea typeface="+mn-ea"/>
+                <a:cs typeface="+mn-cs"/>
+              </a:rPr>
+              <a:t>と</a:t>
+            </a:r>
+            <a:r>
+              <a:rPr kumimoji="1" lang="ja-JP" altLang="en-US" sz="1200" kern="1200" dirty="0" smtClean="0">
+                <a:solidFill>
+                  <a:schemeClr val="tx1"/>
+                </a:solidFill>
+                <a:effectLst/>
+                <a:latin typeface="+mn-lt"/>
+                <a:ea typeface="+mn-ea"/>
+                <a:cs typeface="+mn-cs"/>
+              </a:rPr>
+              <a:t>します</a:t>
+            </a:r>
+            <a:r>
+              <a:rPr kumimoji="1" lang="ja-JP" altLang="ja-JP" sz="1200" kern="1200" dirty="0" smtClean="0">
+                <a:solidFill>
+                  <a:schemeClr val="tx1"/>
+                </a:solidFill>
+                <a:effectLst/>
+                <a:latin typeface="+mn-lt"/>
+                <a:ea typeface="+mn-ea"/>
+                <a:cs typeface="+mn-cs"/>
+              </a:rPr>
+              <a:t>．</a:t>
+            </a:r>
+            <a:endParaRPr kumimoji="1" lang="ja-JP" altLang="ja-JP" sz="1200" kern="1200" dirty="0" smtClean="0">
+              <a:solidFill>
+                <a:schemeClr val="tx1"/>
+              </a:solidFill>
+              <a:effectLst/>
+              <a:latin typeface="+mn-lt"/>
+              <a:ea typeface="+mn-ea"/>
+              <a:cs typeface="+mn-cs"/>
+            </a:endParaRPr>
           </a:p>
           <a:p>
             <a:endParaRPr lang="en-US" altLang="ja-JP" dirty="0" smtClean="0"/>
@@ -1100,7 +1230,15 @@
             </a:pPr>
             <a:r>
               <a:rPr lang="ja-JP" altLang="en-US" dirty="0" smtClean="0"/>
-              <a:t>画像検索精度を調査するため，基準となる画像と同じラベルを数え，最も正答率の良い特徴ベクトルを求めます．画像検索をする際の計算時間を計測します．</a:t>
+              <a:t>画像検索精度を調査するため，基準となる画像と同じラベルを数え，</a:t>
+            </a:r>
+            <a:r>
+              <a:rPr lang="ja-JP" altLang="en-US" dirty="0" smtClean="0"/>
+              <a:t>最も検索精度の</a:t>
+            </a:r>
+            <a:r>
+              <a:rPr lang="ja-JP" altLang="en-US" dirty="0" smtClean="0"/>
+              <a:t>良い特徴ベクトルを求めます．画像検索をする際の計算時間を計測します．</a:t>
             </a:r>
             <a:endParaRPr lang="en-US" altLang="ja-JP" dirty="0" smtClean="0"/>
           </a:p>
@@ -1220,8 +1358,121 @@
                 <a:ea typeface="+mn-ea"/>
                 <a:cs typeface="+mn-cs"/>
               </a:rPr>
-              <a:t>の結果です．</a:t>
-            </a:r>
+              <a:t>の結果です</a:t>
+            </a:r>
+            <a:r>
+              <a:rPr kumimoji="1" lang="ja-JP" altLang="ja-JP" sz="1200" kern="1200" dirty="0" smtClean="0">
+                <a:solidFill>
+                  <a:schemeClr val="tx1"/>
+                </a:solidFill>
+                <a:effectLst/>
+                <a:latin typeface="+mn-lt"/>
+                <a:ea typeface="+mn-ea"/>
+                <a:cs typeface="+mn-cs"/>
+              </a:rPr>
+              <a:t>．</a:t>
+            </a:r>
+            <a:endParaRPr kumimoji="1" lang="en-US" altLang="ja-JP" sz="1200" kern="1200" dirty="0" smtClean="0">
+              <a:solidFill>
+                <a:schemeClr val="tx1"/>
+              </a:solidFill>
+              <a:effectLst/>
+              <a:latin typeface="+mn-lt"/>
+              <a:ea typeface="+mn-ea"/>
+              <a:cs typeface="+mn-cs"/>
+            </a:endParaRPr>
+          </a:p>
+          <a:p>
+            <a:r>
+              <a:rPr kumimoji="1" lang="ja-JP" altLang="en-US" sz="1200" kern="1200" dirty="0" smtClean="0">
+                <a:solidFill>
+                  <a:schemeClr val="tx1"/>
+                </a:solidFill>
+                <a:effectLst/>
+                <a:latin typeface="+mn-lt"/>
+                <a:ea typeface="+mn-ea"/>
+                <a:cs typeface="+mn-cs"/>
+              </a:rPr>
+              <a:t>青いところが，検索精度で，オレンジのラインが計算時間を表しています</a:t>
+            </a:r>
+            <a:endParaRPr kumimoji="1" lang="en-US" altLang="ja-JP" sz="1200" kern="1200" dirty="0" smtClean="0">
+              <a:solidFill>
+                <a:schemeClr val="tx1"/>
+              </a:solidFill>
+              <a:effectLst/>
+              <a:latin typeface="+mn-lt"/>
+              <a:ea typeface="+mn-ea"/>
+              <a:cs typeface="+mn-cs"/>
+            </a:endParaRPr>
+          </a:p>
+          <a:p>
+            <a:r>
+              <a:rPr kumimoji="1" lang="ja-JP" altLang="en-US" sz="1200" kern="1200" dirty="0" smtClean="0">
+                <a:solidFill>
+                  <a:schemeClr val="tx1"/>
+                </a:solidFill>
+                <a:effectLst/>
+                <a:latin typeface="+mn-lt"/>
+                <a:ea typeface="+mn-ea"/>
+                <a:cs typeface="+mn-cs"/>
+              </a:rPr>
+              <a:t>このグラフから，次元数</a:t>
+            </a:r>
+            <a:r>
+              <a:rPr kumimoji="1" lang="en-US" altLang="ja-JP" sz="1200" kern="1200" dirty="0" smtClean="0">
+                <a:solidFill>
+                  <a:schemeClr val="tx1"/>
+                </a:solidFill>
+                <a:effectLst/>
+                <a:latin typeface="+mn-lt"/>
+                <a:ea typeface="+mn-ea"/>
+                <a:cs typeface="+mn-cs"/>
+              </a:rPr>
+              <a:t>1000</a:t>
+            </a:r>
+            <a:r>
+              <a:rPr kumimoji="1" lang="ja-JP" altLang="en-US" sz="1200" kern="1200" dirty="0" smtClean="0">
+                <a:solidFill>
+                  <a:schemeClr val="tx1"/>
+                </a:solidFill>
+                <a:effectLst/>
+                <a:latin typeface="+mn-lt"/>
+                <a:ea typeface="+mn-ea"/>
+                <a:cs typeface="+mn-cs"/>
+              </a:rPr>
+              <a:t>の特徴ベクトルが，検索精度と計算時間の両方の観点から最も良かったといえます．</a:t>
+            </a:r>
+            <a:endParaRPr kumimoji="1" lang="en-US" altLang="ja-JP" sz="1200" kern="1200" dirty="0" smtClean="0">
+              <a:solidFill>
+                <a:schemeClr val="tx1"/>
+              </a:solidFill>
+              <a:effectLst/>
+              <a:latin typeface="+mn-lt"/>
+              <a:ea typeface="+mn-ea"/>
+              <a:cs typeface="+mn-cs"/>
+            </a:endParaRPr>
+          </a:p>
+          <a:p>
+            <a:endParaRPr kumimoji="1" lang="en-US" altLang="ja-JP" sz="1200" kern="1200" dirty="0" smtClean="0">
+              <a:solidFill>
+                <a:schemeClr val="tx1"/>
+              </a:solidFill>
+              <a:effectLst/>
+              <a:latin typeface="+mn-lt"/>
+              <a:ea typeface="+mn-ea"/>
+              <a:cs typeface="+mn-cs"/>
+            </a:endParaRPr>
+          </a:p>
+          <a:p>
+            <a:endParaRPr kumimoji="1" lang="ja-JP" altLang="ja-JP" sz="1200" kern="1200" dirty="0" smtClean="0">
+              <a:solidFill>
+                <a:schemeClr val="tx1"/>
+              </a:solidFill>
+              <a:effectLst/>
+              <a:latin typeface="+mn-lt"/>
+              <a:ea typeface="+mn-ea"/>
+              <a:cs typeface="+mn-cs"/>
+            </a:endParaRPr>
           </a:p>
           <a:p>
             <a:r>
@@ -1515,7 +1766,67 @@
                 <a:ea typeface="+mn-ea"/>
                 <a:cs typeface="+mn-cs"/>
               </a:rPr>
-              <a:t>の結果から各特徴ベクトルの正答率は決していいものではなかった．その理由が各ラベルの正答率に差があるからではないかと考えた．</a:t>
+              <a:t>の結果から各特徴ベクトル</a:t>
+            </a:r>
+            <a:r>
+              <a:rPr kumimoji="1" lang="ja-JP" altLang="en-US" sz="1200" kern="1200" dirty="0" smtClean="0">
+                <a:solidFill>
+                  <a:schemeClr val="tx1"/>
+                </a:solidFill>
+                <a:effectLst/>
+                <a:latin typeface="+mn-lt"/>
+                <a:ea typeface="+mn-ea"/>
+                <a:cs typeface="+mn-cs"/>
+              </a:rPr>
+              <a:t>の検索精度はあまり良いものではありませんでした．</a:t>
+            </a:r>
+            <a:r>
+              <a:rPr kumimoji="1" lang="ja-JP" altLang="en-US" sz="1200" kern="1200" dirty="0" smtClean="0">
+                <a:solidFill>
+                  <a:schemeClr val="tx1"/>
+                </a:solidFill>
+                <a:effectLst/>
+                <a:latin typeface="+mn-lt"/>
+                <a:ea typeface="+mn-ea"/>
+                <a:cs typeface="+mn-cs"/>
+              </a:rPr>
+              <a:t>その理由</a:t>
+            </a:r>
+            <a:r>
+              <a:rPr kumimoji="1" lang="ja-JP" altLang="en-US" sz="1200" kern="1200" dirty="0" smtClean="0">
+                <a:solidFill>
+                  <a:schemeClr val="tx1"/>
+                </a:solidFill>
+                <a:effectLst/>
+                <a:latin typeface="+mn-lt"/>
+                <a:ea typeface="+mn-ea"/>
+                <a:cs typeface="+mn-cs"/>
+              </a:rPr>
+              <a:t>が，各ラベル</a:t>
+            </a:r>
+            <a:r>
+              <a:rPr kumimoji="1" lang="ja-JP" altLang="en-US" sz="1200" kern="1200" dirty="0" smtClean="0">
+                <a:solidFill>
+                  <a:schemeClr val="tx1"/>
+                </a:solidFill>
+                <a:effectLst/>
+                <a:latin typeface="+mn-lt"/>
+                <a:ea typeface="+mn-ea"/>
+                <a:cs typeface="+mn-cs"/>
+              </a:rPr>
+              <a:t>の正答率に差があるからではないかと</a:t>
+            </a:r>
+            <a:r>
+              <a:rPr kumimoji="1" lang="ja-JP" altLang="en-US" sz="1200" kern="1200" dirty="0" smtClean="0">
+                <a:solidFill>
+                  <a:schemeClr val="tx1"/>
+                </a:solidFill>
+                <a:effectLst/>
+                <a:latin typeface="+mn-lt"/>
+                <a:ea typeface="+mn-ea"/>
+                <a:cs typeface="+mn-cs"/>
+              </a:rPr>
+              <a:t>考えました．</a:t>
             </a:r>
             <a:endParaRPr kumimoji="1" lang="en-US" altLang="ja-JP" sz="1200" kern="1200" dirty="0" smtClean="0">
               <a:solidFill>
@@ -1555,7 +1866,7 @@
                 <a:ea typeface="+mn-ea"/>
                 <a:cs typeface="+mn-cs"/>
               </a:rPr>
-              <a:t>実験</a:t>
+              <a:t>そこで実験</a:t>
             </a:r>
             <a:r>
               <a:rPr kumimoji="1" lang="en-US" altLang="ja-JP" sz="1200" kern="1200" dirty="0" smtClean="0">
@@ -1579,31 +1890,7 @@
                 <a:ea typeface="+mn-ea"/>
                 <a:cs typeface="+mn-cs"/>
               </a:rPr>
-              <a:t>では，実験</a:t>
-            </a:r>
-            <a:r>
-              <a:rPr kumimoji="1" lang="en-US" altLang="ja-JP" sz="1200" kern="1200" dirty="0" smtClean="0">
-                <a:solidFill>
-                  <a:schemeClr val="tx1"/>
-                </a:solidFill>
-                <a:effectLst/>
-                <a:latin typeface="+mn-lt"/>
-                <a:ea typeface="+mn-ea"/>
-                <a:cs typeface="+mn-cs"/>
-              </a:rPr>
-              <a:t>1</a:t>
-            </a:r>
-            <a:r>
-              <a:rPr kumimoji="1" lang="ja-JP" altLang="en-US" sz="1200" kern="1200" dirty="0" smtClean="0">
-                <a:solidFill>
-                  <a:schemeClr val="tx1"/>
-                </a:solidFill>
-                <a:effectLst/>
-                <a:latin typeface="+mn-lt"/>
-                <a:ea typeface="+mn-ea"/>
-                <a:cs typeface="+mn-cs"/>
-              </a:rPr>
-              <a:t>の結果を受けて検索精度が出ていないラベルがあると考えられたため，そのラベルを探すことを目的とします．</a:t>
+              <a:t>では，ラベルによる検索精度の違いを評価します</a:t>
             </a:r>
             <a:endParaRPr kumimoji="1" lang="en-US" altLang="ja-JP" sz="1200" kern="1200" dirty="0" smtClean="0">
               <a:solidFill>
@@ -1626,8 +1913,91 @@
                 <a:ea typeface="+mn-ea"/>
                 <a:cs typeface="+mn-cs"/>
               </a:rPr>
-              <a:t>また，検索結果上位に表示された画像について視覚的な共通点を評価する．特徴ベクトルの持つ意味情報について調査さすることも目的とします．</a:t>
-            </a:r>
+              <a:t>また，検索結果上位に表示された画像に</a:t>
+            </a:r>
+            <a:r>
+              <a:rPr kumimoji="1" lang="ja-JP" altLang="en-US" sz="1200" kern="1200" dirty="0" smtClean="0">
+                <a:solidFill>
+                  <a:schemeClr val="tx1"/>
+                </a:solidFill>
+                <a:effectLst/>
+                <a:latin typeface="+mn-lt"/>
+                <a:ea typeface="+mn-ea"/>
+                <a:cs typeface="+mn-cs"/>
+              </a:rPr>
+              <a:t>ついてランキング形式で表し，視覚的</a:t>
+            </a:r>
+            <a:r>
+              <a:rPr kumimoji="1" lang="ja-JP" altLang="en-US" sz="1200" kern="1200" dirty="0" smtClean="0">
+                <a:solidFill>
+                  <a:schemeClr val="tx1"/>
+                </a:solidFill>
+                <a:effectLst/>
+                <a:latin typeface="+mn-lt"/>
+                <a:ea typeface="+mn-ea"/>
+                <a:cs typeface="+mn-cs"/>
+              </a:rPr>
+              <a:t>な共通点を</a:t>
+            </a:r>
+            <a:r>
+              <a:rPr kumimoji="1" lang="ja-JP" altLang="en-US" sz="1200" kern="1200" dirty="0" smtClean="0">
+                <a:solidFill>
+                  <a:schemeClr val="tx1"/>
+                </a:solidFill>
+                <a:effectLst/>
+                <a:latin typeface="+mn-lt"/>
+                <a:ea typeface="+mn-ea"/>
+                <a:cs typeface="+mn-cs"/>
+              </a:rPr>
+              <a:t>評価し，特徴</a:t>
+            </a:r>
+            <a:r>
+              <a:rPr kumimoji="1" lang="ja-JP" altLang="en-US" sz="1200" kern="1200" dirty="0" smtClean="0">
+                <a:solidFill>
+                  <a:schemeClr val="tx1"/>
+                </a:solidFill>
+                <a:effectLst/>
+                <a:latin typeface="+mn-lt"/>
+                <a:ea typeface="+mn-ea"/>
+                <a:cs typeface="+mn-cs"/>
+              </a:rPr>
+              <a:t>ベクトルの持つ意味情報に</a:t>
+            </a:r>
+            <a:r>
+              <a:rPr kumimoji="1" lang="ja-JP" altLang="en-US" sz="1200" kern="1200" dirty="0" smtClean="0">
+                <a:solidFill>
+                  <a:schemeClr val="tx1"/>
+                </a:solidFill>
+                <a:effectLst/>
+                <a:latin typeface="+mn-lt"/>
+                <a:ea typeface="+mn-ea"/>
+                <a:cs typeface="+mn-cs"/>
+              </a:rPr>
+              <a:t>ついて評価する</a:t>
+            </a:r>
+            <a:r>
+              <a:rPr kumimoji="1" lang="ja-JP" altLang="en-US" sz="1200" kern="1200" dirty="0" smtClean="0">
+                <a:solidFill>
+                  <a:schemeClr val="tx1"/>
+                </a:solidFill>
+                <a:effectLst/>
+                <a:latin typeface="+mn-lt"/>
+                <a:ea typeface="+mn-ea"/>
+                <a:cs typeface="+mn-cs"/>
+              </a:rPr>
+              <a:t>ことも目的とします．</a:t>
+            </a:r>
+            <a:endParaRPr kumimoji="1" lang="en-US" altLang="ja-JP" sz="1200" kern="1200" dirty="0" smtClean="0">
+              <a:solidFill>
+                <a:schemeClr val="tx1"/>
+              </a:solidFill>
+              <a:effectLst/>
+              <a:latin typeface="+mn-lt"/>
+              <a:ea typeface="+mn-ea"/>
+              <a:cs typeface="+mn-cs"/>
+            </a:endParaRPr>
+          </a:p>
+          <a:p>
             <a:endParaRPr kumimoji="1" lang="en-US" altLang="ja-JP" sz="1200" kern="1200" dirty="0" smtClean="0">
               <a:solidFill>
                 <a:schemeClr val="tx1"/>
@@ -1847,7 +2217,19 @@
             </a:pPr>
             <a:r>
               <a:rPr lang="ja-JP" altLang="en-US" dirty="0" smtClean="0"/>
-              <a:t>検索上位に表示された画像の共通点について評価を行います．</a:t>
+              <a:t>また，検索</a:t>
+            </a:r>
+            <a:r>
+              <a:rPr lang="ja-JP" altLang="en-US" dirty="0" smtClean="0"/>
+              <a:t>上位に表示された</a:t>
+            </a:r>
+            <a:r>
+              <a:rPr lang="ja-JP" altLang="en-US" dirty="0" smtClean="0"/>
+              <a:t>画像をランキング形式で表し，類似している点を評価</a:t>
+            </a:r>
+            <a:r>
+              <a:rPr lang="ja-JP" altLang="en-US" dirty="0" smtClean="0"/>
+              <a:t>を行います．</a:t>
             </a:r>
             <a:endParaRPr lang="en-US" altLang="ja-JP" dirty="0" smtClean="0"/>
           </a:p>
@@ -1997,20 +2379,19 @@
                 <a:ea typeface="+mn-ea"/>
                 <a:cs typeface="+mn-cs"/>
               </a:rPr>
-              <a:t>実験</a:t>
-            </a:r>
-            <a:r>
-              <a:rPr kumimoji="1" lang="en-US" altLang="ja-JP" sz="1200" kern="1200" dirty="0" smtClean="0">
-                <a:solidFill>
-                  <a:schemeClr val="tx1"/>
-                </a:solidFill>
-                <a:effectLst/>
-                <a:latin typeface="+mn-lt"/>
-                <a:ea typeface="+mn-ea"/>
-                <a:cs typeface="+mn-cs"/>
-              </a:rPr>
-              <a:t>2</a:t>
-            </a:r>
+              <a:t>こちらが各ラベルの検索精度をグラフに表したものです．</a:t>
+            </a:r>
+            <a:endParaRPr kumimoji="1" lang="en-US" altLang="ja-JP" sz="1200" kern="1200" dirty="0" smtClean="0">
+              <a:solidFill>
+                <a:schemeClr val="tx1"/>
+              </a:solidFill>
+              <a:effectLst/>
+              <a:latin typeface="+mn-lt"/>
+              <a:ea typeface="+mn-ea"/>
+              <a:cs typeface="+mn-cs"/>
+            </a:endParaRPr>
+          </a:p>
+          <a:p>
             <a:r>
               <a:rPr kumimoji="1" lang="ja-JP" altLang="en-US" sz="1200" kern="1200" dirty="0" smtClean="0">
                 <a:solidFill>
@@ -2021,7 +2402,54 @@
                 <a:ea typeface="+mn-ea"/>
                 <a:cs typeface="+mn-cs"/>
               </a:rPr>
-              <a:t>の結果から制度が良いラベルと悪いラベルがあることが確認できました．検索精度の悪いラベルの影響で全体の検索精度が落ちてしまっていることがわかりました．</a:t>
+              <a:t>「車，トラック」等の検索精度が良く，「猫，鹿」等の検索精度が悪くなっていることがわかりました．</a:t>
+            </a:r>
+            <a:endParaRPr kumimoji="1" lang="en-US" altLang="ja-JP" sz="1200" kern="1200" dirty="0" smtClean="0">
+              <a:solidFill>
+                <a:schemeClr val="tx1"/>
+              </a:solidFill>
+              <a:effectLst/>
+              <a:latin typeface="+mn-lt"/>
+              <a:ea typeface="+mn-ea"/>
+              <a:cs typeface="+mn-cs"/>
+            </a:endParaRPr>
+          </a:p>
+          <a:p>
+            <a:r>
+              <a:rPr kumimoji="1" lang="ja-JP" altLang="en-US" sz="1200" kern="1200" dirty="0" smtClean="0">
+                <a:solidFill>
+                  <a:schemeClr val="tx1"/>
+                </a:solidFill>
+                <a:effectLst/>
+                <a:latin typeface="+mn-lt"/>
+                <a:ea typeface="+mn-ea"/>
+                <a:cs typeface="+mn-cs"/>
+              </a:rPr>
+              <a:t>このことから検索</a:t>
+            </a:r>
+            <a:r>
+              <a:rPr kumimoji="1" lang="ja-JP" altLang="en-US" sz="1200" kern="1200" dirty="0" smtClean="0">
+                <a:solidFill>
+                  <a:schemeClr val="tx1"/>
+                </a:solidFill>
+                <a:effectLst/>
+                <a:latin typeface="+mn-lt"/>
+                <a:ea typeface="+mn-ea"/>
+                <a:cs typeface="+mn-cs"/>
+              </a:rPr>
+              <a:t>精度の悪いラベルの影響で全体の検索精度が落ちてしまって</a:t>
+            </a:r>
+            <a:r>
+              <a:rPr kumimoji="1" lang="ja-JP" altLang="en-US" sz="1200" kern="1200" dirty="0" smtClean="0">
+                <a:solidFill>
+                  <a:schemeClr val="tx1"/>
+                </a:solidFill>
+                <a:effectLst/>
+                <a:latin typeface="+mn-lt"/>
+                <a:ea typeface="+mn-ea"/>
+                <a:cs typeface="+mn-cs"/>
+              </a:rPr>
+              <a:t>いると考えられました．</a:t>
             </a:r>
             <a:endParaRPr kumimoji="1" lang="en-US" altLang="ja-JP" sz="1200" kern="1200" dirty="0" smtClean="0">
               <a:solidFill>
@@ -2447,6 +2875,148 @@
           </a:p>
           <a:p>
             <a:r>
+              <a:rPr lang="ja-JP" altLang="en-US" dirty="0" smtClean="0"/>
+              <a:t>ランキング</a:t>
+            </a:r>
+            <a:r>
+              <a:rPr lang="ja-JP" altLang="en-US" dirty="0" smtClean="0"/>
+              <a:t>形式で画像を表示したところ，</a:t>
+            </a:r>
+            <a:r>
+              <a:rPr kumimoji="1" lang="ja-JP" altLang="en-US" sz="1200" b="0" i="0" kern="1200" dirty="0" smtClean="0">
+                <a:solidFill>
+                  <a:schemeClr val="tx1"/>
+                </a:solidFill>
+                <a:effectLst/>
+                <a:latin typeface="+mn-lt"/>
+                <a:ea typeface="+mn-ea"/>
+                <a:cs typeface="+mn-cs"/>
+              </a:rPr>
+              <a:t>車は</a:t>
+            </a:r>
+            <a:r>
+              <a:rPr kumimoji="1" lang="ja-JP" altLang="en-US" sz="1200" b="0" i="0" kern="1200" dirty="0" smtClean="0">
+                <a:solidFill>
+                  <a:schemeClr val="tx1"/>
+                </a:solidFill>
+                <a:effectLst/>
+                <a:latin typeface="+mn-lt"/>
+                <a:ea typeface="+mn-ea"/>
+                <a:cs typeface="+mn-cs"/>
+              </a:rPr>
+              <a:t>直線などがはっきりしているために</a:t>
+            </a:r>
+            <a:r>
+              <a:rPr kumimoji="1" lang="ja-JP" altLang="en-US" sz="1200" b="0" i="0" kern="1200" dirty="0" smtClean="0">
+                <a:solidFill>
+                  <a:schemeClr val="tx1"/>
+                </a:solidFill>
+                <a:effectLst/>
+                <a:latin typeface="+mn-lt"/>
+                <a:ea typeface="+mn-ea"/>
+                <a:cs typeface="+mn-cs"/>
+              </a:rPr>
+              <a:t>、画像の解像度が低くても意味</a:t>
+            </a:r>
+            <a:r>
+              <a:rPr kumimoji="1" lang="ja-JP" altLang="en-US" sz="1200" b="0" i="0" kern="1200" dirty="0" smtClean="0">
+                <a:solidFill>
+                  <a:schemeClr val="tx1"/>
+                </a:solidFill>
+                <a:effectLst/>
+                <a:latin typeface="+mn-lt"/>
+                <a:ea typeface="+mn-ea"/>
+                <a:cs typeface="+mn-cs"/>
+              </a:rPr>
+              <a:t>情報を多く保持で</a:t>
+            </a:r>
+            <a:r>
+              <a:rPr kumimoji="1" lang="ja-JP" altLang="en-US" sz="1200" b="0" i="0" kern="1200" dirty="0" smtClean="0">
+                <a:solidFill>
+                  <a:schemeClr val="tx1"/>
+                </a:solidFill>
+                <a:effectLst/>
+                <a:latin typeface="+mn-lt"/>
+                <a:ea typeface="+mn-ea"/>
+                <a:cs typeface="+mn-cs"/>
+              </a:rPr>
+              <a:t>きていたと考えました</a:t>
+            </a:r>
+            <a:endParaRPr kumimoji="1" lang="en-US" altLang="ja-JP" sz="1200" b="0" i="0" kern="1200" dirty="0" smtClean="0">
+              <a:solidFill>
+                <a:schemeClr val="tx1"/>
+              </a:solidFill>
+              <a:effectLst/>
+              <a:latin typeface="+mn-lt"/>
+              <a:ea typeface="+mn-ea"/>
+              <a:cs typeface="+mn-cs"/>
+            </a:endParaRPr>
+          </a:p>
+          <a:p>
+            <a:r>
+              <a:rPr kumimoji="1" lang="ja-JP" altLang="en-US" sz="1200" b="0" i="0" kern="1200" dirty="0" smtClean="0">
+                <a:solidFill>
+                  <a:schemeClr val="tx1"/>
+                </a:solidFill>
+                <a:effectLst/>
+                <a:latin typeface="+mn-lt"/>
+                <a:ea typeface="+mn-ea"/>
+                <a:cs typeface="+mn-cs"/>
+              </a:rPr>
+              <a:t>反対に，猫は</a:t>
+            </a:r>
+            <a:r>
+              <a:rPr kumimoji="1" lang="ja-JP" altLang="en-US" sz="1200" b="0" i="0" kern="1200" dirty="0" smtClean="0">
+                <a:solidFill>
+                  <a:schemeClr val="tx1"/>
+                </a:solidFill>
+                <a:effectLst/>
+                <a:latin typeface="+mn-lt"/>
+                <a:ea typeface="+mn-ea"/>
+                <a:cs typeface="+mn-cs"/>
+              </a:rPr>
+              <a:t>曲線や色の変化が多く、解像度の低さによってそれが表現されておらず、意味情報があまりないのではないかと考えました。</a:t>
+            </a:r>
+            <a:endParaRPr kumimoji="1" lang="en-US" altLang="ja-JP" sz="1200" b="0" i="0" kern="1200" dirty="0" smtClean="0">
+              <a:solidFill>
+                <a:schemeClr val="tx1"/>
+              </a:solidFill>
+              <a:effectLst/>
+              <a:latin typeface="+mn-lt"/>
+              <a:ea typeface="+mn-ea"/>
+              <a:cs typeface="+mn-cs"/>
+            </a:endParaRPr>
+          </a:p>
+          <a:p>
+            <a:endParaRPr kumimoji="1" lang="en-US" altLang="ja-JP" sz="1200" b="0" i="0" kern="1200" dirty="0" smtClean="0">
+              <a:solidFill>
+                <a:schemeClr val="tx1"/>
+              </a:solidFill>
+              <a:effectLst/>
+              <a:latin typeface="+mn-lt"/>
+              <a:ea typeface="+mn-ea"/>
+              <a:cs typeface="+mn-cs"/>
+            </a:endParaRPr>
+          </a:p>
+          <a:p>
+            <a:pPr marL="0" marR="0" indent="0" algn="l" defTabSz="914400" rtl="0" eaLnBrk="1" fontAlgn="auto" latinLnBrk="0" hangingPunct="1">
+              <a:lnSpc>
+                <a:spcPct val="100000"/>
+              </a:lnSpc>
+              <a:spcBef>
+                <a:spcPts val="0"/>
+              </a:spcBef>
+              <a:spcAft>
+                <a:spcPts val="0"/>
+              </a:spcAft>
+              <a:buClrTx/>
+              <a:buSzTx/>
+              <a:buFontTx/>
+              <a:buNone/>
+              <a:tabLst/>
+              <a:defRPr/>
+            </a:pPr>
+            <a:r>
               <a:rPr kumimoji="1" lang="ja-JP" altLang="en-US" sz="1200" b="0" i="0" kern="1200" dirty="0" smtClean="0">
                 <a:solidFill>
                   <a:schemeClr val="tx1"/>
@@ -2469,22 +3039,6 @@
             </a:endParaRPr>
           </a:p>
           <a:p>
-            <a:r>
-              <a:rPr lang="ja-JP" altLang="en-US" dirty="0" smtClean="0"/>
-              <a:t>又、ランキング形式で画像を表示したところ，</a:t>
-            </a:r>
-            <a:r>
-              <a:rPr kumimoji="1" lang="ja-JP" altLang="en-US" sz="1200" b="0" i="0" kern="1200" dirty="0" smtClean="0">
-                <a:solidFill>
-                  <a:schemeClr val="tx1"/>
-                </a:solidFill>
-                <a:effectLst/>
-                <a:latin typeface="+mn-lt"/>
-                <a:ea typeface="+mn-ea"/>
-                <a:cs typeface="+mn-cs"/>
-              </a:rPr>
-              <a:t>車などは直線などがはっきりしているために、解像度が少なくても意味情報を多く保持できていて、猫などは曲線や色の変化が多く、解像度の低さによってそれが表現されておらず、意味情報があまりないのではないかと考えました。</a:t>
-            </a:r>
             <a:endParaRPr kumimoji="1" lang="en-US" altLang="ja-JP" sz="1200" b="0" i="0" kern="1200" dirty="0" smtClean="0">
               <a:solidFill>
                 <a:schemeClr val="tx1"/>
@@ -2637,67 +3191,7 @@
                 <a:ea typeface="+mn-ea"/>
                 <a:cs typeface="+mn-cs"/>
               </a:rPr>
-              <a:t>次元数</a:t>
-            </a:r>
-            <a:r>
-              <a:rPr kumimoji="1" lang="en-US" altLang="ja-JP" sz="1200" kern="1200" dirty="0" smtClean="0">
-                <a:solidFill>
-                  <a:schemeClr val="tx1"/>
-                </a:solidFill>
-                <a:effectLst/>
-                <a:latin typeface="+mn-lt"/>
-                <a:ea typeface="+mn-ea"/>
-                <a:cs typeface="+mn-cs"/>
-              </a:rPr>
-              <a:t>8192</a:t>
-            </a:r>
-            <a:r>
-              <a:rPr kumimoji="1" lang="ja-JP" altLang="en-US" sz="1200" kern="1200" dirty="0" smtClean="0">
-                <a:solidFill>
-                  <a:schemeClr val="tx1"/>
-                </a:solidFill>
-                <a:effectLst/>
-                <a:latin typeface="+mn-lt"/>
-                <a:ea typeface="+mn-ea"/>
-                <a:cs typeface="+mn-cs"/>
-              </a:rPr>
-              <a:t>が最も正答率が良かったのですが，計算時間がかかりすげていることから，</a:t>
-            </a:r>
-            <a:r>
-              <a:rPr kumimoji="1" lang="ja-JP" altLang="ja-JP" sz="1200" kern="1200" dirty="0" smtClean="0">
-                <a:solidFill>
-                  <a:schemeClr val="tx1"/>
-                </a:solidFill>
-                <a:effectLst/>
-                <a:latin typeface="+mn-lt"/>
-                <a:ea typeface="+mn-ea"/>
-                <a:cs typeface="+mn-cs"/>
-              </a:rPr>
-              <a:t>次元数</a:t>
-            </a:r>
-            <a:r>
-              <a:rPr kumimoji="1" lang="en-US" altLang="ja-JP" sz="1200" kern="1200" dirty="0" smtClean="0">
-                <a:solidFill>
-                  <a:schemeClr val="tx1"/>
-                </a:solidFill>
-                <a:effectLst/>
-                <a:latin typeface="+mn-lt"/>
-                <a:ea typeface="+mn-ea"/>
-                <a:cs typeface="+mn-cs"/>
-              </a:rPr>
-              <a:t>1000</a:t>
-            </a:r>
-            <a:r>
-              <a:rPr kumimoji="1" lang="ja-JP" altLang="ja-JP" sz="1200" kern="1200" dirty="0" smtClean="0">
-                <a:solidFill>
-                  <a:schemeClr val="tx1"/>
-                </a:solidFill>
-                <a:effectLst/>
-                <a:latin typeface="+mn-lt"/>
-                <a:ea typeface="+mn-ea"/>
-                <a:cs typeface="+mn-cs"/>
-              </a:rPr>
-              <a:t>が，次元数，計算時間の両方の観点から最も良かった．</a:t>
+              <a:t>まとめになります．</a:t>
             </a:r>
             <a:endParaRPr kumimoji="1" lang="en-US" altLang="ja-JP" sz="1200" kern="1200" dirty="0" smtClean="0">
               <a:solidFill>
@@ -2720,30 +3214,7 @@
                 <a:ea typeface="+mn-ea"/>
                 <a:cs typeface="+mn-cs"/>
               </a:rPr>
-              <a:t>本研究の分析手法から最適な次元数を導き出すことが出来ました．</a:t>
-            </a:r>
-            <a:endParaRPr kumimoji="1" lang="ja-JP" altLang="ja-JP" sz="1200" kern="1200" dirty="0" smtClean="0">
-              <a:solidFill>
-                <a:schemeClr val="tx1"/>
-              </a:solidFill>
-              <a:effectLst/>
-              <a:latin typeface="+mn-lt"/>
-              <a:ea typeface="+mn-ea"/>
-              <a:cs typeface="+mn-cs"/>
-            </a:endParaRPr>
-          </a:p>
-          <a:p>
-            <a:r>
-              <a:rPr kumimoji="1" lang="ja-JP" altLang="en-US" sz="1200" kern="1200" dirty="0" smtClean="0">
-                <a:solidFill>
-                  <a:schemeClr val="tx1"/>
-                </a:solidFill>
-                <a:effectLst/>
-                <a:latin typeface="+mn-lt"/>
-                <a:ea typeface="+mn-ea"/>
-                <a:cs typeface="+mn-cs"/>
-              </a:rPr>
-              <a:t>次に，全体を通して検索精度が出ていなかったことに関し，検索精度が出ていない理由として，ラベルによって検索精度が異なり，検索精度が低いラベルが複数確認できた．</a:t>
+              <a:t>最適な次元数を求めるための分析手法を提案しました．</a:t>
             </a:r>
             <a:endParaRPr kumimoji="1" lang="en-US" altLang="ja-JP" sz="1200" kern="1200" dirty="0" smtClean="0">
               <a:solidFill>
@@ -2757,12 +3228,152 @@
           </a:p>
           <a:p>
             <a:r>
+              <a:rPr kumimoji="1" lang="ja-JP" altLang="en-US" sz="1200" kern="1200" dirty="0" smtClean="0">
+                <a:solidFill>
+                  <a:schemeClr val="tx1"/>
+                </a:solidFill>
+                <a:effectLst/>
+                <a:latin typeface="+mn-lt"/>
+                <a:ea typeface="+mn-ea"/>
+                <a:cs typeface="+mn-cs"/>
+              </a:rPr>
+              <a:t>分析手法から最適な次元数を得ることが確認することができました．</a:t>
+            </a:r>
+            <a:endParaRPr kumimoji="1" lang="en-US" altLang="ja-JP" sz="1200" kern="1200" dirty="0" smtClean="0">
+              <a:solidFill>
+                <a:schemeClr val="tx1"/>
+              </a:solidFill>
+              <a:effectLst/>
+              <a:latin typeface="+mn-lt"/>
+              <a:ea typeface="+mn-ea"/>
+              <a:cs typeface="+mn-cs"/>
+            </a:endParaRPr>
+          </a:p>
+          <a:p>
+            <a:r>
+              <a:rPr kumimoji="1" lang="ja-JP" altLang="en-US" sz="1200" kern="1200" dirty="0" smtClean="0">
+                <a:solidFill>
+                  <a:schemeClr val="tx1"/>
+                </a:solidFill>
+                <a:effectLst/>
+                <a:latin typeface="+mn-lt"/>
+                <a:ea typeface="+mn-ea"/>
+                <a:cs typeface="+mn-cs"/>
+              </a:rPr>
+              <a:t>また，検索画像をランキング形式にまとめた所，特徴ベクトルは，意味情報として対象物の形状などを持っているのではないかと考えました．</a:t>
+            </a:r>
+            <a:endParaRPr kumimoji="1" lang="en-US" altLang="ja-JP" sz="1200" kern="1200" dirty="0" smtClean="0">
+              <a:solidFill>
+                <a:schemeClr val="tx1"/>
+              </a:solidFill>
+              <a:effectLst/>
+              <a:latin typeface="+mn-lt"/>
+              <a:ea typeface="+mn-ea"/>
+              <a:cs typeface="+mn-cs"/>
+            </a:endParaRPr>
+          </a:p>
+          <a:p>
+            <a:endParaRPr kumimoji="1" lang="en-US" altLang="ja-JP" sz="1200" kern="1200" dirty="0" smtClean="0">
+              <a:solidFill>
+                <a:schemeClr val="tx1"/>
+              </a:solidFill>
+              <a:effectLst/>
+              <a:latin typeface="+mn-lt"/>
+              <a:ea typeface="+mn-ea"/>
+              <a:cs typeface="+mn-cs"/>
+            </a:endParaRPr>
+          </a:p>
+          <a:p>
+            <a:endParaRPr kumimoji="1" lang="en-US" altLang="ja-JP" sz="1200" kern="1200" dirty="0" smtClean="0">
+              <a:solidFill>
+                <a:schemeClr val="tx1"/>
+              </a:solidFill>
+              <a:effectLst/>
+              <a:latin typeface="+mn-lt"/>
+              <a:ea typeface="+mn-ea"/>
+              <a:cs typeface="+mn-cs"/>
+            </a:endParaRPr>
+          </a:p>
+          <a:p>
+            <a:r>
+              <a:rPr kumimoji="1" lang="ja-JP" altLang="en-US" sz="1200" kern="1200" dirty="0" smtClean="0">
+                <a:solidFill>
+                  <a:schemeClr val="tx1"/>
+                </a:solidFill>
+                <a:effectLst/>
+                <a:latin typeface="+mn-lt"/>
+                <a:ea typeface="+mn-ea"/>
+                <a:cs typeface="+mn-cs"/>
+              </a:rPr>
+              <a:t>実験</a:t>
+            </a:r>
+            <a:r>
+              <a:rPr kumimoji="1" lang="en-US" altLang="ja-JP" sz="1200" kern="1200" dirty="0" smtClean="0">
+                <a:solidFill>
+                  <a:schemeClr val="tx1"/>
+                </a:solidFill>
+                <a:effectLst/>
+                <a:latin typeface="+mn-lt"/>
+                <a:ea typeface="+mn-ea"/>
+                <a:cs typeface="+mn-cs"/>
+              </a:rPr>
+              <a:t>2</a:t>
+            </a:r>
+            <a:r>
+              <a:rPr kumimoji="1" lang="ja-JP" altLang="en-US" sz="1200" kern="1200" dirty="0" smtClean="0">
+                <a:solidFill>
+                  <a:schemeClr val="tx1"/>
+                </a:solidFill>
+                <a:effectLst/>
+                <a:latin typeface="+mn-lt"/>
+                <a:ea typeface="+mn-ea"/>
+                <a:cs typeface="+mn-cs"/>
+              </a:rPr>
+              <a:t>において，検索画像をランキング形式にまとめた所，特徴ベクトルは，意味情報として対象物の形状などを持っているのではないかと考えられました．</a:t>
+            </a:r>
+            <a:r>
               <a:rPr lang="ja-JP" altLang="en-US" dirty="0" smtClean="0"/>
-              <a:t>対象物がはっきり写っている画像は検索結果に類似度の高い画像が表示された</a:t>
+              <a:t>対象物</a:t>
+            </a:r>
+            <a:r>
+              <a:rPr lang="ja-JP" altLang="en-US" dirty="0" smtClean="0"/>
+              <a:t>がはっきり写っている画像は検索結果に類似度の高い画像が表示</a:t>
+            </a:r>
+            <a:r>
+              <a:rPr lang="ja-JP" altLang="en-US" dirty="0" smtClean="0"/>
+              <a:t>された</a:t>
             </a:r>
             <a:endParaRPr lang="en-US" altLang="ja-JP" dirty="0" smtClean="0"/>
           </a:p>
           <a:p>
+            <a:endParaRPr kumimoji="1" lang="en-US" altLang="ja-JP" sz="1200" kern="1200" dirty="0" smtClean="0">
+              <a:solidFill>
+                <a:schemeClr val="tx1"/>
+              </a:solidFill>
+              <a:effectLst/>
+              <a:latin typeface="+mn-lt"/>
+              <a:ea typeface="+mn-ea"/>
+              <a:cs typeface="+mn-cs"/>
+            </a:endParaRPr>
+          </a:p>
+          <a:p>
+            <a:pPr marL="0" marR="0" indent="0" algn="l" defTabSz="914400" rtl="0" eaLnBrk="1" fontAlgn="auto" latinLnBrk="0" hangingPunct="1">
+              <a:lnSpc>
+                <a:spcPct val="100000"/>
+              </a:lnSpc>
+              <a:spcBef>
+                <a:spcPts val="0"/>
+              </a:spcBef>
+              <a:spcAft>
+                <a:spcPts val="0"/>
+              </a:spcAft>
+              <a:buClrTx/>
+              <a:buSzTx/>
+              <a:buFontTx/>
+              <a:buNone/>
+              <a:tabLst/>
+              <a:defRPr/>
+            </a:pPr>
             <a:r>
               <a:rPr kumimoji="1" lang="ja-JP" altLang="en-US" sz="1200" kern="1200" dirty="0" smtClean="0">
                 <a:solidFill>
@@ -2773,7 +3384,7 @@
                 <a:ea typeface="+mn-ea"/>
                 <a:cs typeface="+mn-cs"/>
               </a:rPr>
-              <a:t>このことから</a:t>
+              <a:t>次に，全体を通して検索精度が出ていなかったことに関し，検索精度が出ていない理由として，ラベルによって検索精度が異なり，検索精度が低いラベルが複数確認できた．</a:t>
             </a:r>
             <a:endParaRPr kumimoji="1" lang="en-US" altLang="ja-JP" sz="1200" kern="1200" dirty="0" smtClean="0">
               <a:solidFill>
@@ -2988,6 +3599,30 @@
           </a:p>
           <a:p>
             <a:r>
+              <a:rPr kumimoji="1" lang="en-US" altLang="ja-JP" sz="1200" kern="1200" dirty="0" smtClean="0">
+                <a:solidFill>
+                  <a:schemeClr val="tx1"/>
+                </a:solidFill>
+                <a:effectLst/>
+                <a:latin typeface="+mn-lt"/>
+                <a:ea typeface="+mn-ea"/>
+                <a:cs typeface="+mn-cs"/>
+              </a:rPr>
+              <a:t>SNS</a:t>
+            </a:r>
+            <a:r>
+              <a:rPr kumimoji="1" lang="ja-JP" altLang="en-US" sz="1200" kern="1200" dirty="0" smtClean="0">
+                <a:solidFill>
+                  <a:schemeClr val="tx1"/>
+                </a:solidFill>
+                <a:effectLst/>
+                <a:latin typeface="+mn-lt"/>
+                <a:ea typeface="+mn-ea"/>
+                <a:cs typeface="+mn-cs"/>
+              </a:rPr>
+              <a:t>の</a:t>
+            </a:r>
+            <a:r>
               <a:rPr kumimoji="1" lang="ja-JP" altLang="ja-JP" sz="1200" kern="1200" dirty="0" smtClean="0">
                 <a:solidFill>
                   <a:schemeClr val="tx1"/>
@@ -2997,19 +3632,8 @@
                 <a:ea typeface="+mn-ea"/>
                 <a:cs typeface="+mn-cs"/>
               </a:rPr>
-              <a:t>ソーシャルネットワーキングサービスや写真共有サービスの普及により写真や画像の投稿が盛んになっており，</a:t>
-            </a:r>
-            <a:endParaRPr kumimoji="1" lang="en-US" altLang="ja-JP" sz="1200" kern="1200" dirty="0" smtClean="0">
-              <a:solidFill>
-                <a:schemeClr val="tx1"/>
-              </a:solidFill>
-              <a:effectLst/>
-              <a:latin typeface="+mn-lt"/>
-              <a:ea typeface="+mn-ea"/>
-              <a:cs typeface="+mn-cs"/>
-            </a:endParaRPr>
-          </a:p>
-          <a:p>
+              <a:t>普及</a:t>
+            </a:r>
             <a:r>
               <a:rPr kumimoji="1" lang="ja-JP" altLang="ja-JP" sz="1200" kern="1200" dirty="0" smtClean="0">
                 <a:solidFill>
@@ -3020,10 +3644,8 @@
                 <a:ea typeface="+mn-ea"/>
                 <a:cs typeface="+mn-cs"/>
               </a:rPr>
-              <a:t>大量の画像や写真が蓄積されています．</a:t>
-            </a:r>
-          </a:p>
-          <a:p>
+              <a:t>により写真や画像の投稿が盛んになっており</a:t>
+            </a:r>
             <a:r>
               <a:rPr kumimoji="1" lang="ja-JP" altLang="ja-JP" sz="1200" kern="1200" dirty="0" smtClean="0">
                 <a:solidFill>
@@ -3034,7 +3656,81 @@
                 <a:ea typeface="+mn-ea"/>
                 <a:cs typeface="+mn-cs"/>
               </a:rPr>
-              <a:t>ユーザが目的の画像に辿り着くために画像検索機能の重要性が増しています．</a:t>
+              <a:t>，大量</a:t>
+            </a:r>
+            <a:r>
+              <a:rPr kumimoji="1" lang="ja-JP" altLang="ja-JP" sz="1200" kern="1200" dirty="0" smtClean="0">
+                <a:solidFill>
+                  <a:schemeClr val="tx1"/>
+                </a:solidFill>
+                <a:effectLst/>
+                <a:latin typeface="+mn-lt"/>
+                <a:ea typeface="+mn-ea"/>
+                <a:cs typeface="+mn-cs"/>
+              </a:rPr>
+              <a:t>の画像や写真が蓄積されています．</a:t>
+            </a:r>
+          </a:p>
+          <a:p>
+            <a:r>
+              <a:rPr kumimoji="1" lang="ja-JP" altLang="ja-JP" sz="1200" kern="1200" dirty="0" smtClean="0">
+                <a:solidFill>
+                  <a:schemeClr val="tx1"/>
+                </a:solidFill>
+                <a:effectLst/>
+                <a:latin typeface="+mn-lt"/>
+                <a:ea typeface="+mn-ea"/>
+                <a:cs typeface="+mn-cs"/>
+              </a:rPr>
+              <a:t>ユーザが目的の画像</a:t>
+            </a:r>
+            <a:r>
+              <a:rPr kumimoji="1" lang="ja-JP" altLang="ja-JP" sz="1200" kern="1200" dirty="0" smtClean="0">
+                <a:solidFill>
+                  <a:schemeClr val="tx1"/>
+                </a:solidFill>
+                <a:effectLst/>
+                <a:latin typeface="+mn-lt"/>
+                <a:ea typeface="+mn-ea"/>
+                <a:cs typeface="+mn-cs"/>
+              </a:rPr>
+              <a:t>に</a:t>
+            </a:r>
+            <a:r>
+              <a:rPr kumimoji="1" lang="ja-JP" altLang="en-US" sz="1200" kern="1200" dirty="0" smtClean="0">
+                <a:solidFill>
+                  <a:schemeClr val="tx1"/>
+                </a:solidFill>
+                <a:effectLst/>
+                <a:latin typeface="+mn-lt"/>
+                <a:ea typeface="+mn-ea"/>
+                <a:cs typeface="+mn-cs"/>
+              </a:rPr>
+              <a:t>アクセスする手段として</a:t>
+            </a:r>
+            <a:r>
+              <a:rPr kumimoji="1" lang="ja-JP" altLang="ja-JP" sz="1200" kern="1200" dirty="0" smtClean="0">
+                <a:solidFill>
+                  <a:schemeClr val="tx1"/>
+                </a:solidFill>
+                <a:effectLst/>
+                <a:latin typeface="+mn-lt"/>
+                <a:ea typeface="+mn-ea"/>
+                <a:cs typeface="+mn-cs"/>
+              </a:rPr>
+              <a:t>画像</a:t>
+            </a:r>
+            <a:r>
+              <a:rPr kumimoji="1" lang="ja-JP" altLang="ja-JP" sz="1200" kern="1200" dirty="0" smtClean="0">
+                <a:solidFill>
+                  <a:schemeClr val="tx1"/>
+                </a:solidFill>
+                <a:effectLst/>
+                <a:latin typeface="+mn-lt"/>
+                <a:ea typeface="+mn-ea"/>
+                <a:cs typeface="+mn-cs"/>
+              </a:rPr>
+              <a:t>検索機能の重要性が増しています．</a:t>
             </a:r>
             <a:endParaRPr kumimoji="1" lang="en-US" altLang="ja-JP" sz="1200" kern="1200" dirty="0" smtClean="0">
               <a:solidFill>
@@ -3576,11 +4272,11 @@
             </a:r>
             <a:r>
               <a:rPr lang="ja-JP" altLang="en-US" dirty="0" smtClean="0"/>
-              <a:t>の登場により，画像検索機能は向上</a:t>
+              <a:t>の登場により，画像検索機能</a:t>
             </a:r>
             <a:r>
               <a:rPr lang="ja-JP" altLang="en-US" dirty="0" smtClean="0"/>
-              <a:t>した</a:t>
+              <a:t>は向上しました．</a:t>
             </a:r>
             <a:endParaRPr lang="en-US" altLang="ja-JP" dirty="0" smtClean="0"/>
           </a:p>
@@ -3604,7 +4300,7 @@
             </a:pPr>
             <a:r>
               <a:rPr lang="ja-JP" altLang="en-US" dirty="0" smtClean="0"/>
-              <a:t>深層学習モデルの中間層から抽出した特徴から得た特徴ベクトルを用いた画像検索方式が注目されている．</a:t>
+              <a:t>深層学習モデルの中間層から抽出した特徴ベクトルを用いた画像検索方式が注目されています．</a:t>
             </a:r>
             <a:endParaRPr lang="en-US" altLang="ja-JP" dirty="0" smtClean="0"/>
           </a:p>
@@ -3628,20 +4324,144 @@
             </a:pPr>
             <a:r>
               <a:rPr kumimoji="1" lang="ja-JP" altLang="en-US" sz="1200" dirty="0" smtClean="0"/>
-              <a:t>ここ</a:t>
+              <a:t>中間層</a:t>
             </a:r>
             <a:r>
               <a:rPr kumimoji="1" lang="ja-JP" altLang="en-US" sz="1200" dirty="0" smtClean="0"/>
-              <a:t>で中間層から抽出される特徴ベクトルには，意味情報が保存されていると仮定します．意味情報とは，</a:t>
+              <a:t>から抽出される特徴ベクトルには，意味情報が保存されていると仮定します</a:t>
+            </a:r>
+            <a:r>
+              <a:rPr kumimoji="1" lang="ja-JP" altLang="en-US" sz="1200" dirty="0" smtClean="0"/>
+              <a:t>．</a:t>
+            </a:r>
+            <a:endParaRPr kumimoji="1" lang="en-US" altLang="ja-JP" sz="1200" dirty="0" smtClean="0"/>
+          </a:p>
+          <a:p>
+            <a:pPr marL="0" marR="0" lvl="1" indent="0" algn="l" defTabSz="914400" rtl="0" eaLnBrk="1" fontAlgn="auto" latinLnBrk="0" hangingPunct="1">
+              <a:lnSpc>
+                <a:spcPct val="100000"/>
+              </a:lnSpc>
+              <a:spcBef>
+                <a:spcPts val="0"/>
+              </a:spcBef>
+              <a:spcAft>
+                <a:spcPts val="0"/>
+              </a:spcAft>
+              <a:buClrTx/>
+              <a:buSzTx/>
+              <a:buFontTx/>
+              <a:buNone/>
+              <a:tabLst/>
+              <a:defRPr/>
+            </a:pPr>
+            <a:r>
+              <a:rPr kumimoji="1" lang="ja-JP" altLang="en-US" sz="1200" dirty="0" smtClean="0"/>
+              <a:t>意味</a:t>
+            </a:r>
+            <a:r>
+              <a:rPr kumimoji="1" lang="ja-JP" altLang="en-US" sz="1200" dirty="0" smtClean="0"/>
+              <a:t>情報とは，</a:t>
             </a:r>
             <a:r>
               <a:rPr lang="ja-JP" altLang="en-US" dirty="0" smtClean="0"/>
-              <a:t>画像を認識する際に，その判断材料となる情報</a:t>
+              <a:t>画像を認識する際に，その判断材料となる</a:t>
+            </a:r>
+            <a:r>
+              <a:rPr lang="ja-JP" altLang="en-US" dirty="0" smtClean="0"/>
+              <a:t>情報ことを言います</a:t>
             </a:r>
             <a:r>
               <a:rPr lang="en-US" altLang="ja-JP" dirty="0" smtClean="0"/>
               <a:t>.</a:t>
             </a:r>
+          </a:p>
+          <a:p>
+            <a:pPr marL="0" marR="0" lvl="1" indent="0" algn="l" defTabSz="914400" rtl="0" eaLnBrk="1" fontAlgn="auto" latinLnBrk="0" hangingPunct="1">
+              <a:lnSpc>
+                <a:spcPct val="100000"/>
+              </a:lnSpc>
+              <a:spcBef>
+                <a:spcPts val="0"/>
+              </a:spcBef>
+              <a:spcAft>
+                <a:spcPts val="0"/>
+              </a:spcAft>
+              <a:buClrTx/>
+              <a:buSzTx/>
+              <a:buFontTx/>
+              <a:buNone/>
+              <a:tabLst/>
+              <a:defRPr/>
+            </a:pPr>
+            <a:r>
+              <a:rPr lang="ja-JP" altLang="en-US" dirty="0" smtClean="0"/>
+              <a:t>例でします画像では，縦横</a:t>
+            </a:r>
+            <a:r>
+              <a:rPr lang="en-US" altLang="ja-JP" dirty="0" smtClean="0"/>
+              <a:t>5*5</a:t>
+            </a:r>
+            <a:r>
+              <a:rPr lang="ja-JP" altLang="en-US" dirty="0" smtClean="0"/>
+              <a:t>で</a:t>
+            </a:r>
+            <a:r>
+              <a:rPr lang="en-US" altLang="ja-JP" dirty="0" smtClean="0"/>
+              <a:t>25</a:t>
+            </a:r>
+            <a:r>
+              <a:rPr lang="ja-JP" altLang="en-US" dirty="0" smtClean="0"/>
+              <a:t>画素となるので，</a:t>
+            </a:r>
+            <a:r>
+              <a:rPr lang="en-US" altLang="ja-JP" dirty="0" smtClean="0"/>
+              <a:t>25</a:t>
+            </a:r>
+            <a:r>
+              <a:rPr lang="ja-JP" altLang="en-US" dirty="0" smtClean="0"/>
+              <a:t>次元の特徴ベクトルであるといえます．</a:t>
+            </a:r>
+            <a:endParaRPr lang="en-US" altLang="ja-JP" dirty="0" smtClean="0"/>
+          </a:p>
+          <a:p>
+            <a:pPr marL="0" marR="0" lvl="1" indent="0" algn="l" defTabSz="914400" rtl="0" eaLnBrk="1" fontAlgn="auto" latinLnBrk="0" hangingPunct="1">
+              <a:lnSpc>
+                <a:spcPct val="100000"/>
+              </a:lnSpc>
+              <a:spcBef>
+                <a:spcPts val="0"/>
+              </a:spcBef>
+              <a:spcAft>
+                <a:spcPts val="0"/>
+              </a:spcAft>
+              <a:buClrTx/>
+              <a:buSzTx/>
+              <a:buFontTx/>
+              <a:buNone/>
+              <a:tabLst/>
+              <a:defRPr/>
+            </a:pPr>
+            <a:endParaRPr lang="en-US" altLang="ja-JP" dirty="0" smtClean="0"/>
+          </a:p>
+          <a:p>
+            <a:pPr marL="0" marR="0" lvl="1" indent="0" algn="l" defTabSz="914400" rtl="0" eaLnBrk="1" fontAlgn="auto" latinLnBrk="0" hangingPunct="1">
+              <a:lnSpc>
+                <a:spcPct val="100000"/>
+              </a:lnSpc>
+              <a:spcBef>
+                <a:spcPts val="0"/>
+              </a:spcBef>
+              <a:spcAft>
+                <a:spcPts val="0"/>
+              </a:spcAft>
+              <a:buClrTx/>
+              <a:buSzTx/>
+              <a:buFontTx/>
+              <a:buNone/>
+              <a:tabLst/>
+              <a:defRPr/>
+            </a:pPr>
+            <a:endParaRPr lang="en-US" altLang="ja-JP" dirty="0" smtClean="0"/>
           </a:p>
           <a:p>
             <a:pPr marL="0" marR="0" indent="0" algn="l" defTabSz="914400" rtl="0" eaLnBrk="1" fontAlgn="auto" latinLnBrk="0" hangingPunct="1">
@@ -3881,7 +4701,31 @@
                 <a:ea typeface="+mn-ea"/>
                 <a:cs typeface="+mn-cs"/>
               </a:rPr>
-              <a:t>つ目は，</a:t>
+              <a:t>つ目は</a:t>
+            </a:r>
+            <a:r>
+              <a:rPr kumimoji="1" lang="ja-JP" altLang="ja-JP" sz="1200" kern="1200" dirty="0" smtClean="0">
+                <a:solidFill>
+                  <a:schemeClr val="tx1"/>
+                </a:solidFill>
+                <a:effectLst/>
+                <a:latin typeface="+mn-lt"/>
+                <a:ea typeface="+mn-ea"/>
+                <a:cs typeface="+mn-cs"/>
+              </a:rPr>
+              <a:t>，</a:t>
+            </a:r>
+            <a:r>
+              <a:rPr kumimoji="1" lang="ja-JP" altLang="en-US" sz="1200" kern="1200" dirty="0" smtClean="0">
+                <a:solidFill>
+                  <a:schemeClr val="tx1"/>
+                </a:solidFill>
+                <a:effectLst/>
+                <a:latin typeface="+mn-lt"/>
+                <a:ea typeface="+mn-ea"/>
+                <a:cs typeface="+mn-cs"/>
+              </a:rPr>
+              <a:t>本研究のモデル構築に参考にした</a:t>
             </a:r>
             <a:r>
               <a:rPr kumimoji="1" lang="en-US" altLang="ja-JP" sz="1200" kern="1200" dirty="0" err="1" smtClean="0">
@@ -4128,7 +4972,19 @@
                 <a:ea typeface="+mn-ea"/>
                 <a:cs typeface="+mn-cs"/>
               </a:rPr>
-              <a:t>特徴ベクトルは，画像認識において</a:t>
+              <a:t>画像</a:t>
+            </a:r>
+            <a:r>
+              <a:rPr kumimoji="1" lang="ja-JP" altLang="en-US" sz="1200" kern="1200" dirty="0" smtClean="0">
+                <a:solidFill>
+                  <a:schemeClr val="tx1"/>
+                </a:solidFill>
+                <a:effectLst/>
+                <a:latin typeface="+mn-lt"/>
+                <a:ea typeface="+mn-ea"/>
+                <a:cs typeface="+mn-cs"/>
+              </a:rPr>
+              <a:t>検索</a:t>
             </a:r>
             <a:r>
               <a:rPr kumimoji="1" lang="ja-JP" altLang="ja-JP" sz="1200" kern="1200" dirty="0" smtClean="0">
@@ -4140,6 +4996,30 @@
                 <a:ea typeface="+mn-ea"/>
                 <a:cs typeface="+mn-cs"/>
               </a:rPr>
+              <a:t>に</a:t>
+            </a:r>
+            <a:r>
+              <a:rPr kumimoji="1" lang="ja-JP" altLang="ja-JP" sz="1200" kern="1200" dirty="0" smtClean="0">
+                <a:solidFill>
+                  <a:schemeClr val="tx1"/>
+                </a:solidFill>
+                <a:effectLst/>
+                <a:latin typeface="+mn-lt"/>
+                <a:ea typeface="+mn-ea"/>
+                <a:cs typeface="+mn-cs"/>
+              </a:rPr>
+              <a:t>おいて</a:t>
+            </a:r>
+            <a:r>
+              <a:rPr kumimoji="1" lang="ja-JP" altLang="ja-JP" sz="1200" kern="1200" dirty="0" smtClean="0">
+                <a:solidFill>
+                  <a:schemeClr val="tx1"/>
+                </a:solidFill>
+                <a:effectLst/>
+                <a:latin typeface="+mn-lt"/>
+                <a:ea typeface="+mn-ea"/>
+                <a:cs typeface="+mn-cs"/>
+              </a:rPr>
               <a:t>，</a:t>
             </a:r>
             <a:r>
@@ -4176,7 +5056,7 @@
                 <a:ea typeface="+mn-ea"/>
                 <a:cs typeface="+mn-cs"/>
               </a:rPr>
-              <a:t>になるほど検索精度が良くなるが計算時間が増加してしまいます</a:t>
+              <a:t>になるほど検索精度が良く</a:t>
             </a:r>
             <a:r>
               <a:rPr kumimoji="1" lang="ja-JP" altLang="ja-JP" sz="1200" kern="1200" dirty="0" smtClean="0">
@@ -4188,6 +5068,54 @@
                 <a:ea typeface="+mn-ea"/>
                 <a:cs typeface="+mn-cs"/>
               </a:rPr>
+              <a:t>な</a:t>
+            </a:r>
+            <a:r>
+              <a:rPr kumimoji="1" lang="ja-JP" altLang="en-US" sz="1200" kern="1200" dirty="0" smtClean="0">
+                <a:solidFill>
+                  <a:schemeClr val="tx1"/>
+                </a:solidFill>
+                <a:effectLst/>
+                <a:latin typeface="+mn-lt"/>
+                <a:ea typeface="+mn-ea"/>
+                <a:cs typeface="+mn-cs"/>
+              </a:rPr>
+              <a:t>ります</a:t>
+            </a:r>
+            <a:r>
+              <a:rPr kumimoji="1" lang="ja-JP" altLang="ja-JP" sz="1200" kern="1200" dirty="0" smtClean="0">
+                <a:solidFill>
+                  <a:schemeClr val="tx1"/>
+                </a:solidFill>
+                <a:effectLst/>
+                <a:latin typeface="+mn-lt"/>
+                <a:ea typeface="+mn-ea"/>
+                <a:cs typeface="+mn-cs"/>
+              </a:rPr>
+              <a:t>が</a:t>
+            </a:r>
+            <a:r>
+              <a:rPr kumimoji="1" lang="ja-JP" altLang="ja-JP" sz="1200" kern="1200" dirty="0" smtClean="0">
+                <a:solidFill>
+                  <a:schemeClr val="tx1"/>
+                </a:solidFill>
+                <a:effectLst/>
+                <a:latin typeface="+mn-lt"/>
+                <a:ea typeface="+mn-ea"/>
+                <a:cs typeface="+mn-cs"/>
+              </a:rPr>
+              <a:t>計算時間が増加してしまいます</a:t>
+            </a:r>
+            <a:r>
+              <a:rPr kumimoji="1" lang="ja-JP" altLang="ja-JP" sz="1200" kern="1200" dirty="0" smtClean="0">
+                <a:solidFill>
+                  <a:schemeClr val="tx1"/>
+                </a:solidFill>
+                <a:effectLst/>
+                <a:latin typeface="+mn-lt"/>
+                <a:ea typeface="+mn-ea"/>
+                <a:cs typeface="+mn-cs"/>
+              </a:rPr>
               <a:t>．</a:t>
             </a:r>
             <a:r>
@@ -4224,7 +5152,103 @@
                 <a:ea typeface="+mn-ea"/>
                 <a:cs typeface="+mn-cs"/>
               </a:rPr>
-              <a:t>低次元になるほど計算時間は早くなるが検索精度が落ちてしまうことがわかっています．</a:t>
+              <a:t>低次元に</a:t>
+            </a:r>
+            <a:r>
+              <a:rPr kumimoji="1" lang="ja-JP" altLang="ja-JP" sz="1200" kern="1200" dirty="0" smtClean="0">
+                <a:solidFill>
+                  <a:schemeClr val="tx1"/>
+                </a:solidFill>
+                <a:effectLst/>
+                <a:latin typeface="+mn-lt"/>
+                <a:ea typeface="+mn-ea"/>
+                <a:cs typeface="+mn-cs"/>
+              </a:rPr>
+              <a:t>なる</a:t>
+            </a:r>
+            <a:r>
+              <a:rPr kumimoji="1" lang="ja-JP" altLang="en-US" sz="1200" kern="1200" dirty="0" smtClean="0">
+                <a:solidFill>
+                  <a:schemeClr val="tx1"/>
+                </a:solidFill>
+                <a:effectLst/>
+                <a:latin typeface="+mn-lt"/>
+                <a:ea typeface="+mn-ea"/>
+                <a:cs typeface="+mn-cs"/>
+              </a:rPr>
+              <a:t>と</a:t>
+            </a:r>
+            <a:r>
+              <a:rPr kumimoji="1" lang="ja-JP" altLang="ja-JP" sz="1200" kern="1200" dirty="0" smtClean="0">
+                <a:solidFill>
+                  <a:schemeClr val="tx1"/>
+                </a:solidFill>
+                <a:effectLst/>
+                <a:latin typeface="+mn-lt"/>
+                <a:ea typeface="+mn-ea"/>
+                <a:cs typeface="+mn-cs"/>
+              </a:rPr>
+              <a:t>計算</a:t>
+            </a:r>
+            <a:r>
+              <a:rPr kumimoji="1" lang="ja-JP" altLang="ja-JP" sz="1200" kern="1200" dirty="0" smtClean="0">
+                <a:solidFill>
+                  <a:schemeClr val="tx1"/>
+                </a:solidFill>
+                <a:effectLst/>
+                <a:latin typeface="+mn-lt"/>
+                <a:ea typeface="+mn-ea"/>
+                <a:cs typeface="+mn-cs"/>
+              </a:rPr>
+              <a:t>時間は</a:t>
+            </a:r>
+            <a:r>
+              <a:rPr kumimoji="1" lang="ja-JP" altLang="ja-JP" sz="1200" kern="1200" dirty="0" smtClean="0">
+                <a:solidFill>
+                  <a:schemeClr val="tx1"/>
+                </a:solidFill>
+                <a:effectLst/>
+                <a:latin typeface="+mn-lt"/>
+                <a:ea typeface="+mn-ea"/>
+                <a:cs typeface="+mn-cs"/>
+              </a:rPr>
+              <a:t>早く</a:t>
+            </a:r>
+            <a:r>
+              <a:rPr kumimoji="1" lang="ja-JP" altLang="en-US" sz="1200" kern="1200" dirty="0" smtClean="0">
+                <a:solidFill>
+                  <a:schemeClr val="tx1"/>
+                </a:solidFill>
+                <a:effectLst/>
+                <a:latin typeface="+mn-lt"/>
+                <a:ea typeface="+mn-ea"/>
+                <a:cs typeface="+mn-cs"/>
+              </a:rPr>
+              <a:t>なります</a:t>
+            </a:r>
+            <a:r>
+              <a:rPr kumimoji="1" lang="ja-JP" altLang="ja-JP" sz="1200" kern="1200" dirty="0" smtClean="0">
+                <a:solidFill>
+                  <a:schemeClr val="tx1"/>
+                </a:solidFill>
+                <a:effectLst/>
+                <a:latin typeface="+mn-lt"/>
+                <a:ea typeface="+mn-ea"/>
+                <a:cs typeface="+mn-cs"/>
+              </a:rPr>
+              <a:t>が</a:t>
+            </a:r>
+            <a:r>
+              <a:rPr kumimoji="1" lang="ja-JP" altLang="ja-JP" sz="1200" kern="1200" dirty="0" smtClean="0">
+                <a:solidFill>
+                  <a:schemeClr val="tx1"/>
+                </a:solidFill>
+                <a:effectLst/>
+                <a:latin typeface="+mn-lt"/>
+                <a:ea typeface="+mn-ea"/>
+                <a:cs typeface="+mn-cs"/>
+              </a:rPr>
+              <a:t>検索精度が落ちてしまうことがわかっています．</a:t>
             </a:r>
           </a:p>
           <a:p>
@@ -4251,7 +5275,23 @@
                   <a:srgbClr val="FF0000"/>
                 </a:solidFill>
               </a:rPr>
-              <a:t>望ましい検索精度と計算時間を考慮した場合の最適な次元数が明らかになっていません．</a:t>
+              <a:t>ここで，望ましい</a:t>
+            </a:r>
+            <a:r>
+              <a:rPr lang="ja-JP" altLang="en-US" dirty="0" smtClean="0">
+                <a:solidFill>
+                  <a:srgbClr val="FF0000"/>
+                </a:solidFill>
+              </a:rPr>
+              <a:t>検索精度と計算時間を考慮した場合の最適な次元数が明らかになって</a:t>
+            </a:r>
+            <a:r>
+              <a:rPr lang="ja-JP" altLang="en-US" dirty="0" smtClean="0">
+                <a:solidFill>
+                  <a:srgbClr val="FF0000"/>
+                </a:solidFill>
+              </a:rPr>
+              <a:t>いないという課題があります．</a:t>
             </a:r>
             <a:endParaRPr lang="en-US" altLang="ja-JP" dirty="0" smtClean="0">
               <a:solidFill>
@@ -4602,7 +5642,27 @@
             </a:pPr>
             <a:r>
               <a:rPr lang="ja-JP" altLang="en-US" dirty="0" smtClean="0"/>
-              <a:t>検索精度は，画像検索手法の一つでもあるユークリッド距離を用いる．ベクトル間のユークリッド分離が小さい程類似性が高いとする．</a:t>
+              <a:t>検索精度は</a:t>
+            </a:r>
+            <a:r>
+              <a:rPr lang="ja-JP" altLang="en-US" dirty="0" smtClean="0"/>
+              <a:t>，ユークリッド</a:t>
+            </a:r>
+            <a:r>
+              <a:rPr lang="ja-JP" altLang="en-US" dirty="0" smtClean="0"/>
+              <a:t>距離を</a:t>
+            </a:r>
+            <a:r>
+              <a:rPr lang="ja-JP" altLang="en-US" dirty="0" smtClean="0"/>
+              <a:t>用います．</a:t>
+            </a:r>
+            <a:r>
+              <a:rPr lang="ja-JP" altLang="en-US" dirty="0" smtClean="0"/>
+              <a:t>ベクトル間のユークリッド分離が小さい程類似性が高い</a:t>
+            </a:r>
+            <a:r>
+              <a:rPr lang="ja-JP" altLang="en-US" dirty="0" smtClean="0"/>
+              <a:t>としてランキングします．</a:t>
             </a:r>
             <a:endParaRPr lang="en-US" altLang="ja-JP" dirty="0" smtClean="0"/>
           </a:p>
@@ -4977,6 +6037,18 @@
               <a:t>STEP-5</a:t>
             </a:r>
             <a:r>
+              <a:rPr kumimoji="1" lang="ja-JP" altLang="en-US" sz="1200" kern="1200" dirty="0" err="1" smtClean="0">
+                <a:solidFill>
+                  <a:schemeClr val="tx1"/>
+                </a:solidFill>
+                <a:effectLst/>
+                <a:latin typeface="+mn-lt"/>
+                <a:ea typeface="+mn-ea"/>
+                <a:cs typeface="+mn-cs"/>
+              </a:rPr>
+              <a:t>で抽</a:t>
+            </a:r>
+            <a:r>
               <a:rPr kumimoji="1" lang="ja-JP" altLang="en-US" sz="1200" kern="1200" dirty="0" smtClean="0">
                 <a:solidFill>
                   <a:schemeClr val="tx1"/>
@@ -4986,7 +6058,19 @@
                 <a:ea typeface="+mn-ea"/>
                 <a:cs typeface="+mn-cs"/>
               </a:rPr>
-              <a:t>で異なる次元数の各特徴ベクトルを画像検索評価プログラムに読込，評価を行います．</a:t>
+              <a:t>出した各特徴ベクトルを用いて，画像検索を行い，評価</a:t>
+            </a:r>
+            <a:r>
+              <a:rPr kumimoji="1" lang="ja-JP" altLang="en-US" sz="1200" kern="1200" dirty="0" smtClean="0">
+                <a:solidFill>
+                  <a:schemeClr val="tx1"/>
+                </a:solidFill>
+                <a:effectLst/>
+                <a:latin typeface="+mn-lt"/>
+                <a:ea typeface="+mn-ea"/>
+                <a:cs typeface="+mn-cs"/>
+              </a:rPr>
+              <a:t>を行います．</a:t>
             </a:r>
             <a:endParaRPr kumimoji="1" lang="en-US" altLang="ja-JP" sz="1200" kern="1200" dirty="0" smtClean="0">
               <a:solidFill>
@@ -5315,9 +6399,39 @@
           <a:lstStyle/>
           <a:p>
             <a:r>
+              <a:rPr kumimoji="1" lang="en-US" altLang="ja-JP" dirty="0" smtClean="0"/>
+              <a:t>STEP-4</a:t>
+            </a:r>
+            <a:r>
               <a:rPr kumimoji="1" lang="ja-JP" altLang="en-US" dirty="0" smtClean="0"/>
-              <a:t>モデルの構成はこのようになっています．</a:t>
-            </a:r>
+              <a:t>で特徴ベクトルを抽出するのですが詳しく説明します</a:t>
+            </a:r>
+            <a:endParaRPr kumimoji="1" lang="en-US" altLang="ja-JP" dirty="0" smtClean="0"/>
+          </a:p>
+          <a:p>
+            <a:r>
+              <a:rPr kumimoji="1" lang="ja-JP" altLang="en-US" dirty="0" smtClean="0"/>
+              <a:t>本研究で扱うモデル</a:t>
+            </a:r>
+            <a:r>
+              <a:rPr kumimoji="1" lang="ja-JP" altLang="en-US" dirty="0" smtClean="0"/>
+              <a:t>の構成はこのようになっています</a:t>
+            </a:r>
+            <a:r>
+              <a:rPr kumimoji="1" lang="ja-JP" altLang="en-US" dirty="0" smtClean="0"/>
+              <a:t>．全部で</a:t>
+            </a:r>
+            <a:r>
+              <a:rPr kumimoji="1" lang="en-US" altLang="ja-JP" dirty="0" smtClean="0"/>
+              <a:t>17</a:t>
+            </a:r>
+            <a:r>
+              <a:rPr kumimoji="1" lang="ja-JP" altLang="en-US" dirty="0" smtClean="0"/>
+              <a:t>層です．</a:t>
+            </a:r>
+            <a:endParaRPr kumimoji="1" lang="en-US" altLang="ja-JP" dirty="0" smtClean="0"/>
+          </a:p>
+          <a:p>
             <a:r>
               <a:rPr kumimoji="1" lang="en-US" altLang="ja-JP" dirty="0" smtClean="0"/>
               <a:t>13</a:t>
@@ -5359,9 +6473,12 @@
             <a:endParaRPr kumimoji="1" lang="en-US" altLang="ja-JP" dirty="0" smtClean="0"/>
           </a:p>
           <a:p>
+            <a:endParaRPr kumimoji="1" lang="en-US" altLang="ja-JP" dirty="0" smtClean="0"/>
+          </a:p>
+          <a:p>
             <a:r>
               <a:rPr kumimoji="1" lang="ja-JP" altLang="en-US" dirty="0" smtClean="0"/>
-              <a:t>パラメータノード数を変更することで抽出できる．</a:t>
+              <a:t>パラメータ，ノード数を変更することで異なる次元数の特徴ベクトルが抽出できる．</a:t>
             </a:r>
             <a:endParaRPr kumimoji="1" lang="ja-JP" altLang="en-US" dirty="0"/>
           </a:p>
@@ -9095,7 +10212,7 @@
           <a:graphicData uri="http://schemas.openxmlformats.org/presentationml/2006/ole">
             <mc:AlternateContent xmlns:mc="http://schemas.openxmlformats.org/markup-compatibility/2006">
               <mc:Choice xmlns:v="urn:schemas-microsoft-com:vml" Requires="v">
-                <p:oleObj spid="_x0000_s1256" name="ワークシート" r:id="rId4" imgW="1733609" imgH="463785" progId="Excel.Sheet.12">
+                <p:oleObj spid="_x0000_s1348" name="ワークシート" r:id="rId4" imgW="1733609" imgH="463785" progId="Excel.Sheet.12">
                   <p:embed/>
                 </p:oleObj>
               </mc:Choice>
@@ -9146,7 +10263,7 @@
           <a:graphicData uri="http://schemas.openxmlformats.org/presentationml/2006/ole">
             <mc:AlternateContent xmlns:mc="http://schemas.openxmlformats.org/markup-compatibility/2006">
               <mc:Choice xmlns:v="urn:schemas-microsoft-com:vml" Requires="v">
-                <p:oleObj spid="_x0000_s1257" name="ワークシート" r:id="rId6" imgW="2965470" imgH="1835385" progId="Excel.Sheet.12">
+                <p:oleObj spid="_x0000_s1349" name="ワークシート" r:id="rId6" imgW="2965470" imgH="1835385" progId="Excel.Sheet.12">
                   <p:embed/>
                 </p:oleObj>
               </mc:Choice>
@@ -9669,7 +10786,7 @@
       </p:sp>
       <p:pic>
         <p:nvPicPr>
-          <p:cNvPr id="6" name="図 5"/>
+          <p:cNvPr id="7" name="図 6"/>
           <p:cNvPicPr>
             <a:picLocks noChangeAspect="1"/>
           </p:cNvPicPr>
@@ -9683,8 +10800,8 @@
         </p:blipFill>
         <p:spPr>
           <a:xfrm>
-            <a:off x="1123304" y="2454773"/>
-            <a:ext cx="6576288" cy="4266703"/>
+            <a:off x="935665" y="2573865"/>
+            <a:ext cx="6400633" cy="4147611"/>
           </a:xfrm>
           <a:prstGeom prst="rect">
             <a:avLst/>
@@ -9699,7 +10816,7 @@
         </p:nvSpPr>
         <p:spPr>
           <a:xfrm>
-            <a:off x="3169086" y="2642992"/>
+            <a:off x="2882007" y="2763207"/>
             <a:ext cx="713983" cy="3106453"/>
           </a:xfrm>
           <a:prstGeom prst="roundRect">
@@ -10057,7 +11174,39 @@
             </a:r>
             <a:r>
               <a:rPr lang="ja-JP" altLang="en-US" dirty="0" smtClean="0"/>
-              <a:t>ベクトルから各ラベルの正答率を出し，ラベルによる正答率の違いをグラフに表す．</a:t>
+              <a:t>ベクトルから各ラベル</a:t>
+            </a:r>
+            <a:r>
+              <a:rPr lang="ja-JP" altLang="en-US" dirty="0" smtClean="0"/>
+              <a:t>の</a:t>
+            </a:r>
+            <a:r>
+              <a:rPr lang="ja-JP" altLang="en-US" dirty="0"/>
+              <a:t>検索精度</a:t>
+            </a:r>
+            <a:r>
+              <a:rPr lang="ja-JP" altLang="en-US" dirty="0" smtClean="0"/>
+              <a:t>を</a:t>
+            </a:r>
+            <a:r>
+              <a:rPr lang="ja-JP" altLang="en-US" dirty="0" smtClean="0"/>
+              <a:t>出し，ラベルに</a:t>
+            </a:r>
+            <a:r>
+              <a:rPr lang="ja-JP" altLang="en-US" dirty="0" smtClean="0"/>
+              <a:t>よる</a:t>
+            </a:r>
+            <a:r>
+              <a:rPr lang="ja-JP" altLang="en-US" dirty="0"/>
+              <a:t>検索精度</a:t>
+            </a:r>
+            <a:r>
+              <a:rPr lang="ja-JP" altLang="en-US" dirty="0" smtClean="0"/>
+              <a:t>の</a:t>
+            </a:r>
+            <a:r>
+              <a:rPr lang="ja-JP" altLang="en-US" dirty="0" smtClean="0"/>
+              <a:t>違いをグラフに表す．</a:t>
             </a:r>
             <a:endParaRPr lang="en-US" altLang="ja-JP" dirty="0" smtClean="0"/>
           </a:p>
@@ -10079,7 +11228,15 @@
             </a:r>
             <a:r>
               <a:rPr lang="ja-JP" altLang="en-US" dirty="0" smtClean="0"/>
-              <a:t>に表示された画像の類似している点について評価する．</a:t>
+              <a:t>に表示された</a:t>
+            </a:r>
+            <a:r>
+              <a:rPr lang="ja-JP" altLang="en-US" dirty="0" smtClean="0"/>
+              <a:t>画像をランキング形式で表示し，類似</a:t>
+            </a:r>
+            <a:r>
+              <a:rPr lang="ja-JP" altLang="en-US" dirty="0" smtClean="0"/>
+              <a:t>している点について評価する．</a:t>
             </a:r>
             <a:endParaRPr kumimoji="1" lang="ja-JP" altLang="en-US" dirty="0"/>
           </a:p>
@@ -10250,7 +11407,7 @@
       </p:sp>
       <p:pic>
         <p:nvPicPr>
-          <p:cNvPr id="6" name="図 5"/>
+          <p:cNvPr id="8" name="図 7"/>
           <p:cNvPicPr>
             <a:picLocks noChangeAspect="1"/>
           </p:cNvPicPr>
@@ -10264,8 +11421,8 @@
         </p:blipFill>
         <p:spPr>
           <a:xfrm>
-            <a:off x="1077868" y="2918564"/>
-            <a:ext cx="6554104" cy="3939436"/>
+            <a:off x="1620226" y="3212468"/>
+            <a:ext cx="5492955" cy="3509008"/>
           </a:xfrm>
           <a:prstGeom prst="rect">
             <a:avLst/>
@@ -10380,12 +11537,34 @@
           </a:xfrm>
         </p:spPr>
         <p:txBody>
-          <a:bodyPr/>
+          <a:bodyPr>
+            <a:normAutofit lnSpcReduction="10000"/>
+          </a:bodyPr>
           <a:lstStyle/>
           <a:p>
             <a:r>
               <a:rPr lang="ja-JP" altLang="en-US" dirty="0" smtClean="0"/>
-              <a:t>直線などがはっきりとしていて意味情報として区別できている．</a:t>
+              <a:t>直線などが</a:t>
+            </a:r>
+            <a:r>
+              <a:rPr lang="ja-JP" altLang="en-US" dirty="0" smtClean="0"/>
+              <a:t>はっきり</a:t>
+            </a:r>
+            <a:r>
+              <a:rPr lang="ja-JP" altLang="en-US" dirty="0"/>
+              <a:t>している</a:t>
+            </a:r>
+            <a:r>
+              <a:rPr lang="ja-JP" altLang="en-US" dirty="0" smtClean="0"/>
+              <a:t>ため，解像度が低くても</a:t>
+            </a:r>
+            <a:r>
+              <a:rPr lang="ja-JP" altLang="en-US" dirty="0" smtClean="0"/>
+              <a:t>意味情報</a:t>
+            </a:r>
+            <a:r>
+              <a:rPr lang="ja-JP" altLang="en-US" dirty="0" smtClean="0"/>
+              <a:t>が多く保持されている．</a:t>
             </a:r>
             <a:endParaRPr kumimoji="1" lang="ja-JP" altLang="en-US" dirty="0"/>
           </a:p>
@@ -10440,7 +11619,23 @@
             </a:r>
             <a:r>
               <a:rPr lang="ja-JP" altLang="en-US" dirty="0" smtClean="0"/>
-              <a:t>や色の変化が多く，解像度が低いために意味情報が取れていない</a:t>
+              <a:t>や色の変化が多く</a:t>
+            </a:r>
+            <a:r>
+              <a:rPr lang="ja-JP" altLang="en-US" dirty="0" smtClean="0"/>
+              <a:t>，画像の解像度では意味</a:t>
+            </a:r>
+            <a:r>
+              <a:rPr lang="ja-JP" altLang="en-US" dirty="0" smtClean="0"/>
+              <a:t>情報</a:t>
+            </a:r>
+            <a:r>
+              <a:rPr lang="ja-JP" altLang="en-US" dirty="0" smtClean="0"/>
+              <a:t>が</a:t>
+            </a:r>
+            <a:r>
+              <a:rPr lang="ja-JP" altLang="en-US" dirty="0"/>
+              <a:t>保持されていない</a:t>
             </a:r>
             <a:r>
               <a:rPr kumimoji="1" lang="ja-JP" altLang="en-US" dirty="0" smtClean="0"/>
@@ -10594,7 +11789,7 @@
         <p:spPr/>
         <p:txBody>
           <a:bodyPr>
-            <a:normAutofit fontScale="92500" lnSpcReduction="10000"/>
+            <a:normAutofit/>
           </a:bodyPr>
           <a:lstStyle/>
           <a:p>
@@ -10605,28 +11800,29 @@
             <a:endParaRPr lang="en-US" altLang="ja-JP" dirty="0" smtClean="0"/>
           </a:p>
           <a:p>
-            <a:endParaRPr lang="en-US" altLang="ja-JP" dirty="0" smtClean="0"/>
-          </a:p>
-          <a:p>
-            <a:r>
-              <a:rPr lang="ja-JP" altLang="en-US" dirty="0" smtClean="0"/>
+            <a:r>
+              <a:rPr lang="ja-JP" altLang="en-US" u="sng" dirty="0" smtClean="0"/>
               <a:t>分析</a:t>
             </a:r>
             <a:r>
+              <a:rPr lang="ja-JP" altLang="en-US" u="sng" dirty="0"/>
+              <a:t>手法</a:t>
+            </a:r>
+            <a:r>
+              <a:rPr lang="ja-JP" altLang="en-US" u="sng" dirty="0" smtClean="0"/>
+              <a:t>から最適な次元数</a:t>
+            </a:r>
+            <a:r>
+              <a:rPr lang="ja-JP" altLang="en-US" u="sng" dirty="0" smtClean="0"/>
+              <a:t>を</a:t>
+            </a:r>
+            <a:r>
+              <a:rPr lang="ja-JP" altLang="en-US" u="sng" dirty="0"/>
+              <a:t>得る</a:t>
+            </a:r>
+            <a:r>
               <a:rPr lang="ja-JP" altLang="en-US" dirty="0"/>
-              <a:t>手法</a:t>
-            </a:r>
-            <a:r>
-              <a:rPr lang="ja-JP" altLang="en-US" dirty="0" smtClean="0"/>
-              <a:t>から最適な次元数</a:t>
-            </a:r>
-            <a:r>
-              <a:rPr lang="ja-JP" altLang="en-US" dirty="0" smtClean="0"/>
-              <a:t>を</a:t>
-            </a:r>
-            <a:r>
-              <a:rPr lang="ja-JP" altLang="en-US" dirty="0"/>
-              <a:t>得ること</a:t>
+              <a:t>こと</a:t>
             </a:r>
             <a:r>
               <a:rPr lang="ja-JP" altLang="en-US" dirty="0" smtClean="0"/>
@@ -10639,34 +11835,16 @@
           </a:p>
           <a:p>
             <a:r>
-              <a:rPr lang="ja-JP" altLang="en-US" dirty="0"/>
-              <a:t>ラベルに</a:t>
-            </a:r>
-            <a:r>
               <a:rPr lang="ja-JP" altLang="en-US" dirty="0" smtClean="0"/>
-              <a:t>よって検索</a:t>
+              <a:t>検索画像をランキング形式にまとめた所，特徴ベクトルは，</a:t>
+            </a:r>
+            <a:r>
+              <a:rPr lang="ja-JP" altLang="en-US" u="sng" dirty="0" smtClean="0"/>
+              <a:t>意味情報として対象物の形状など</a:t>
             </a:r>
             <a:r>
               <a:rPr lang="ja-JP" altLang="en-US" dirty="0" smtClean="0"/>
-              <a:t>精度に差が</a:t>
-            </a:r>
-            <a:r>
-              <a:rPr lang="ja-JP" altLang="en-US" dirty="0" smtClean="0"/>
-              <a:t>あることが確認できた．</a:t>
-            </a:r>
-            <a:endParaRPr kumimoji="1" lang="en-US" altLang="ja-JP" dirty="0" smtClean="0"/>
-          </a:p>
-          <a:p>
-            <a:endParaRPr lang="en-US" altLang="ja-JP" dirty="0" smtClean="0"/>
-          </a:p>
-          <a:p>
-            <a:r>
-              <a:rPr lang="ja-JP" altLang="en-US" dirty="0" smtClean="0"/>
-              <a:t>対象物が単純な画像</a:t>
-            </a:r>
-            <a:r>
-              <a:rPr lang="ja-JP" altLang="en-US" dirty="0" smtClean="0"/>
-              <a:t>は検索結果に類似度の高い画像が表示された．</a:t>
+              <a:t>を持っているのではないかと考えられた．</a:t>
             </a:r>
             <a:endParaRPr lang="en-US" altLang="ja-JP" dirty="0"/>
           </a:p>
@@ -11651,11 +12829,11 @@
             </a:r>
             <a:r>
               <a:rPr lang="ja-JP" altLang="en-US" dirty="0" smtClean="0"/>
-              <a:t>抽出した</a:t>
+              <a:t>抽出</a:t>
             </a:r>
             <a:r>
               <a:rPr lang="ja-JP" altLang="en-US" dirty="0" smtClean="0"/>
-              <a:t>特徴から得た特徴ベクトルを用いた画像検索方式が注目されている．</a:t>
+              <a:t>した特徴ベクトルを用いた画像検索方式が注目されている．</a:t>
             </a:r>
             <a:endParaRPr lang="en-US" altLang="ja-JP" dirty="0" smtClean="0"/>
           </a:p>
@@ -11707,7 +12885,7 @@
             </a:r>
             <a:r>
               <a:rPr lang="ja-JP" altLang="en-US" dirty="0" smtClean="0"/>
-              <a:t>情報</a:t>
+              <a:t>情報．</a:t>
             </a:r>
             <a:endParaRPr lang="en-US" altLang="ja-JP" dirty="0">
               <a:solidFill>
@@ -11823,7 +13001,11 @@
             </a:r>
             <a:r>
               <a:rPr lang="ja-JP" altLang="en-US" sz="2400" dirty="0"/>
-              <a:t>次元であるといえる</a:t>
+              <a:t>次元であると</a:t>
+            </a:r>
+            <a:r>
+              <a:rPr lang="ja-JP" altLang="en-US" sz="2400" dirty="0" smtClean="0"/>
+              <a:t>いえる．</a:t>
             </a:r>
             <a:endParaRPr lang="en-US" altLang="ja-JP" sz="2400" dirty="0"/>
           </a:p>
@@ -12388,7 +13570,19 @@
               <a:rPr lang="en-US" altLang="ja-JP" dirty="0" smtClean="0">
                 <a:ea typeface="+mj-ea"/>
               </a:rPr>
-              <a:t>[2012Alex]</a:t>
+              <a:t>[</a:t>
+            </a:r>
+            <a:r>
+              <a:rPr lang="en-US" altLang="ja-JP" dirty="0" smtClean="0">
+                <a:ea typeface="+mj-ea"/>
+              </a:rPr>
+              <a:t>2012 Alex</a:t>
+            </a:r>
+            <a:r>
+              <a:rPr lang="en-US" altLang="ja-JP" dirty="0" smtClean="0">
+                <a:ea typeface="+mj-ea"/>
+              </a:rPr>
+              <a:t>]</a:t>
             </a:r>
             <a:endParaRPr lang="en-US" altLang="ja-JP" dirty="0">
               <a:ea typeface="+mj-ea"/>
@@ -12425,7 +13619,13 @@
               <a:rPr lang="en-US" altLang="ja-JP" dirty="0" smtClean="0">
                 <a:ea typeface="+mj-ea"/>
               </a:rPr>
-              <a:t>[2015</a:t>
+              <a:t>[</a:t>
+            </a:r>
+            <a:r>
+              <a:rPr lang="en-US" altLang="ja-JP" dirty="0" smtClean="0">
+                <a:ea typeface="+mj-ea"/>
+              </a:rPr>
+              <a:t>2015 </a:t>
             </a:r>
             <a:r>
               <a:rPr lang="ja-JP" altLang="en-US" dirty="0" smtClean="0">
@@ -12468,7 +13668,19 @@
               <a:rPr lang="en-US" altLang="ja-JP" dirty="0" smtClean="0">
                 <a:ea typeface="+mj-ea"/>
               </a:rPr>
-              <a:t>[2012Alex]</a:t>
+              <a:t>[</a:t>
+            </a:r>
+            <a:r>
+              <a:rPr lang="en-US" altLang="ja-JP" dirty="0" smtClean="0">
+                <a:ea typeface="+mj-ea"/>
+              </a:rPr>
+              <a:t>2012 Alex</a:t>
+            </a:r>
+            <a:r>
+              <a:rPr lang="en-US" altLang="ja-JP" dirty="0" smtClean="0">
+                <a:ea typeface="+mj-ea"/>
+              </a:rPr>
+              <a:t>]</a:t>
             </a:r>
             <a:r>
               <a:rPr lang="ja-JP" altLang="en-US" dirty="0" err="1" smtClean="0">
@@ -12480,7 +13692,13 @@
               <a:rPr lang="en-US" altLang="ja-JP" dirty="0" smtClean="0">
                 <a:ea typeface="+mj-ea"/>
               </a:rPr>
-              <a:t>[2018</a:t>
+              <a:t>[</a:t>
+            </a:r>
+            <a:r>
+              <a:rPr lang="en-US" altLang="ja-JP" dirty="0" smtClean="0">
+                <a:ea typeface="+mj-ea"/>
+              </a:rPr>
+              <a:t>2018 </a:t>
             </a:r>
             <a:r>
               <a:rPr lang="ja-JP" altLang="en-US" dirty="0" smtClean="0">
@@ -12535,7 +13753,13 @@
               <a:rPr lang="en-US" altLang="ja-JP" dirty="0" smtClean="0">
                 <a:ea typeface="+mj-ea"/>
               </a:rPr>
-              <a:t>[2020</a:t>
+              <a:t>[</a:t>
+            </a:r>
+            <a:r>
+              <a:rPr lang="en-US" altLang="ja-JP" dirty="0" smtClean="0">
+                <a:ea typeface="+mj-ea"/>
+              </a:rPr>
+              <a:t>2020 </a:t>
             </a:r>
             <a:r>
               <a:rPr lang="ja-JP" altLang="en-US" dirty="0" smtClean="0">
@@ -12791,7 +14015,7 @@
       </p:sp>
       <p:pic>
         <p:nvPicPr>
-          <p:cNvPr id="6" name="図 5"/>
+          <p:cNvPr id="5" name="図 4"/>
           <p:cNvPicPr>
             <a:picLocks noChangeAspect="1"/>
           </p:cNvPicPr>
@@ -12805,8 +14029,8 @@
         </p:blipFill>
         <p:spPr>
           <a:xfrm>
-            <a:off x="2635957" y="4548912"/>
-            <a:ext cx="3821993" cy="2297262"/>
+            <a:off x="2570013" y="4531129"/>
+            <a:ext cx="3650033" cy="2190347"/>
           </a:xfrm>
           <a:prstGeom prst="rect">
             <a:avLst/>
@@ -12999,8 +14223,8 @@
         </p:nvSpPr>
         <p:spPr>
           <a:xfrm>
-            <a:off x="4421687" y="5798234"/>
-            <a:ext cx="3557391" cy="923242"/>
+            <a:off x="3730193" y="5798234"/>
+            <a:ext cx="4248885" cy="923242"/>
           </a:xfrm>
           <a:prstGeom prst="rect">
             <a:avLst/>
@@ -13310,7 +14534,7 @@
         </p:nvSpPr>
         <p:spPr>
           <a:xfrm>
-            <a:off x="4337361" y="5798234"/>
+            <a:off x="3705247" y="5798234"/>
             <a:ext cx="2245290" cy="369332"/>
           </a:xfrm>
           <a:prstGeom prst="rect">
@@ -13703,7 +14927,7 @@
           <a:graphicData uri="http://schemas.openxmlformats.org/presentationml/2006/ole">
             <mc:AlternateContent xmlns:mc="http://schemas.openxmlformats.org/markup-compatibility/2006">
               <mc:Choice xmlns:v="urn:schemas-microsoft-com:vml" Requires="v">
-                <p:oleObj spid="_x0000_s2167" name="ワークシート" r:id="rId4" imgW="4826156" imgH="4134085" progId="Excel.Sheet.12">
+                <p:oleObj spid="_x0000_s2214" name="ワークシート" r:id="rId4" imgW="4826156" imgH="4134085" progId="Excel.Sheet.12">
                   <p:embed/>
                 </p:oleObj>
               </mc:Choice>
